--- a/ppt_template.pptx
+++ b/ppt_template.pptx
@@ -4,6 +4,9 @@
   <p:sldMasterIdLst>
     <p:sldMasterId id="2147483673" r:id="rId1"/>
   </p:sldMasterIdLst>
+  <p:notesMasterIdLst>
+    <p:notesMasterId r:id="rId12"/>
+  </p:notesMasterIdLst>
   <p:sldIdLst>
     <p:sldId id="256" r:id="rId2"/>
     <p:sldId id="257" r:id="rId3"/>
@@ -119,6 +122,3342 @@
     </p:ext>
   </p:extLst>
 </p:presentation>
+</file>
+
+<file path=ppt/diagrams/colors1.xml><?xml version="1.0" encoding="utf-8"?>
+<dgm:colorsDef xmlns:dgm="http://schemas.openxmlformats.org/drawingml/2006/diagram" xmlns:a="http://schemas.openxmlformats.org/drawingml/2006/main" uniqueId="urn:microsoft.com/office/officeart/2005/8/colors/accent1_2">
+  <dgm:title val=""/>
+  <dgm:desc val=""/>
+  <dgm:catLst>
+    <dgm:cat type="accent1" pri="11200"/>
+  </dgm:catLst>
+  <dgm:styleLbl name="node0">
+    <dgm:fillClrLst meth="repeat">
+      <a:schemeClr val="accent1"/>
+    </dgm:fillClrLst>
+    <dgm:linClrLst meth="repeat">
+      <a:schemeClr val="lt1"/>
+    </dgm:linClrLst>
+    <dgm:effectClrLst/>
+    <dgm:txLinClrLst/>
+    <dgm:txFillClrLst/>
+    <dgm:txEffectClrLst/>
+  </dgm:styleLbl>
+  <dgm:styleLbl name="alignNode1">
+    <dgm:fillClrLst meth="repeat">
+      <a:schemeClr val="accent1"/>
+    </dgm:fillClrLst>
+    <dgm:linClrLst meth="repeat">
+      <a:schemeClr val="accent1"/>
+    </dgm:linClrLst>
+    <dgm:effectClrLst/>
+    <dgm:txLinClrLst/>
+    <dgm:txFillClrLst/>
+    <dgm:txEffectClrLst/>
+  </dgm:styleLbl>
+  <dgm:styleLbl name="node1">
+    <dgm:fillClrLst meth="repeat">
+      <a:schemeClr val="accent1"/>
+    </dgm:fillClrLst>
+    <dgm:linClrLst meth="repeat">
+      <a:schemeClr val="lt1"/>
+    </dgm:linClrLst>
+    <dgm:effectClrLst/>
+    <dgm:txLinClrLst/>
+    <dgm:txFillClrLst/>
+    <dgm:txEffectClrLst/>
+  </dgm:styleLbl>
+  <dgm:styleLbl name="lnNode1">
+    <dgm:fillClrLst meth="repeat">
+      <a:schemeClr val="accent1"/>
+    </dgm:fillClrLst>
+    <dgm:linClrLst meth="repeat">
+      <a:schemeClr val="lt1"/>
+    </dgm:linClrLst>
+    <dgm:effectClrLst/>
+    <dgm:txLinClrLst/>
+    <dgm:txFillClrLst/>
+    <dgm:txEffectClrLst/>
+  </dgm:styleLbl>
+  <dgm:styleLbl name="vennNode1">
+    <dgm:fillClrLst meth="repeat">
+      <a:schemeClr val="accent1">
+        <a:alpha val="50000"/>
+      </a:schemeClr>
+    </dgm:fillClrLst>
+    <dgm:linClrLst meth="repeat">
+      <a:schemeClr val="lt1"/>
+    </dgm:linClrLst>
+    <dgm:effectClrLst/>
+    <dgm:txLinClrLst/>
+    <dgm:txFillClrLst/>
+    <dgm:txEffectClrLst/>
+  </dgm:styleLbl>
+  <dgm:styleLbl name="node2">
+    <dgm:fillClrLst meth="repeat">
+      <a:schemeClr val="accent1"/>
+    </dgm:fillClrLst>
+    <dgm:linClrLst meth="repeat">
+      <a:schemeClr val="lt1"/>
+    </dgm:linClrLst>
+    <dgm:effectClrLst/>
+    <dgm:txLinClrLst/>
+    <dgm:txFillClrLst/>
+    <dgm:txEffectClrLst/>
+  </dgm:styleLbl>
+  <dgm:styleLbl name="node3">
+    <dgm:fillClrLst meth="repeat">
+      <a:schemeClr val="accent1"/>
+    </dgm:fillClrLst>
+    <dgm:linClrLst meth="repeat">
+      <a:schemeClr val="lt1"/>
+    </dgm:linClrLst>
+    <dgm:effectClrLst/>
+    <dgm:txLinClrLst/>
+    <dgm:txFillClrLst/>
+    <dgm:txEffectClrLst/>
+  </dgm:styleLbl>
+  <dgm:styleLbl name="node4">
+    <dgm:fillClrLst meth="repeat">
+      <a:schemeClr val="accent1"/>
+    </dgm:fillClrLst>
+    <dgm:linClrLst meth="repeat">
+      <a:schemeClr val="lt1"/>
+    </dgm:linClrLst>
+    <dgm:effectClrLst/>
+    <dgm:txLinClrLst/>
+    <dgm:txFillClrLst/>
+    <dgm:txEffectClrLst/>
+  </dgm:styleLbl>
+  <dgm:styleLbl name="fgImgPlace1">
+    <dgm:fillClrLst meth="repeat">
+      <a:schemeClr val="accent1">
+        <a:tint val="50000"/>
+      </a:schemeClr>
+    </dgm:fillClrLst>
+    <dgm:linClrLst meth="repeat">
+      <a:schemeClr val="lt1"/>
+    </dgm:linClrLst>
+    <dgm:effectClrLst/>
+    <dgm:txLinClrLst/>
+    <dgm:txFillClrLst meth="repeat">
+      <a:schemeClr val="lt1"/>
+    </dgm:txFillClrLst>
+    <dgm:txEffectClrLst/>
+  </dgm:styleLbl>
+  <dgm:styleLbl name="alignImgPlace1">
+    <dgm:fillClrLst meth="repeat">
+      <a:schemeClr val="accent1">
+        <a:tint val="50000"/>
+      </a:schemeClr>
+    </dgm:fillClrLst>
+    <dgm:linClrLst meth="repeat">
+      <a:schemeClr val="lt1"/>
+    </dgm:linClrLst>
+    <dgm:effectClrLst/>
+    <dgm:txLinClrLst/>
+    <dgm:txFillClrLst meth="repeat">
+      <a:schemeClr val="lt1"/>
+    </dgm:txFillClrLst>
+    <dgm:txEffectClrLst/>
+  </dgm:styleLbl>
+  <dgm:styleLbl name="bgImgPlace1">
+    <dgm:fillClrLst meth="repeat">
+      <a:schemeClr val="accent1">
+        <a:tint val="50000"/>
+      </a:schemeClr>
+    </dgm:fillClrLst>
+    <dgm:linClrLst meth="repeat">
+      <a:schemeClr val="lt1"/>
+    </dgm:linClrLst>
+    <dgm:effectClrLst/>
+    <dgm:txLinClrLst/>
+    <dgm:txFillClrLst meth="repeat">
+      <a:schemeClr val="lt1"/>
+    </dgm:txFillClrLst>
+    <dgm:txEffectClrLst/>
+  </dgm:styleLbl>
+  <dgm:styleLbl name="sibTrans2D1">
+    <dgm:fillClrLst meth="repeat">
+      <a:schemeClr val="accent1">
+        <a:tint val="60000"/>
+      </a:schemeClr>
+    </dgm:fillClrLst>
+    <dgm:linClrLst meth="repeat">
+      <a:schemeClr val="accent1">
+        <a:tint val="60000"/>
+      </a:schemeClr>
+    </dgm:linClrLst>
+    <dgm:effectClrLst/>
+    <dgm:txLinClrLst/>
+    <dgm:txFillClrLst/>
+    <dgm:txEffectClrLst/>
+  </dgm:styleLbl>
+  <dgm:styleLbl name="fgSibTrans2D1">
+    <dgm:fillClrLst meth="repeat">
+      <a:schemeClr val="accent1">
+        <a:tint val="60000"/>
+      </a:schemeClr>
+    </dgm:fillClrLst>
+    <dgm:linClrLst meth="repeat">
+      <a:schemeClr val="accent1">
+        <a:tint val="60000"/>
+      </a:schemeClr>
+    </dgm:linClrLst>
+    <dgm:effectClrLst/>
+    <dgm:txLinClrLst/>
+    <dgm:txFillClrLst/>
+    <dgm:txEffectClrLst/>
+  </dgm:styleLbl>
+  <dgm:styleLbl name="bgSibTrans2D1">
+    <dgm:fillClrLst meth="repeat">
+      <a:schemeClr val="accent1">
+        <a:tint val="60000"/>
+      </a:schemeClr>
+    </dgm:fillClrLst>
+    <dgm:linClrLst meth="repeat">
+      <a:schemeClr val="accent1">
+        <a:tint val="60000"/>
+      </a:schemeClr>
+    </dgm:linClrLst>
+    <dgm:effectClrLst/>
+    <dgm:txLinClrLst/>
+    <dgm:txFillClrLst/>
+    <dgm:txEffectClrLst/>
+  </dgm:styleLbl>
+  <dgm:styleLbl name="sibTrans1D1">
+    <dgm:fillClrLst meth="repeat">
+      <a:schemeClr val="accent1"/>
+    </dgm:fillClrLst>
+    <dgm:linClrLst meth="repeat">
+      <a:schemeClr val="accent1"/>
+    </dgm:linClrLst>
+    <dgm:effectClrLst/>
+    <dgm:txLinClrLst/>
+    <dgm:txFillClrLst meth="repeat">
+      <a:schemeClr val="tx1"/>
+    </dgm:txFillClrLst>
+    <dgm:txEffectClrLst/>
+  </dgm:styleLbl>
+  <dgm:styleLbl name="callout">
+    <dgm:fillClrLst meth="repeat">
+      <a:schemeClr val="accent1"/>
+    </dgm:fillClrLst>
+    <dgm:linClrLst meth="repeat">
+      <a:schemeClr val="accent1">
+        <a:tint val="50000"/>
+      </a:schemeClr>
+    </dgm:linClrLst>
+    <dgm:effectClrLst/>
+    <dgm:txLinClrLst/>
+    <dgm:txFillClrLst meth="repeat">
+      <a:schemeClr val="tx1"/>
+    </dgm:txFillClrLst>
+    <dgm:txEffectClrLst/>
+  </dgm:styleLbl>
+  <dgm:styleLbl name="asst0">
+    <dgm:fillClrLst meth="repeat">
+      <a:schemeClr val="accent1"/>
+    </dgm:fillClrLst>
+    <dgm:linClrLst meth="repeat">
+      <a:schemeClr val="lt1"/>
+    </dgm:linClrLst>
+    <dgm:effectClrLst/>
+    <dgm:txLinClrLst/>
+    <dgm:txFillClrLst/>
+    <dgm:txEffectClrLst/>
+  </dgm:styleLbl>
+  <dgm:styleLbl name="asst1">
+    <dgm:fillClrLst meth="repeat">
+      <a:schemeClr val="accent1"/>
+    </dgm:fillClrLst>
+    <dgm:linClrLst meth="repeat">
+      <a:schemeClr val="lt1"/>
+    </dgm:linClrLst>
+    <dgm:effectClrLst/>
+    <dgm:txLinClrLst/>
+    <dgm:txFillClrLst/>
+    <dgm:txEffectClrLst/>
+  </dgm:styleLbl>
+  <dgm:styleLbl name="asst2">
+    <dgm:fillClrLst meth="repeat">
+      <a:schemeClr val="accent1"/>
+    </dgm:fillClrLst>
+    <dgm:linClrLst meth="repeat">
+      <a:schemeClr val="lt1"/>
+    </dgm:linClrLst>
+    <dgm:effectClrLst/>
+    <dgm:txLinClrLst/>
+    <dgm:txFillClrLst/>
+    <dgm:txEffectClrLst/>
+  </dgm:styleLbl>
+  <dgm:styleLbl name="asst3">
+    <dgm:fillClrLst meth="repeat">
+      <a:schemeClr val="accent1"/>
+    </dgm:fillClrLst>
+    <dgm:linClrLst meth="repeat">
+      <a:schemeClr val="lt1"/>
+    </dgm:linClrLst>
+    <dgm:effectClrLst/>
+    <dgm:txLinClrLst/>
+    <dgm:txFillClrLst/>
+    <dgm:txEffectClrLst/>
+  </dgm:styleLbl>
+  <dgm:styleLbl name="asst4">
+    <dgm:fillClrLst meth="repeat">
+      <a:schemeClr val="accent1"/>
+    </dgm:fillClrLst>
+    <dgm:linClrLst meth="repeat">
+      <a:schemeClr val="lt1"/>
+    </dgm:linClrLst>
+    <dgm:effectClrLst/>
+    <dgm:txLinClrLst/>
+    <dgm:txFillClrLst/>
+    <dgm:txEffectClrLst/>
+  </dgm:styleLbl>
+  <dgm:styleLbl name="parChTrans2D1">
+    <dgm:fillClrLst meth="repeat">
+      <a:schemeClr val="accent1">
+        <a:tint val="60000"/>
+      </a:schemeClr>
+    </dgm:fillClrLst>
+    <dgm:linClrLst meth="repeat">
+      <a:schemeClr val="accent1">
+        <a:tint val="60000"/>
+      </a:schemeClr>
+    </dgm:linClrLst>
+    <dgm:effectClrLst/>
+    <dgm:txLinClrLst/>
+    <dgm:txFillClrLst meth="repeat">
+      <a:schemeClr val="lt1"/>
+    </dgm:txFillClrLst>
+    <dgm:txEffectClrLst/>
+  </dgm:styleLbl>
+  <dgm:styleLbl name="parChTrans2D2">
+    <dgm:fillClrLst meth="repeat">
+      <a:schemeClr val="accent1"/>
+    </dgm:fillClrLst>
+    <dgm:linClrLst meth="repeat">
+      <a:schemeClr val="accent1"/>
+    </dgm:linClrLst>
+    <dgm:effectClrLst/>
+    <dgm:txLinClrLst/>
+    <dgm:txFillClrLst meth="repeat">
+      <a:schemeClr val="lt1"/>
+    </dgm:txFillClrLst>
+    <dgm:txEffectClrLst/>
+  </dgm:styleLbl>
+  <dgm:styleLbl name="parChTrans2D3">
+    <dgm:fillClrLst meth="repeat">
+      <a:schemeClr val="accent1"/>
+    </dgm:fillClrLst>
+    <dgm:linClrLst meth="repeat">
+      <a:schemeClr val="accent1"/>
+    </dgm:linClrLst>
+    <dgm:effectClrLst/>
+    <dgm:txLinClrLst/>
+    <dgm:txFillClrLst meth="repeat">
+      <a:schemeClr val="lt1"/>
+    </dgm:txFillClrLst>
+    <dgm:txEffectClrLst/>
+  </dgm:styleLbl>
+  <dgm:styleLbl name="parChTrans2D4">
+    <dgm:fillClrLst meth="repeat">
+      <a:schemeClr val="accent1"/>
+    </dgm:fillClrLst>
+    <dgm:linClrLst meth="repeat">
+      <a:schemeClr val="accent1"/>
+    </dgm:linClrLst>
+    <dgm:effectClrLst/>
+    <dgm:txLinClrLst/>
+    <dgm:txFillClrLst meth="repeat">
+      <a:schemeClr val="lt1"/>
+    </dgm:txFillClrLst>
+    <dgm:txEffectClrLst/>
+  </dgm:styleLbl>
+  <dgm:styleLbl name="parChTrans1D1">
+    <dgm:fillClrLst meth="repeat">
+      <a:schemeClr val="accent1"/>
+    </dgm:fillClrLst>
+    <dgm:linClrLst meth="repeat">
+      <a:schemeClr val="accent1">
+        <a:shade val="60000"/>
+      </a:schemeClr>
+    </dgm:linClrLst>
+    <dgm:effectClrLst/>
+    <dgm:txLinClrLst/>
+    <dgm:txFillClrLst meth="repeat">
+      <a:schemeClr val="tx1"/>
+    </dgm:txFillClrLst>
+    <dgm:txEffectClrLst/>
+  </dgm:styleLbl>
+  <dgm:styleLbl name="parChTrans1D2">
+    <dgm:fillClrLst meth="repeat">
+      <a:schemeClr val="accent1"/>
+    </dgm:fillClrLst>
+    <dgm:linClrLst meth="repeat">
+      <a:schemeClr val="accent1">
+        <a:shade val="60000"/>
+      </a:schemeClr>
+    </dgm:linClrLst>
+    <dgm:effectClrLst/>
+    <dgm:txLinClrLst/>
+    <dgm:txFillClrLst meth="repeat">
+      <a:schemeClr val="tx1"/>
+    </dgm:txFillClrLst>
+    <dgm:txEffectClrLst/>
+  </dgm:styleLbl>
+  <dgm:styleLbl name="parChTrans1D3">
+    <dgm:fillClrLst meth="repeat">
+      <a:schemeClr val="accent1"/>
+    </dgm:fillClrLst>
+    <dgm:linClrLst meth="repeat">
+      <a:schemeClr val="accent1">
+        <a:shade val="80000"/>
+      </a:schemeClr>
+    </dgm:linClrLst>
+    <dgm:effectClrLst/>
+    <dgm:txLinClrLst/>
+    <dgm:txFillClrLst meth="repeat">
+      <a:schemeClr val="tx1"/>
+    </dgm:txFillClrLst>
+    <dgm:txEffectClrLst/>
+  </dgm:styleLbl>
+  <dgm:styleLbl name="parChTrans1D4">
+    <dgm:fillClrLst meth="repeat">
+      <a:schemeClr val="accent1"/>
+    </dgm:fillClrLst>
+    <dgm:linClrLst meth="repeat">
+      <a:schemeClr val="accent1">
+        <a:shade val="80000"/>
+      </a:schemeClr>
+    </dgm:linClrLst>
+    <dgm:effectClrLst/>
+    <dgm:txLinClrLst/>
+    <dgm:txFillClrLst meth="repeat">
+      <a:schemeClr val="tx1"/>
+    </dgm:txFillClrLst>
+    <dgm:txEffectClrLst/>
+  </dgm:styleLbl>
+  <dgm:styleLbl name="fgAcc1">
+    <dgm:fillClrLst meth="repeat">
+      <a:schemeClr val="lt1">
+        <a:alpha val="90000"/>
+      </a:schemeClr>
+    </dgm:fillClrLst>
+    <dgm:linClrLst meth="repeat">
+      <a:schemeClr val="accent1"/>
+    </dgm:linClrLst>
+    <dgm:effectClrLst/>
+    <dgm:txLinClrLst/>
+    <dgm:txFillClrLst meth="repeat">
+      <a:schemeClr val="dk1"/>
+    </dgm:txFillClrLst>
+    <dgm:txEffectClrLst/>
+  </dgm:styleLbl>
+  <dgm:styleLbl name="conFgAcc1">
+    <dgm:fillClrLst meth="repeat">
+      <a:schemeClr val="lt1">
+        <a:alpha val="90000"/>
+      </a:schemeClr>
+    </dgm:fillClrLst>
+    <dgm:linClrLst meth="repeat">
+      <a:schemeClr val="accent1"/>
+    </dgm:linClrLst>
+    <dgm:effectClrLst/>
+    <dgm:txLinClrLst/>
+    <dgm:txFillClrLst meth="repeat">
+      <a:schemeClr val="dk1"/>
+    </dgm:txFillClrLst>
+    <dgm:txEffectClrLst/>
+  </dgm:styleLbl>
+  <dgm:styleLbl name="alignAcc1">
+    <dgm:fillClrLst meth="repeat">
+      <a:schemeClr val="lt1">
+        <a:alpha val="90000"/>
+      </a:schemeClr>
+    </dgm:fillClrLst>
+    <dgm:linClrLst meth="repeat">
+      <a:schemeClr val="accent1"/>
+    </dgm:linClrLst>
+    <dgm:effectClrLst/>
+    <dgm:txLinClrLst/>
+    <dgm:txFillClrLst meth="repeat">
+      <a:schemeClr val="dk1"/>
+    </dgm:txFillClrLst>
+    <dgm:txEffectClrLst/>
+  </dgm:styleLbl>
+  <dgm:styleLbl name="trAlignAcc1">
+    <dgm:fillClrLst meth="repeat">
+      <a:schemeClr val="lt1">
+        <a:alpha val="40000"/>
+      </a:schemeClr>
+    </dgm:fillClrLst>
+    <dgm:linClrLst meth="repeat">
+      <a:schemeClr val="accent1"/>
+    </dgm:linClrLst>
+    <dgm:effectClrLst/>
+    <dgm:txLinClrLst/>
+    <dgm:txFillClrLst meth="repeat">
+      <a:schemeClr val="dk1"/>
+    </dgm:txFillClrLst>
+    <dgm:txEffectClrLst/>
+  </dgm:styleLbl>
+  <dgm:styleLbl name="bgAcc1">
+    <dgm:fillClrLst meth="repeat">
+      <a:schemeClr val="lt1">
+        <a:alpha val="90000"/>
+      </a:schemeClr>
+    </dgm:fillClrLst>
+    <dgm:linClrLst meth="repeat">
+      <a:schemeClr val="accent1"/>
+    </dgm:linClrLst>
+    <dgm:effectClrLst/>
+    <dgm:txLinClrLst/>
+    <dgm:txFillClrLst meth="repeat">
+      <a:schemeClr val="dk1"/>
+    </dgm:txFillClrLst>
+    <dgm:txEffectClrLst/>
+  </dgm:styleLbl>
+  <dgm:styleLbl name="solidFgAcc1">
+    <dgm:fillClrLst meth="repeat">
+      <a:schemeClr val="lt1"/>
+    </dgm:fillClrLst>
+    <dgm:linClrLst meth="repeat">
+      <a:schemeClr val="accent1"/>
+    </dgm:linClrLst>
+    <dgm:effectClrLst/>
+    <dgm:txLinClrLst/>
+    <dgm:txFillClrLst meth="repeat">
+      <a:schemeClr val="dk1"/>
+    </dgm:txFillClrLst>
+    <dgm:txEffectClrLst/>
+  </dgm:styleLbl>
+  <dgm:styleLbl name="solidAlignAcc1">
+    <dgm:fillClrLst meth="repeat">
+      <a:schemeClr val="lt1"/>
+    </dgm:fillClrLst>
+    <dgm:linClrLst meth="repeat">
+      <a:schemeClr val="accent1"/>
+    </dgm:linClrLst>
+    <dgm:effectClrLst/>
+    <dgm:txLinClrLst/>
+    <dgm:txFillClrLst meth="repeat">
+      <a:schemeClr val="dk1"/>
+    </dgm:txFillClrLst>
+    <dgm:txEffectClrLst/>
+  </dgm:styleLbl>
+  <dgm:styleLbl name="solidBgAcc1">
+    <dgm:fillClrLst meth="repeat">
+      <a:schemeClr val="lt1"/>
+    </dgm:fillClrLst>
+    <dgm:linClrLst meth="repeat">
+      <a:schemeClr val="accent1"/>
+    </dgm:linClrLst>
+    <dgm:effectClrLst/>
+    <dgm:txLinClrLst/>
+    <dgm:txFillClrLst meth="repeat">
+      <a:schemeClr val="dk1"/>
+    </dgm:txFillClrLst>
+    <dgm:txEffectClrLst/>
+  </dgm:styleLbl>
+  <dgm:styleLbl name="fgAccFollowNode1">
+    <dgm:fillClrLst meth="repeat">
+      <a:schemeClr val="accent1">
+        <a:alpha val="90000"/>
+        <a:tint val="40000"/>
+      </a:schemeClr>
+    </dgm:fillClrLst>
+    <dgm:linClrLst meth="repeat">
+      <a:schemeClr val="accent1">
+        <a:alpha val="90000"/>
+        <a:tint val="40000"/>
+      </a:schemeClr>
+    </dgm:linClrLst>
+    <dgm:effectClrLst/>
+    <dgm:txLinClrLst/>
+    <dgm:txFillClrLst meth="repeat">
+      <a:schemeClr val="dk1"/>
+    </dgm:txFillClrLst>
+    <dgm:txEffectClrLst/>
+  </dgm:styleLbl>
+  <dgm:styleLbl name="alignAccFollowNode1">
+    <dgm:fillClrLst meth="repeat">
+      <a:schemeClr val="accent1">
+        <a:alpha val="90000"/>
+        <a:tint val="40000"/>
+      </a:schemeClr>
+    </dgm:fillClrLst>
+    <dgm:linClrLst meth="repeat">
+      <a:schemeClr val="accent1">
+        <a:alpha val="90000"/>
+        <a:tint val="40000"/>
+      </a:schemeClr>
+    </dgm:linClrLst>
+    <dgm:effectClrLst/>
+    <dgm:txLinClrLst/>
+    <dgm:txFillClrLst meth="repeat">
+      <a:schemeClr val="dk1"/>
+    </dgm:txFillClrLst>
+    <dgm:txEffectClrLst/>
+  </dgm:styleLbl>
+  <dgm:styleLbl name="bgAccFollowNode1">
+    <dgm:fillClrLst meth="repeat">
+      <a:schemeClr val="accent1">
+        <a:alpha val="90000"/>
+        <a:tint val="40000"/>
+      </a:schemeClr>
+    </dgm:fillClrLst>
+    <dgm:linClrLst meth="repeat">
+      <a:schemeClr val="accent1">
+        <a:alpha val="90000"/>
+        <a:tint val="40000"/>
+      </a:schemeClr>
+    </dgm:linClrLst>
+    <dgm:effectClrLst/>
+    <dgm:txLinClrLst/>
+    <dgm:txFillClrLst meth="repeat">
+      <a:schemeClr val="dk1"/>
+    </dgm:txFillClrLst>
+    <dgm:txEffectClrLst/>
+  </dgm:styleLbl>
+  <dgm:styleLbl name="fgAcc0">
+    <dgm:fillClrLst meth="repeat">
+      <a:schemeClr val="lt1">
+        <a:alpha val="90000"/>
+      </a:schemeClr>
+    </dgm:fillClrLst>
+    <dgm:linClrLst meth="repeat">
+      <a:schemeClr val="accent1"/>
+    </dgm:linClrLst>
+    <dgm:effectClrLst/>
+    <dgm:txLinClrLst/>
+    <dgm:txFillClrLst meth="repeat">
+      <a:schemeClr val="dk1"/>
+    </dgm:txFillClrLst>
+    <dgm:txEffectClrLst/>
+  </dgm:styleLbl>
+  <dgm:styleLbl name="fgAcc2">
+    <dgm:fillClrLst meth="repeat">
+      <a:schemeClr val="lt1">
+        <a:alpha val="90000"/>
+      </a:schemeClr>
+    </dgm:fillClrLst>
+    <dgm:linClrLst meth="repeat">
+      <a:schemeClr val="accent1"/>
+    </dgm:linClrLst>
+    <dgm:effectClrLst/>
+    <dgm:txLinClrLst/>
+    <dgm:txFillClrLst meth="repeat">
+      <a:schemeClr val="dk1"/>
+    </dgm:txFillClrLst>
+    <dgm:txEffectClrLst/>
+  </dgm:styleLbl>
+  <dgm:styleLbl name="fgAcc3">
+    <dgm:fillClrLst meth="repeat">
+      <a:schemeClr val="lt1">
+        <a:alpha val="90000"/>
+      </a:schemeClr>
+    </dgm:fillClrLst>
+    <dgm:linClrLst meth="repeat">
+      <a:schemeClr val="accent1"/>
+    </dgm:linClrLst>
+    <dgm:effectClrLst/>
+    <dgm:txLinClrLst/>
+    <dgm:txFillClrLst meth="repeat">
+      <a:schemeClr val="dk1"/>
+    </dgm:txFillClrLst>
+    <dgm:txEffectClrLst/>
+  </dgm:styleLbl>
+  <dgm:styleLbl name="fgAcc4">
+    <dgm:fillClrLst meth="repeat">
+      <a:schemeClr val="lt1">
+        <a:alpha val="90000"/>
+      </a:schemeClr>
+    </dgm:fillClrLst>
+    <dgm:linClrLst meth="repeat">
+      <a:schemeClr val="accent1"/>
+    </dgm:linClrLst>
+    <dgm:effectClrLst/>
+    <dgm:txLinClrLst/>
+    <dgm:txFillClrLst meth="repeat">
+      <a:schemeClr val="dk1"/>
+    </dgm:txFillClrLst>
+    <dgm:txEffectClrLst/>
+  </dgm:styleLbl>
+  <dgm:styleLbl name="bgShp">
+    <dgm:fillClrLst meth="repeat">
+      <a:schemeClr val="accent1">
+        <a:tint val="40000"/>
+      </a:schemeClr>
+    </dgm:fillClrLst>
+    <dgm:linClrLst meth="repeat">
+      <a:schemeClr val="accent1"/>
+    </dgm:linClrLst>
+    <dgm:effectClrLst/>
+    <dgm:txLinClrLst/>
+    <dgm:txFillClrLst meth="repeat">
+      <a:schemeClr val="dk1"/>
+    </dgm:txFillClrLst>
+    <dgm:txEffectClrLst/>
+  </dgm:styleLbl>
+  <dgm:styleLbl name="dkBgShp">
+    <dgm:fillClrLst meth="repeat">
+      <a:schemeClr val="accent1">
+        <a:shade val="80000"/>
+      </a:schemeClr>
+    </dgm:fillClrLst>
+    <dgm:linClrLst meth="repeat">
+      <a:schemeClr val="accent1"/>
+    </dgm:linClrLst>
+    <dgm:effectClrLst/>
+    <dgm:txLinClrLst/>
+    <dgm:txFillClrLst meth="repeat">
+      <a:schemeClr val="lt1"/>
+    </dgm:txFillClrLst>
+    <dgm:txEffectClrLst/>
+  </dgm:styleLbl>
+  <dgm:styleLbl name="trBgShp">
+    <dgm:fillClrLst meth="repeat">
+      <a:schemeClr val="accent1">
+        <a:tint val="50000"/>
+        <a:alpha val="40000"/>
+      </a:schemeClr>
+    </dgm:fillClrLst>
+    <dgm:linClrLst meth="repeat">
+      <a:schemeClr val="accent1"/>
+    </dgm:linClrLst>
+    <dgm:effectClrLst/>
+    <dgm:txLinClrLst/>
+    <dgm:txFillClrLst meth="repeat">
+      <a:schemeClr val="lt1"/>
+    </dgm:txFillClrLst>
+    <dgm:txEffectClrLst/>
+  </dgm:styleLbl>
+  <dgm:styleLbl name="fgShp">
+    <dgm:fillClrLst meth="repeat">
+      <a:schemeClr val="accent1">
+        <a:tint val="60000"/>
+      </a:schemeClr>
+    </dgm:fillClrLst>
+    <dgm:linClrLst meth="repeat">
+      <a:schemeClr val="lt1"/>
+    </dgm:linClrLst>
+    <dgm:effectClrLst/>
+    <dgm:txLinClrLst/>
+    <dgm:txFillClrLst meth="repeat">
+      <a:schemeClr val="dk1"/>
+    </dgm:txFillClrLst>
+    <dgm:txEffectClrLst/>
+  </dgm:styleLbl>
+  <dgm:styleLbl name="revTx">
+    <dgm:fillClrLst meth="repeat">
+      <a:schemeClr val="lt1">
+        <a:alpha val="0"/>
+      </a:schemeClr>
+    </dgm:fillClrLst>
+    <dgm:linClrLst meth="repeat">
+      <a:schemeClr val="dk1">
+        <a:alpha val="0"/>
+      </a:schemeClr>
+    </dgm:linClrLst>
+    <dgm:effectClrLst/>
+    <dgm:txLinClrLst/>
+    <dgm:txFillClrLst meth="repeat">
+      <a:schemeClr val="tx1"/>
+    </dgm:txFillClrLst>
+    <dgm:txEffectClrLst/>
+  </dgm:styleLbl>
+</dgm:colorsDef>
+</file>
+
+<file path=ppt/diagrams/data1.xml><?xml version="1.0" encoding="utf-8"?>
+<dgm:dataModel xmlns:dgm="http://schemas.openxmlformats.org/drawingml/2006/diagram" xmlns:a="http://schemas.openxmlformats.org/drawingml/2006/main">
+  <dgm:ptLst>
+    <dgm:pt modelId="{FD83268E-93C6-46F0-B981-BD4AA959661C}" type="doc">
+      <dgm:prSet loTypeId="urn:microsoft.com/office/officeart/2005/8/layout/hierarchy1" loCatId="hierarchy" qsTypeId="urn:microsoft.com/office/officeart/2005/8/quickstyle/simple1" qsCatId="simple" csTypeId="urn:microsoft.com/office/officeart/2005/8/colors/accent1_2" csCatId="accent1" phldr="1"/>
+      <dgm:spPr/>
+      <dgm:t>
+        <a:bodyPr/>
+        <a:lstStyle/>
+        <a:p>
+          <a:endParaRPr lang="en-US"/>
+        </a:p>
+      </dgm:t>
+    </dgm:pt>
+    <dgm:pt modelId="{0ADA7903-C8AB-4E78-89A6-DCDEE769DB38}">
+      <dgm:prSet/>
+      <dgm:spPr/>
+      <dgm:t>
+        <a:bodyPr/>
+        <a:lstStyle/>
+        <a:p>
+          <a:r>
+            <a:rPr lang="en-US"/>
+            <a:t>Background: The business has observed rising customer churn rates and wants to understand </a:t>
+          </a:r>
+          <a:r>
+            <a:rPr lang="en-US" b="1"/>
+            <a:t>which factors (e.g., contract type, service usage, billing method, demographics)</a:t>
+          </a:r>
+          <a:r>
+            <a:rPr lang="en-US"/>
+            <a:t> are most associated with customers leaving. By identifying high-risk groups through a logistic regression model, the business can better prioritize retention strategies, such as offering discounts, improving service quality, or modifying contract terms.</a:t>
+          </a:r>
+        </a:p>
+      </dgm:t>
+    </dgm:pt>
+    <dgm:pt modelId="{5DC22015-6CBD-4235-A43B-4837721FD179}" type="parTrans" cxnId="{4062D74C-C197-4046-8359-5CC5CBABA81D}">
+      <dgm:prSet/>
+      <dgm:spPr/>
+      <dgm:t>
+        <a:bodyPr/>
+        <a:lstStyle/>
+        <a:p>
+          <a:endParaRPr lang="en-US"/>
+        </a:p>
+      </dgm:t>
+    </dgm:pt>
+    <dgm:pt modelId="{DF2F4D7A-F196-439E-A022-19979EBED8CB}" type="sibTrans" cxnId="{4062D74C-C197-4046-8359-5CC5CBABA81D}">
+      <dgm:prSet/>
+      <dgm:spPr/>
+      <dgm:t>
+        <a:bodyPr/>
+        <a:lstStyle/>
+        <a:p>
+          <a:endParaRPr lang="en-US"/>
+        </a:p>
+      </dgm:t>
+    </dgm:pt>
+    <dgm:pt modelId="{1F3A6D54-30EF-42F4-BFD3-0C7003547E13}">
+      <dgm:prSet/>
+      <dgm:spPr/>
+      <dgm:t>
+        <a:bodyPr/>
+        <a:lstStyle/>
+        <a:p>
+          <a:r>
+            <a:rPr lang="en-US"/>
+            <a:t>Business Question: Which customer characteristics are most predictive of churn, and how can the business target interventions to reduce churn risk among at-risk customers?</a:t>
+          </a:r>
+        </a:p>
+      </dgm:t>
+    </dgm:pt>
+    <dgm:pt modelId="{5952A0B2-24C9-4684-B1C4-302D5E45E1E8}" type="parTrans" cxnId="{F1DAECAA-5E25-4950-A101-CA74123D397C}">
+      <dgm:prSet/>
+      <dgm:spPr/>
+      <dgm:t>
+        <a:bodyPr/>
+        <a:lstStyle/>
+        <a:p>
+          <a:endParaRPr lang="en-US"/>
+        </a:p>
+      </dgm:t>
+    </dgm:pt>
+    <dgm:pt modelId="{26C86475-7474-4AC8-9F77-53217B2A93B6}" type="sibTrans" cxnId="{F1DAECAA-5E25-4950-A101-CA74123D397C}">
+      <dgm:prSet/>
+      <dgm:spPr/>
+      <dgm:t>
+        <a:bodyPr/>
+        <a:lstStyle/>
+        <a:p>
+          <a:endParaRPr lang="en-US"/>
+        </a:p>
+      </dgm:t>
+    </dgm:pt>
+    <dgm:pt modelId="{FC70BBBF-8EB9-F145-96D2-400E81F95829}" type="pres">
+      <dgm:prSet presAssocID="{FD83268E-93C6-46F0-B981-BD4AA959661C}" presName="hierChild1" presStyleCnt="0">
+        <dgm:presLayoutVars>
+          <dgm:chPref val="1"/>
+          <dgm:dir/>
+          <dgm:animOne val="branch"/>
+          <dgm:animLvl val="lvl"/>
+          <dgm:resizeHandles/>
+        </dgm:presLayoutVars>
+      </dgm:prSet>
+      <dgm:spPr/>
+    </dgm:pt>
+    <dgm:pt modelId="{EF3FC2B8-A080-2547-8021-8928C28FB121}" type="pres">
+      <dgm:prSet presAssocID="{0ADA7903-C8AB-4E78-89A6-DCDEE769DB38}" presName="hierRoot1" presStyleCnt="0"/>
+      <dgm:spPr/>
+    </dgm:pt>
+    <dgm:pt modelId="{0385F06B-D28B-CE45-AE57-80392AB63663}" type="pres">
+      <dgm:prSet presAssocID="{0ADA7903-C8AB-4E78-89A6-DCDEE769DB38}" presName="composite" presStyleCnt="0"/>
+      <dgm:spPr/>
+    </dgm:pt>
+    <dgm:pt modelId="{4AE6D507-E785-A84C-A9EF-50E29286B243}" type="pres">
+      <dgm:prSet presAssocID="{0ADA7903-C8AB-4E78-89A6-DCDEE769DB38}" presName="background" presStyleLbl="node0" presStyleIdx="0" presStyleCnt="2"/>
+      <dgm:spPr/>
+    </dgm:pt>
+    <dgm:pt modelId="{403A2D34-CE59-BB41-BF9E-92F58CC54A82}" type="pres">
+      <dgm:prSet presAssocID="{0ADA7903-C8AB-4E78-89A6-DCDEE769DB38}" presName="text" presStyleLbl="fgAcc0" presStyleIdx="0" presStyleCnt="2">
+        <dgm:presLayoutVars>
+          <dgm:chPref val="3"/>
+        </dgm:presLayoutVars>
+      </dgm:prSet>
+      <dgm:spPr/>
+    </dgm:pt>
+    <dgm:pt modelId="{99FEA63F-A8C0-954A-A80F-AEC84FB69DFC}" type="pres">
+      <dgm:prSet presAssocID="{0ADA7903-C8AB-4E78-89A6-DCDEE769DB38}" presName="hierChild2" presStyleCnt="0"/>
+      <dgm:spPr/>
+    </dgm:pt>
+    <dgm:pt modelId="{3926AA3C-BC60-0A40-B121-BAB3AEE2CAE0}" type="pres">
+      <dgm:prSet presAssocID="{1F3A6D54-30EF-42F4-BFD3-0C7003547E13}" presName="hierRoot1" presStyleCnt="0"/>
+      <dgm:spPr/>
+    </dgm:pt>
+    <dgm:pt modelId="{45CC6E3D-6DD6-1C45-915D-9C54B6A8105C}" type="pres">
+      <dgm:prSet presAssocID="{1F3A6D54-30EF-42F4-BFD3-0C7003547E13}" presName="composite" presStyleCnt="0"/>
+      <dgm:spPr/>
+    </dgm:pt>
+    <dgm:pt modelId="{145C69DE-856D-D04A-BFBD-7A4659B3C7BA}" type="pres">
+      <dgm:prSet presAssocID="{1F3A6D54-30EF-42F4-BFD3-0C7003547E13}" presName="background" presStyleLbl="node0" presStyleIdx="1" presStyleCnt="2"/>
+      <dgm:spPr/>
+    </dgm:pt>
+    <dgm:pt modelId="{71A90884-A130-124B-A7A2-FA3EBEA0C19B}" type="pres">
+      <dgm:prSet presAssocID="{1F3A6D54-30EF-42F4-BFD3-0C7003547E13}" presName="text" presStyleLbl="fgAcc0" presStyleIdx="1" presStyleCnt="2">
+        <dgm:presLayoutVars>
+          <dgm:chPref val="3"/>
+        </dgm:presLayoutVars>
+      </dgm:prSet>
+      <dgm:spPr/>
+    </dgm:pt>
+    <dgm:pt modelId="{496827CA-980C-044F-B4F1-A6CD6A87D521}" type="pres">
+      <dgm:prSet presAssocID="{1F3A6D54-30EF-42F4-BFD3-0C7003547E13}" presName="hierChild2" presStyleCnt="0"/>
+      <dgm:spPr/>
+    </dgm:pt>
+  </dgm:ptLst>
+  <dgm:cxnLst>
+    <dgm:cxn modelId="{5CE35220-B454-6F40-A292-7EC81CF0E80D}" type="presOf" srcId="{1F3A6D54-30EF-42F4-BFD3-0C7003547E13}" destId="{71A90884-A130-124B-A7A2-FA3EBEA0C19B}" srcOrd="0" destOrd="0" presId="urn:microsoft.com/office/officeart/2005/8/layout/hierarchy1"/>
+    <dgm:cxn modelId="{4062D74C-C197-4046-8359-5CC5CBABA81D}" srcId="{FD83268E-93C6-46F0-B981-BD4AA959661C}" destId="{0ADA7903-C8AB-4E78-89A6-DCDEE769DB38}" srcOrd="0" destOrd="0" parTransId="{5DC22015-6CBD-4235-A43B-4837721FD179}" sibTransId="{DF2F4D7A-F196-439E-A022-19979EBED8CB}"/>
+    <dgm:cxn modelId="{412F787B-FF9A-9448-8C40-227A5CFC389A}" type="presOf" srcId="{0ADA7903-C8AB-4E78-89A6-DCDEE769DB38}" destId="{403A2D34-CE59-BB41-BF9E-92F58CC54A82}" srcOrd="0" destOrd="0" presId="urn:microsoft.com/office/officeart/2005/8/layout/hierarchy1"/>
+    <dgm:cxn modelId="{F1DAECAA-5E25-4950-A101-CA74123D397C}" srcId="{FD83268E-93C6-46F0-B981-BD4AA959661C}" destId="{1F3A6D54-30EF-42F4-BFD3-0C7003547E13}" srcOrd="1" destOrd="0" parTransId="{5952A0B2-24C9-4684-B1C4-302D5E45E1E8}" sibTransId="{26C86475-7474-4AC8-9F77-53217B2A93B6}"/>
+    <dgm:cxn modelId="{4ABEBAB8-D996-474B-9D09-2B15F37993CD}" type="presOf" srcId="{FD83268E-93C6-46F0-B981-BD4AA959661C}" destId="{FC70BBBF-8EB9-F145-96D2-400E81F95829}" srcOrd="0" destOrd="0" presId="urn:microsoft.com/office/officeart/2005/8/layout/hierarchy1"/>
+    <dgm:cxn modelId="{4B68C4E1-3F9C-A04A-B3C7-497319D049F2}" type="presParOf" srcId="{FC70BBBF-8EB9-F145-96D2-400E81F95829}" destId="{EF3FC2B8-A080-2547-8021-8928C28FB121}" srcOrd="0" destOrd="0" presId="urn:microsoft.com/office/officeart/2005/8/layout/hierarchy1"/>
+    <dgm:cxn modelId="{C4A0A758-6E2D-C74E-A344-B248855A8D4B}" type="presParOf" srcId="{EF3FC2B8-A080-2547-8021-8928C28FB121}" destId="{0385F06B-D28B-CE45-AE57-80392AB63663}" srcOrd="0" destOrd="0" presId="urn:microsoft.com/office/officeart/2005/8/layout/hierarchy1"/>
+    <dgm:cxn modelId="{33A581E6-C1FA-D845-BF4C-1A3D8243D420}" type="presParOf" srcId="{0385F06B-D28B-CE45-AE57-80392AB63663}" destId="{4AE6D507-E785-A84C-A9EF-50E29286B243}" srcOrd="0" destOrd="0" presId="urn:microsoft.com/office/officeart/2005/8/layout/hierarchy1"/>
+    <dgm:cxn modelId="{0E25C0FC-D36E-9A48-8360-9219BA0F88E1}" type="presParOf" srcId="{0385F06B-D28B-CE45-AE57-80392AB63663}" destId="{403A2D34-CE59-BB41-BF9E-92F58CC54A82}" srcOrd="1" destOrd="0" presId="urn:microsoft.com/office/officeart/2005/8/layout/hierarchy1"/>
+    <dgm:cxn modelId="{E764930D-5177-9347-A5CF-3481C021CDF9}" type="presParOf" srcId="{EF3FC2B8-A080-2547-8021-8928C28FB121}" destId="{99FEA63F-A8C0-954A-A80F-AEC84FB69DFC}" srcOrd="1" destOrd="0" presId="urn:microsoft.com/office/officeart/2005/8/layout/hierarchy1"/>
+    <dgm:cxn modelId="{93F032AE-9208-C44D-87E8-3E836EA2B3CF}" type="presParOf" srcId="{FC70BBBF-8EB9-F145-96D2-400E81F95829}" destId="{3926AA3C-BC60-0A40-B121-BAB3AEE2CAE0}" srcOrd="1" destOrd="0" presId="urn:microsoft.com/office/officeart/2005/8/layout/hierarchy1"/>
+    <dgm:cxn modelId="{9E5251FF-C1EF-8E4D-AF8F-32CDB7168D29}" type="presParOf" srcId="{3926AA3C-BC60-0A40-B121-BAB3AEE2CAE0}" destId="{45CC6E3D-6DD6-1C45-915D-9C54B6A8105C}" srcOrd="0" destOrd="0" presId="urn:microsoft.com/office/officeart/2005/8/layout/hierarchy1"/>
+    <dgm:cxn modelId="{AAC1DD80-0959-D940-B725-1BA01DBC338A}" type="presParOf" srcId="{45CC6E3D-6DD6-1C45-915D-9C54B6A8105C}" destId="{145C69DE-856D-D04A-BFBD-7A4659B3C7BA}" srcOrd="0" destOrd="0" presId="urn:microsoft.com/office/officeart/2005/8/layout/hierarchy1"/>
+    <dgm:cxn modelId="{849B16D0-6D8A-7B43-B5F8-62CEC2DF966A}" type="presParOf" srcId="{45CC6E3D-6DD6-1C45-915D-9C54B6A8105C}" destId="{71A90884-A130-124B-A7A2-FA3EBEA0C19B}" srcOrd="1" destOrd="0" presId="urn:microsoft.com/office/officeart/2005/8/layout/hierarchy1"/>
+    <dgm:cxn modelId="{0F95744E-26CE-7F43-B3C7-7621F099F4DA}" type="presParOf" srcId="{3926AA3C-BC60-0A40-B121-BAB3AEE2CAE0}" destId="{496827CA-980C-044F-B4F1-A6CD6A87D521}" srcOrd="1" destOrd="0" presId="urn:microsoft.com/office/officeart/2005/8/layout/hierarchy1"/>
+  </dgm:cxnLst>
+  <dgm:bg/>
+  <dgm:whole/>
+  <dgm:extLst>
+    <a:ext uri="http://schemas.microsoft.com/office/drawing/2008/diagram">
+      <dsp:dataModelExt xmlns:dsp="http://schemas.microsoft.com/office/drawing/2008/diagram" relId="rId7" minVer="http://schemas.openxmlformats.org/drawingml/2006/diagram"/>
+    </a:ext>
+  </dgm:extLst>
+</dgm:dataModel>
+</file>
+
+<file path=ppt/diagrams/drawing1.xml><?xml version="1.0" encoding="utf-8"?>
+<dsp:drawing xmlns:dgm="http://schemas.openxmlformats.org/drawingml/2006/diagram" xmlns:dsp="http://schemas.microsoft.com/office/drawing/2008/diagram" xmlns:a="http://schemas.openxmlformats.org/drawingml/2006/main">
+  <dsp:spTree>
+    <dsp:nvGrpSpPr>
+      <dsp:cNvPr id="0" name=""/>
+      <dsp:cNvGrpSpPr/>
+    </dsp:nvGrpSpPr>
+    <dsp:grpSpPr/>
+    <dsp:sp modelId="{4AE6D507-E785-A84C-A9EF-50E29286B243}">
+      <dsp:nvSpPr>
+        <dsp:cNvPr id="0" name=""/>
+        <dsp:cNvSpPr/>
+      </dsp:nvSpPr>
+      <dsp:spPr>
+        <a:xfrm>
+          <a:off x="1261" y="393494"/>
+          <a:ext cx="4428354" cy="2812004"/>
+        </a:xfrm>
+        <a:prstGeom prst="roundRect">
+          <a:avLst>
+            <a:gd name="adj" fmla="val 10000"/>
+          </a:avLst>
+        </a:prstGeom>
+        <a:solidFill>
+          <a:schemeClr val="accent1">
+            <a:hueOff val="0"/>
+            <a:satOff val="0"/>
+            <a:lumOff val="0"/>
+            <a:alphaOff val="0"/>
+          </a:schemeClr>
+        </a:solidFill>
+        <a:ln w="12700" cap="flat" cmpd="sng" algn="ctr">
+          <a:solidFill>
+            <a:schemeClr val="lt1">
+              <a:hueOff val="0"/>
+              <a:satOff val="0"/>
+              <a:lumOff val="0"/>
+              <a:alphaOff val="0"/>
+            </a:schemeClr>
+          </a:solidFill>
+          <a:prstDash val="solid"/>
+          <a:miter lim="800000"/>
+        </a:ln>
+        <a:effectLst/>
+      </dsp:spPr>
+      <dsp:style>
+        <a:lnRef idx="2">
+          <a:scrgbClr r="0" g="0" b="0"/>
+        </a:lnRef>
+        <a:fillRef idx="1">
+          <a:scrgbClr r="0" g="0" b="0"/>
+        </a:fillRef>
+        <a:effectRef idx="0">
+          <a:scrgbClr r="0" g="0" b="0"/>
+        </a:effectRef>
+        <a:fontRef idx="minor">
+          <a:schemeClr val="lt1"/>
+        </a:fontRef>
+      </dsp:style>
+    </dsp:sp>
+    <dsp:sp modelId="{403A2D34-CE59-BB41-BF9E-92F58CC54A82}">
+      <dsp:nvSpPr>
+        <dsp:cNvPr id="0" name=""/>
+        <dsp:cNvSpPr/>
+      </dsp:nvSpPr>
+      <dsp:spPr>
+        <a:xfrm>
+          <a:off x="493301" y="860931"/>
+          <a:ext cx="4428354" cy="2812004"/>
+        </a:xfrm>
+        <a:prstGeom prst="roundRect">
+          <a:avLst>
+            <a:gd name="adj" fmla="val 10000"/>
+          </a:avLst>
+        </a:prstGeom>
+        <a:solidFill>
+          <a:schemeClr val="lt1">
+            <a:alpha val="90000"/>
+            <a:hueOff val="0"/>
+            <a:satOff val="0"/>
+            <a:lumOff val="0"/>
+            <a:alphaOff val="0"/>
+          </a:schemeClr>
+        </a:solidFill>
+        <a:ln w="12700" cap="flat" cmpd="sng" algn="ctr">
+          <a:solidFill>
+            <a:schemeClr val="accent1">
+              <a:hueOff val="0"/>
+              <a:satOff val="0"/>
+              <a:lumOff val="0"/>
+              <a:alphaOff val="0"/>
+            </a:schemeClr>
+          </a:solidFill>
+          <a:prstDash val="solid"/>
+          <a:miter lim="800000"/>
+        </a:ln>
+        <a:effectLst/>
+      </dsp:spPr>
+      <dsp:style>
+        <a:lnRef idx="2">
+          <a:scrgbClr r="0" g="0" b="0"/>
+        </a:lnRef>
+        <a:fillRef idx="1">
+          <a:scrgbClr r="0" g="0" b="0"/>
+        </a:fillRef>
+        <a:effectRef idx="0">
+          <a:scrgbClr r="0" g="0" b="0"/>
+        </a:effectRef>
+        <a:fontRef idx="minor"/>
+      </dsp:style>
+      <dsp:txBody>
+        <a:bodyPr spcFirstLastPara="0" vert="horz" wrap="square" lIns="60960" tIns="60960" rIns="60960" bIns="60960" numCol="1" spcCol="1270" anchor="ctr" anchorCtr="0">
+          <a:noAutofit/>
+        </a:bodyPr>
+        <a:lstStyle/>
+        <a:p>
+          <a:pPr marL="0" lvl="0" indent="0" algn="ctr" defTabSz="711200">
+            <a:lnSpc>
+              <a:spcPct val="90000"/>
+            </a:lnSpc>
+            <a:spcBef>
+              <a:spcPct val="0"/>
+            </a:spcBef>
+            <a:spcAft>
+              <a:spcPct val="35000"/>
+            </a:spcAft>
+            <a:buNone/>
+          </a:pPr>
+          <a:r>
+            <a:rPr lang="en-US" sz="1600" kern="1200"/>
+            <a:t>Background: The business has observed rising customer churn rates and wants to understand </a:t>
+          </a:r>
+          <a:r>
+            <a:rPr lang="en-US" sz="1600" b="1" kern="1200"/>
+            <a:t>which factors (e.g., contract type, service usage, billing method, demographics)</a:t>
+          </a:r>
+          <a:r>
+            <a:rPr lang="en-US" sz="1600" kern="1200"/>
+            <a:t> are most associated with customers leaving. By identifying high-risk groups through a logistic regression model, the business can better prioritize retention strategies, such as offering discounts, improving service quality, or modifying contract terms.</a:t>
+          </a:r>
+        </a:p>
+      </dsp:txBody>
+      <dsp:txXfrm>
+        <a:off x="575662" y="943292"/>
+        <a:ext cx="4263632" cy="2647282"/>
+      </dsp:txXfrm>
+    </dsp:sp>
+    <dsp:sp modelId="{145C69DE-856D-D04A-BFBD-7A4659B3C7BA}">
+      <dsp:nvSpPr>
+        <dsp:cNvPr id="0" name=""/>
+        <dsp:cNvSpPr/>
+      </dsp:nvSpPr>
+      <dsp:spPr>
+        <a:xfrm>
+          <a:off x="5413694" y="393494"/>
+          <a:ext cx="4428354" cy="2812004"/>
+        </a:xfrm>
+        <a:prstGeom prst="roundRect">
+          <a:avLst>
+            <a:gd name="adj" fmla="val 10000"/>
+          </a:avLst>
+        </a:prstGeom>
+        <a:solidFill>
+          <a:schemeClr val="accent1">
+            <a:hueOff val="0"/>
+            <a:satOff val="0"/>
+            <a:lumOff val="0"/>
+            <a:alphaOff val="0"/>
+          </a:schemeClr>
+        </a:solidFill>
+        <a:ln w="12700" cap="flat" cmpd="sng" algn="ctr">
+          <a:solidFill>
+            <a:schemeClr val="lt1">
+              <a:hueOff val="0"/>
+              <a:satOff val="0"/>
+              <a:lumOff val="0"/>
+              <a:alphaOff val="0"/>
+            </a:schemeClr>
+          </a:solidFill>
+          <a:prstDash val="solid"/>
+          <a:miter lim="800000"/>
+        </a:ln>
+        <a:effectLst/>
+      </dsp:spPr>
+      <dsp:style>
+        <a:lnRef idx="2">
+          <a:scrgbClr r="0" g="0" b="0"/>
+        </a:lnRef>
+        <a:fillRef idx="1">
+          <a:scrgbClr r="0" g="0" b="0"/>
+        </a:fillRef>
+        <a:effectRef idx="0">
+          <a:scrgbClr r="0" g="0" b="0"/>
+        </a:effectRef>
+        <a:fontRef idx="minor">
+          <a:schemeClr val="lt1"/>
+        </a:fontRef>
+      </dsp:style>
+    </dsp:sp>
+    <dsp:sp modelId="{71A90884-A130-124B-A7A2-FA3EBEA0C19B}">
+      <dsp:nvSpPr>
+        <dsp:cNvPr id="0" name=""/>
+        <dsp:cNvSpPr/>
+      </dsp:nvSpPr>
+      <dsp:spPr>
+        <a:xfrm>
+          <a:off x="5905734" y="860931"/>
+          <a:ext cx="4428354" cy="2812004"/>
+        </a:xfrm>
+        <a:prstGeom prst="roundRect">
+          <a:avLst>
+            <a:gd name="adj" fmla="val 10000"/>
+          </a:avLst>
+        </a:prstGeom>
+        <a:solidFill>
+          <a:schemeClr val="lt1">
+            <a:alpha val="90000"/>
+            <a:hueOff val="0"/>
+            <a:satOff val="0"/>
+            <a:lumOff val="0"/>
+            <a:alphaOff val="0"/>
+          </a:schemeClr>
+        </a:solidFill>
+        <a:ln w="12700" cap="flat" cmpd="sng" algn="ctr">
+          <a:solidFill>
+            <a:schemeClr val="accent1">
+              <a:hueOff val="0"/>
+              <a:satOff val="0"/>
+              <a:lumOff val="0"/>
+              <a:alphaOff val="0"/>
+            </a:schemeClr>
+          </a:solidFill>
+          <a:prstDash val="solid"/>
+          <a:miter lim="800000"/>
+        </a:ln>
+        <a:effectLst/>
+      </dsp:spPr>
+      <dsp:style>
+        <a:lnRef idx="2">
+          <a:scrgbClr r="0" g="0" b="0"/>
+        </a:lnRef>
+        <a:fillRef idx="1">
+          <a:scrgbClr r="0" g="0" b="0"/>
+        </a:fillRef>
+        <a:effectRef idx="0">
+          <a:scrgbClr r="0" g="0" b="0"/>
+        </a:effectRef>
+        <a:fontRef idx="minor"/>
+      </dsp:style>
+      <dsp:txBody>
+        <a:bodyPr spcFirstLastPara="0" vert="horz" wrap="square" lIns="60960" tIns="60960" rIns="60960" bIns="60960" numCol="1" spcCol="1270" anchor="ctr" anchorCtr="0">
+          <a:noAutofit/>
+        </a:bodyPr>
+        <a:lstStyle/>
+        <a:p>
+          <a:pPr marL="0" lvl="0" indent="0" algn="ctr" defTabSz="711200">
+            <a:lnSpc>
+              <a:spcPct val="90000"/>
+            </a:lnSpc>
+            <a:spcBef>
+              <a:spcPct val="0"/>
+            </a:spcBef>
+            <a:spcAft>
+              <a:spcPct val="35000"/>
+            </a:spcAft>
+            <a:buNone/>
+          </a:pPr>
+          <a:r>
+            <a:rPr lang="en-US" sz="1600" kern="1200"/>
+            <a:t>Business Question: Which customer characteristics are most predictive of churn, and how can the business target interventions to reduce churn risk among at-risk customers?</a:t>
+          </a:r>
+        </a:p>
+      </dsp:txBody>
+      <dsp:txXfrm>
+        <a:off x="5988095" y="943292"/>
+        <a:ext cx="4263632" cy="2647282"/>
+      </dsp:txXfrm>
+    </dsp:sp>
+  </dsp:spTree>
+</dsp:drawing>
+</file>
+
+<file path=ppt/diagrams/layout1.xml><?xml version="1.0" encoding="utf-8"?>
+<dgm:layoutDef xmlns:dgm="http://schemas.openxmlformats.org/drawingml/2006/diagram" xmlns:a="http://schemas.openxmlformats.org/drawingml/2006/main" uniqueId="urn:microsoft.com/office/officeart/2005/8/layout/hierarchy1">
+  <dgm:title val=""/>
+  <dgm:desc val=""/>
+  <dgm:catLst>
+    <dgm:cat type="hierarchy" pri="2000"/>
+  </dgm:catLst>
+  <dgm:sampData>
+    <dgm:dataModel>
+      <dgm:ptLst>
+        <dgm:pt modelId="0" type="doc"/>
+        <dgm:pt modelId="1">
+          <dgm:prSet phldr="1"/>
+        </dgm:pt>
+        <dgm:pt modelId="2">
+          <dgm:prSet phldr="1"/>
+        </dgm:pt>
+        <dgm:pt modelId="21">
+          <dgm:prSet phldr="1"/>
+        </dgm:pt>
+        <dgm:pt modelId="22">
+          <dgm:prSet phldr="1"/>
+        </dgm:pt>
+        <dgm:pt modelId="3">
+          <dgm:prSet phldr="1"/>
+        </dgm:pt>
+        <dgm:pt modelId="31">
+          <dgm:prSet phldr="1"/>
+        </dgm:pt>
+      </dgm:ptLst>
+      <dgm:cxnLst>
+        <dgm:cxn modelId="4" srcId="0" destId="1" srcOrd="0" destOrd="0"/>
+        <dgm:cxn modelId="5" srcId="1" destId="2" srcOrd="0" destOrd="0"/>
+        <dgm:cxn modelId="6" srcId="1" destId="3" srcOrd="1" destOrd="0"/>
+        <dgm:cxn modelId="23" srcId="2" destId="21" srcOrd="0" destOrd="0"/>
+        <dgm:cxn modelId="24" srcId="2" destId="22" srcOrd="1" destOrd="0"/>
+        <dgm:cxn modelId="33" srcId="3" destId="31" srcOrd="0" destOrd="0"/>
+      </dgm:cxnLst>
+      <dgm:bg/>
+      <dgm:whole/>
+    </dgm:dataModel>
+  </dgm:sampData>
+  <dgm:styleData>
+    <dgm:dataModel>
+      <dgm:ptLst>
+        <dgm:pt modelId="0" type="doc"/>
+        <dgm:pt modelId="1"/>
+        <dgm:pt modelId="11"/>
+        <dgm:pt modelId="12"/>
+      </dgm:ptLst>
+      <dgm:cxnLst>
+        <dgm:cxn modelId="2" srcId="0" destId="1" srcOrd="0" destOrd="0"/>
+        <dgm:cxn modelId="13" srcId="1" destId="11" srcOrd="0" destOrd="0"/>
+        <dgm:cxn modelId="14" srcId="1" destId="12" srcOrd="1" destOrd="0"/>
+      </dgm:cxnLst>
+      <dgm:bg/>
+      <dgm:whole/>
+    </dgm:dataModel>
+  </dgm:styleData>
+  <dgm:clrData>
+    <dgm:dataModel>
+      <dgm:ptLst>
+        <dgm:pt modelId="0" type="doc"/>
+        <dgm:pt modelId="1"/>
+        <dgm:pt modelId="2"/>
+        <dgm:pt modelId="21"/>
+        <dgm:pt modelId="211"/>
+        <dgm:pt modelId="3"/>
+        <dgm:pt modelId="31"/>
+        <dgm:pt modelId="311"/>
+      </dgm:ptLst>
+      <dgm:cxnLst>
+        <dgm:cxn modelId="4" srcId="0" destId="1" srcOrd="0" destOrd="0"/>
+        <dgm:cxn modelId="5" srcId="1" destId="2" srcOrd="0" destOrd="0"/>
+        <dgm:cxn modelId="6" srcId="1" destId="3" srcOrd="1" destOrd="0"/>
+        <dgm:cxn modelId="23" srcId="2" destId="21" srcOrd="0" destOrd="0"/>
+        <dgm:cxn modelId="24" srcId="21" destId="211" srcOrd="0" destOrd="0"/>
+        <dgm:cxn modelId="33" srcId="3" destId="31" srcOrd="0" destOrd="0"/>
+        <dgm:cxn modelId="34" srcId="31" destId="311" srcOrd="0" destOrd="0"/>
+      </dgm:cxnLst>
+      <dgm:bg/>
+      <dgm:whole/>
+    </dgm:dataModel>
+  </dgm:clrData>
+  <dgm:layoutNode name="hierChild1">
+    <dgm:varLst>
+      <dgm:chPref val="1"/>
+      <dgm:dir/>
+      <dgm:animOne val="branch"/>
+      <dgm:animLvl val="lvl"/>
+      <dgm:resizeHandles/>
+    </dgm:varLst>
+    <dgm:choose name="Name0">
+      <dgm:if name="Name1" func="var" arg="dir" op="equ" val="norm">
+        <dgm:alg type="hierChild">
+          <dgm:param type="linDir" val="fromL"/>
+        </dgm:alg>
+      </dgm:if>
+      <dgm:else name="Name2">
+        <dgm:alg type="hierChild">
+          <dgm:param type="linDir" val="fromR"/>
+        </dgm:alg>
+      </dgm:else>
+    </dgm:choose>
+    <dgm:shape xmlns:r="http://schemas.openxmlformats.org/officeDocument/2006/relationships" r:blip="">
+      <dgm:adjLst/>
+    </dgm:shape>
+    <dgm:presOf/>
+    <dgm:constrLst>
+      <dgm:constr type="primFontSz" for="des" ptType="node" op="equ" val="65"/>
+      <dgm:constr type="w" for="des" forName="composite" refType="w"/>
+      <dgm:constr type="h" for="des" forName="composite" refType="w" refFor="des" refForName="composite" fact="0.667"/>
+      <dgm:constr type="w" for="des" forName="composite2" refType="w" refFor="des" refForName="composite"/>
+      <dgm:constr type="h" for="des" forName="composite2" refType="h" refFor="des" refForName="composite"/>
+      <dgm:constr type="w" for="des" forName="composite3" refType="w" refFor="des" refForName="composite"/>
+      <dgm:constr type="h" for="des" forName="composite3" refType="h" refFor="des" refForName="composite"/>
+      <dgm:constr type="w" for="des" forName="composite4" refType="w" refFor="des" refForName="composite"/>
+      <dgm:constr type="h" for="des" forName="composite4" refType="h" refFor="des" refForName="composite"/>
+      <dgm:constr type="w" for="des" forName="composite5" refType="w" refFor="des" refForName="composite"/>
+      <dgm:constr type="h" for="des" forName="composite5" refType="h" refFor="des" refForName="composite"/>
+      <dgm:constr type="sibSp" refType="w" refFor="des" refForName="composite" fact="0.1"/>
+      <dgm:constr type="sibSp" for="des" forName="hierChild2" refType="sibSp"/>
+      <dgm:constr type="sibSp" for="des" forName="hierChild3" refType="sibSp"/>
+      <dgm:constr type="sibSp" for="des" forName="hierChild4" refType="sibSp"/>
+      <dgm:constr type="sibSp" for="des" forName="hierChild5" refType="sibSp"/>
+      <dgm:constr type="sibSp" for="des" forName="hierChild6" refType="sibSp"/>
+      <dgm:constr type="sp" for="des" forName="hierRoot1" refType="h" refFor="des" refForName="composite" fact="0.25"/>
+      <dgm:constr type="sp" for="des" forName="hierRoot2" refType="sp" refFor="des" refForName="hierRoot1"/>
+      <dgm:constr type="sp" for="des" forName="hierRoot3" refType="sp" refFor="des" refForName="hierRoot1"/>
+      <dgm:constr type="sp" for="des" forName="hierRoot4" refType="sp" refFor="des" refForName="hierRoot1"/>
+      <dgm:constr type="sp" for="des" forName="hierRoot5" refType="sp" refFor="des" refForName="hierRoot1"/>
+    </dgm:constrLst>
+    <dgm:ruleLst/>
+    <dgm:forEach name="Name3" axis="ch">
+      <dgm:forEach name="Name4" axis="self" ptType="node">
+        <dgm:layoutNode name="hierRoot1">
+          <dgm:alg type="hierRoot"/>
+          <dgm:shape xmlns:r="http://schemas.openxmlformats.org/officeDocument/2006/relationships" r:blip="">
+            <dgm:adjLst/>
+          </dgm:shape>
+          <dgm:presOf/>
+          <dgm:constrLst>
+            <dgm:constr type="bendDist" for="des" ptType="parTrans" refType="sp" fact="0.5"/>
+          </dgm:constrLst>
+          <dgm:ruleLst/>
+          <dgm:layoutNode name="composite">
+            <dgm:alg type="composite"/>
+            <dgm:shape xmlns:r="http://schemas.openxmlformats.org/officeDocument/2006/relationships" r:blip="">
+              <dgm:adjLst/>
+            </dgm:shape>
+            <dgm:presOf/>
+            <dgm:constrLst>
+              <dgm:constr type="w" for="ch" forName="background" refType="w" fact="0.9"/>
+              <dgm:constr type="h" for="ch" forName="background" refType="w" refFor="ch" refForName="background" fact="0.635"/>
+              <dgm:constr type="t" for="ch" forName="background"/>
+              <dgm:constr type="l" for="ch" forName="background"/>
+              <dgm:constr type="w" for="ch" forName="text" refType="w" fact="0.9"/>
+              <dgm:constr type="h" for="ch" forName="text" refType="w" refFor="ch" refForName="text" fact="0.635"/>
+              <dgm:constr type="t" for="ch" forName="text" refType="w" fact="0.095"/>
+              <dgm:constr type="l" for="ch" forName="text" refType="w" fact="0.1"/>
+            </dgm:constrLst>
+            <dgm:ruleLst/>
+            <dgm:layoutNode name="background" styleLbl="node0" moveWith="text">
+              <dgm:alg type="sp"/>
+              <dgm:shape xmlns:r="http://schemas.openxmlformats.org/officeDocument/2006/relationships" type="roundRect" r:blip="">
+                <dgm:adjLst>
+                  <dgm:adj idx="1" val="0.1"/>
+                </dgm:adjLst>
+              </dgm:shape>
+              <dgm:presOf/>
+              <dgm:constrLst/>
+              <dgm:ruleLst/>
+            </dgm:layoutNode>
+            <dgm:layoutNode name="text" styleLbl="fgAcc0">
+              <dgm:varLst>
+                <dgm:chPref val="3"/>
+              </dgm:varLst>
+              <dgm:alg type="tx"/>
+              <dgm:shape xmlns:r="http://schemas.openxmlformats.org/officeDocument/2006/relationships" type="roundRect" r:blip="">
+                <dgm:adjLst>
+                  <dgm:adj idx="1" val="0.1"/>
+                </dgm:adjLst>
+              </dgm:shape>
+              <dgm:presOf axis="self"/>
+              <dgm:constrLst>
+                <dgm:constr type="tMarg" refType="primFontSz" fact="0.3"/>
+                <dgm:constr type="bMarg" refType="primFontSz" fact="0.3"/>
+                <dgm:constr type="lMarg" refType="primFontSz" fact="0.3"/>
+                <dgm:constr type="rMarg" refType="primFontSz" fact="0.3"/>
+              </dgm:constrLst>
+              <dgm:ruleLst>
+                <dgm:rule type="primFontSz" val="5" fact="NaN" max="NaN"/>
+              </dgm:ruleLst>
+            </dgm:layoutNode>
+          </dgm:layoutNode>
+          <dgm:layoutNode name="hierChild2">
+            <dgm:choose name="Name5">
+              <dgm:if name="Name6" func="var" arg="dir" op="equ" val="norm">
+                <dgm:alg type="hierChild">
+                  <dgm:param type="linDir" val="fromL"/>
+                </dgm:alg>
+              </dgm:if>
+              <dgm:else name="Name7">
+                <dgm:alg type="hierChild">
+                  <dgm:param type="linDir" val="fromR"/>
+                </dgm:alg>
+              </dgm:else>
+            </dgm:choose>
+            <dgm:shape xmlns:r="http://schemas.openxmlformats.org/officeDocument/2006/relationships" r:blip="">
+              <dgm:adjLst/>
+            </dgm:shape>
+            <dgm:presOf/>
+            <dgm:constrLst/>
+            <dgm:ruleLst/>
+            <dgm:forEach name="Name8" axis="ch">
+              <dgm:forEach name="Name9" axis="self" ptType="parTrans" cnt="1">
+                <dgm:layoutNode name="Name10">
+                  <dgm:alg type="conn">
+                    <dgm:param type="dim" val="1D"/>
+                    <dgm:param type="endSty" val="noArr"/>
+                    <dgm:param type="connRout" val="bend"/>
+                    <dgm:param type="bendPt" val="end"/>
+                    <dgm:param type="begPts" val="bCtr"/>
+                    <dgm:param type="endPts" val="tCtr"/>
+                    <dgm:param type="srcNode" val="background"/>
+                    <dgm:param type="dstNode" val="background2"/>
+                  </dgm:alg>
+                  <dgm:shape xmlns:r="http://schemas.openxmlformats.org/officeDocument/2006/relationships" type="conn" r:blip="" zOrderOff="-999">
+                    <dgm:adjLst/>
+                  </dgm:shape>
+                  <dgm:presOf axis="self"/>
+                  <dgm:constrLst>
+                    <dgm:constr type="begPad"/>
+                    <dgm:constr type="endPad"/>
+                  </dgm:constrLst>
+                  <dgm:ruleLst/>
+                </dgm:layoutNode>
+              </dgm:forEach>
+              <dgm:forEach name="Name11" axis="self" ptType="node">
+                <dgm:layoutNode name="hierRoot2">
+                  <dgm:alg type="hierRoot"/>
+                  <dgm:shape xmlns:r="http://schemas.openxmlformats.org/officeDocument/2006/relationships" r:blip="">
+                    <dgm:adjLst/>
+                  </dgm:shape>
+                  <dgm:presOf/>
+                  <dgm:constrLst>
+                    <dgm:constr type="bendDist" for="des" ptType="parTrans" refType="sp" fact="0.5"/>
+                  </dgm:constrLst>
+                  <dgm:ruleLst/>
+                  <dgm:layoutNode name="composite2">
+                    <dgm:alg type="composite"/>
+                    <dgm:shape xmlns:r="http://schemas.openxmlformats.org/officeDocument/2006/relationships" r:blip="">
+                      <dgm:adjLst/>
+                    </dgm:shape>
+                    <dgm:presOf/>
+                    <dgm:constrLst>
+                      <dgm:constr type="w" for="ch" forName="background2" refType="w" fact="0.9"/>
+                      <dgm:constr type="h" for="ch" forName="background2" refType="w" refFor="ch" refForName="background2" fact="0.635"/>
+                      <dgm:constr type="t" for="ch" forName="background2"/>
+                      <dgm:constr type="l" for="ch" forName="background2"/>
+                      <dgm:constr type="w" for="ch" forName="text2" refType="w" fact="0.9"/>
+                      <dgm:constr type="h" for="ch" forName="text2" refType="w" refFor="ch" refForName="text2" fact="0.635"/>
+                      <dgm:constr type="t" for="ch" forName="text2" refType="w" fact="0.095"/>
+                      <dgm:constr type="l" for="ch" forName="text2" refType="w" fact="0.1"/>
+                    </dgm:constrLst>
+                    <dgm:ruleLst/>
+                    <dgm:layoutNode name="background2" moveWith="text2">
+                      <dgm:alg type="sp"/>
+                      <dgm:shape xmlns:r="http://schemas.openxmlformats.org/officeDocument/2006/relationships" type="roundRect" r:blip="">
+                        <dgm:adjLst>
+                          <dgm:adj idx="1" val="0.1"/>
+                        </dgm:adjLst>
+                      </dgm:shape>
+                      <dgm:presOf/>
+                      <dgm:constrLst/>
+                      <dgm:ruleLst/>
+                    </dgm:layoutNode>
+                    <dgm:layoutNode name="text2" styleLbl="fgAcc2">
+                      <dgm:varLst>
+                        <dgm:chPref val="3"/>
+                      </dgm:varLst>
+                      <dgm:alg type="tx"/>
+                      <dgm:shape xmlns:r="http://schemas.openxmlformats.org/officeDocument/2006/relationships" type="roundRect" r:blip="">
+                        <dgm:adjLst>
+                          <dgm:adj idx="1" val="0.1"/>
+                        </dgm:adjLst>
+                      </dgm:shape>
+                      <dgm:presOf axis="self"/>
+                      <dgm:constrLst>
+                        <dgm:constr type="tMarg" refType="primFontSz" fact="0.3"/>
+                        <dgm:constr type="bMarg" refType="primFontSz" fact="0.3"/>
+                        <dgm:constr type="lMarg" refType="primFontSz" fact="0.3"/>
+                        <dgm:constr type="rMarg" refType="primFontSz" fact="0.3"/>
+                      </dgm:constrLst>
+                      <dgm:ruleLst>
+                        <dgm:rule type="primFontSz" val="5" fact="NaN" max="NaN"/>
+                      </dgm:ruleLst>
+                    </dgm:layoutNode>
+                  </dgm:layoutNode>
+                  <dgm:layoutNode name="hierChild3">
+                    <dgm:choose name="Name12">
+                      <dgm:if name="Name13" func="var" arg="dir" op="equ" val="norm">
+                        <dgm:alg type="hierChild">
+                          <dgm:param type="linDir" val="fromL"/>
+                        </dgm:alg>
+                      </dgm:if>
+                      <dgm:else name="Name14">
+                        <dgm:alg type="hierChild">
+                          <dgm:param type="linDir" val="fromR"/>
+                        </dgm:alg>
+                      </dgm:else>
+                    </dgm:choose>
+                    <dgm:shape xmlns:r="http://schemas.openxmlformats.org/officeDocument/2006/relationships" r:blip="">
+                      <dgm:adjLst/>
+                    </dgm:shape>
+                    <dgm:presOf/>
+                    <dgm:constrLst/>
+                    <dgm:ruleLst/>
+                    <dgm:forEach name="Name15" axis="ch">
+                      <dgm:forEach name="Name16" axis="self" ptType="parTrans" cnt="1">
+                        <dgm:layoutNode name="Name17">
+                          <dgm:alg type="conn">
+                            <dgm:param type="dim" val="1D"/>
+                            <dgm:param type="endSty" val="noArr"/>
+                            <dgm:param type="connRout" val="bend"/>
+                            <dgm:param type="bendPt" val="end"/>
+                            <dgm:param type="begPts" val="bCtr"/>
+                            <dgm:param type="endPts" val="tCtr"/>
+                            <dgm:param type="srcNode" val="background2"/>
+                            <dgm:param type="dstNode" val="background3"/>
+                          </dgm:alg>
+                          <dgm:shape xmlns:r="http://schemas.openxmlformats.org/officeDocument/2006/relationships" type="conn" r:blip="" zOrderOff="-999">
+                            <dgm:adjLst/>
+                          </dgm:shape>
+                          <dgm:presOf axis="self"/>
+                          <dgm:constrLst>
+                            <dgm:constr type="begPad"/>
+                            <dgm:constr type="endPad"/>
+                          </dgm:constrLst>
+                          <dgm:ruleLst/>
+                        </dgm:layoutNode>
+                      </dgm:forEach>
+                      <dgm:forEach name="Name18" axis="self" ptType="node">
+                        <dgm:layoutNode name="hierRoot3">
+                          <dgm:alg type="hierRoot"/>
+                          <dgm:shape xmlns:r="http://schemas.openxmlformats.org/officeDocument/2006/relationships" r:blip="">
+                            <dgm:adjLst/>
+                          </dgm:shape>
+                          <dgm:presOf/>
+                          <dgm:constrLst>
+                            <dgm:constr type="bendDist" for="des" ptType="parTrans" refType="sp" fact="0.5"/>
+                          </dgm:constrLst>
+                          <dgm:ruleLst/>
+                          <dgm:layoutNode name="composite3">
+                            <dgm:alg type="composite"/>
+                            <dgm:shape xmlns:r="http://schemas.openxmlformats.org/officeDocument/2006/relationships" r:blip="">
+                              <dgm:adjLst/>
+                            </dgm:shape>
+                            <dgm:presOf/>
+                            <dgm:constrLst>
+                              <dgm:constr type="w" for="ch" forName="background3" refType="w" fact="0.9"/>
+                              <dgm:constr type="h" for="ch" forName="background3" refType="w" refFor="ch" refForName="background3" fact="0.635"/>
+                              <dgm:constr type="t" for="ch" forName="background3"/>
+                              <dgm:constr type="l" for="ch" forName="background3"/>
+                              <dgm:constr type="w" for="ch" forName="text3" refType="w" fact="0.9"/>
+                              <dgm:constr type="h" for="ch" forName="text3" refType="w" refFor="ch" refForName="text3" fact="0.635"/>
+                              <dgm:constr type="t" for="ch" forName="text3" refType="w" fact="0.095"/>
+                              <dgm:constr type="l" for="ch" forName="text3" refType="w" fact="0.1"/>
+                            </dgm:constrLst>
+                            <dgm:ruleLst/>
+                            <dgm:layoutNode name="background3" moveWith="text3">
+                              <dgm:alg type="sp"/>
+                              <dgm:shape xmlns:r="http://schemas.openxmlformats.org/officeDocument/2006/relationships" type="roundRect" r:blip="">
+                                <dgm:adjLst>
+                                  <dgm:adj idx="1" val="0.1"/>
+                                </dgm:adjLst>
+                              </dgm:shape>
+                              <dgm:presOf/>
+                              <dgm:constrLst/>
+                              <dgm:ruleLst/>
+                            </dgm:layoutNode>
+                            <dgm:layoutNode name="text3" styleLbl="fgAcc3">
+                              <dgm:varLst>
+                                <dgm:chPref val="3"/>
+                              </dgm:varLst>
+                              <dgm:alg type="tx"/>
+                              <dgm:shape xmlns:r="http://schemas.openxmlformats.org/officeDocument/2006/relationships" type="roundRect" r:blip="">
+                                <dgm:adjLst>
+                                  <dgm:adj idx="1" val="0.1"/>
+                                </dgm:adjLst>
+                              </dgm:shape>
+                              <dgm:presOf axis="self"/>
+                              <dgm:constrLst>
+                                <dgm:constr type="tMarg" refType="primFontSz" fact="0.3"/>
+                                <dgm:constr type="bMarg" refType="primFontSz" fact="0.3"/>
+                                <dgm:constr type="lMarg" refType="primFontSz" fact="0.3"/>
+                                <dgm:constr type="rMarg" refType="primFontSz" fact="0.3"/>
+                              </dgm:constrLst>
+                              <dgm:ruleLst>
+                                <dgm:rule type="primFontSz" val="5" fact="NaN" max="NaN"/>
+                              </dgm:ruleLst>
+                            </dgm:layoutNode>
+                          </dgm:layoutNode>
+                          <dgm:layoutNode name="hierChild4">
+                            <dgm:choose name="Name19">
+                              <dgm:if name="Name20" func="var" arg="dir" op="equ" val="norm">
+                                <dgm:alg type="hierChild">
+                                  <dgm:param type="linDir" val="fromL"/>
+                                </dgm:alg>
+                              </dgm:if>
+                              <dgm:else name="Name21">
+                                <dgm:alg type="hierChild">
+                                  <dgm:param type="linDir" val="fromR"/>
+                                </dgm:alg>
+                              </dgm:else>
+                            </dgm:choose>
+                            <dgm:shape xmlns:r="http://schemas.openxmlformats.org/officeDocument/2006/relationships" r:blip="">
+                              <dgm:adjLst/>
+                            </dgm:shape>
+                            <dgm:presOf/>
+                            <dgm:constrLst/>
+                            <dgm:ruleLst/>
+                            <dgm:forEach name="repeat" axis="ch">
+                              <dgm:forEach name="Name22" axis="self" ptType="parTrans" cnt="1">
+                                <dgm:layoutNode name="Name23">
+                                  <dgm:choose name="Name24">
+                                    <dgm:if name="Name25" axis="self" func="depth" op="lte" val="4">
+                                      <dgm:alg type="conn">
+                                        <dgm:param type="dim" val="1D"/>
+                                        <dgm:param type="endSty" val="noArr"/>
+                                        <dgm:param type="connRout" val="bend"/>
+                                        <dgm:param type="bendPt" val="end"/>
+                                        <dgm:param type="begPts" val="bCtr"/>
+                                        <dgm:param type="endPts" val="tCtr"/>
+                                        <dgm:param type="srcNode" val="background3"/>
+                                        <dgm:param type="dstNode" val="background4"/>
+                                      </dgm:alg>
+                                    </dgm:if>
+                                    <dgm:else name="Name26">
+                                      <dgm:alg type="conn">
+                                        <dgm:param type="dim" val="1D"/>
+                                        <dgm:param type="endSty" val="noArr"/>
+                                        <dgm:param type="connRout" val="bend"/>
+                                        <dgm:param type="bendPt" val="end"/>
+                                        <dgm:param type="begPts" val="bCtr"/>
+                                        <dgm:param type="endPts" val="tCtr"/>
+                                        <dgm:param type="srcNode" val="background4"/>
+                                        <dgm:param type="dstNode" val="background4"/>
+                                      </dgm:alg>
+                                    </dgm:else>
+                                  </dgm:choose>
+                                  <dgm:shape xmlns:r="http://schemas.openxmlformats.org/officeDocument/2006/relationships" type="conn" r:blip="" zOrderOff="-999">
+                                    <dgm:adjLst/>
+                                  </dgm:shape>
+                                  <dgm:presOf axis="self"/>
+                                  <dgm:constrLst>
+                                    <dgm:constr type="begPad"/>
+                                    <dgm:constr type="endPad"/>
+                                  </dgm:constrLst>
+                                  <dgm:ruleLst/>
+                                </dgm:layoutNode>
+                              </dgm:forEach>
+                              <dgm:forEach name="Name27" axis="self" ptType="node">
+                                <dgm:layoutNode name="hierRoot4">
+                                  <dgm:alg type="hierRoot"/>
+                                  <dgm:shape xmlns:r="http://schemas.openxmlformats.org/officeDocument/2006/relationships" r:blip="">
+                                    <dgm:adjLst/>
+                                  </dgm:shape>
+                                  <dgm:presOf/>
+                                  <dgm:constrLst>
+                                    <dgm:constr type="bendDist" for="des" ptType="parTrans" refType="sp" fact="0.5"/>
+                                  </dgm:constrLst>
+                                  <dgm:ruleLst/>
+                                  <dgm:layoutNode name="composite4">
+                                    <dgm:alg type="composite"/>
+                                    <dgm:shape xmlns:r="http://schemas.openxmlformats.org/officeDocument/2006/relationships" r:blip="">
+                                      <dgm:adjLst/>
+                                    </dgm:shape>
+                                    <dgm:presOf/>
+                                    <dgm:constrLst>
+                                      <dgm:constr type="w" for="ch" forName="background4" refType="w" fact="0.9"/>
+                                      <dgm:constr type="h" for="ch" forName="background4" refType="w" refFor="ch" refForName="background4" fact="0.635"/>
+                                      <dgm:constr type="t" for="ch" forName="background4"/>
+                                      <dgm:constr type="l" for="ch" forName="background4"/>
+                                      <dgm:constr type="w" for="ch" forName="text4" refType="w" fact="0.9"/>
+                                      <dgm:constr type="h" for="ch" forName="text4" refType="w" refFor="ch" refForName="text4" fact="0.635"/>
+                                      <dgm:constr type="t" for="ch" forName="text4" refType="w" fact="0.095"/>
+                                      <dgm:constr type="l" for="ch" forName="text4" refType="w" fact="0.1"/>
+                                    </dgm:constrLst>
+                                    <dgm:ruleLst/>
+                                    <dgm:layoutNode name="background4" moveWith="text4">
+                                      <dgm:alg type="sp"/>
+                                      <dgm:shape xmlns:r="http://schemas.openxmlformats.org/officeDocument/2006/relationships" type="roundRect" r:blip="">
+                                        <dgm:adjLst>
+                                          <dgm:adj idx="1" val="0.1"/>
+                                        </dgm:adjLst>
+                                      </dgm:shape>
+                                      <dgm:presOf/>
+                                      <dgm:constrLst/>
+                                      <dgm:ruleLst/>
+                                    </dgm:layoutNode>
+                                    <dgm:layoutNode name="text4" styleLbl="fgAcc4">
+                                      <dgm:varLst>
+                                        <dgm:chPref val="3"/>
+                                      </dgm:varLst>
+                                      <dgm:alg type="tx"/>
+                                      <dgm:shape xmlns:r="http://schemas.openxmlformats.org/officeDocument/2006/relationships" type="roundRect" r:blip="">
+                                        <dgm:adjLst>
+                                          <dgm:adj idx="1" val="0.1"/>
+                                        </dgm:adjLst>
+                                      </dgm:shape>
+                                      <dgm:presOf axis="self"/>
+                                      <dgm:constrLst>
+                                        <dgm:constr type="tMarg" refType="primFontSz" fact="0.3"/>
+                                        <dgm:constr type="bMarg" refType="primFontSz" fact="0.3"/>
+                                        <dgm:constr type="lMarg" refType="primFontSz" fact="0.3"/>
+                                        <dgm:constr type="rMarg" refType="primFontSz" fact="0.3"/>
+                                      </dgm:constrLst>
+                                      <dgm:ruleLst>
+                                        <dgm:rule type="primFontSz" val="5" fact="NaN" max="NaN"/>
+                                      </dgm:ruleLst>
+                                    </dgm:layoutNode>
+                                  </dgm:layoutNode>
+                                  <dgm:layoutNode name="hierChild5">
+                                    <dgm:choose name="Name28">
+                                      <dgm:if name="Name29" func="var" arg="dir" op="equ" val="norm">
+                                        <dgm:alg type="hierChild">
+                                          <dgm:param type="linDir" val="fromL"/>
+                                        </dgm:alg>
+                                      </dgm:if>
+                                      <dgm:else name="Name30">
+                                        <dgm:alg type="hierChild">
+                                          <dgm:param type="linDir" val="fromR"/>
+                                        </dgm:alg>
+                                      </dgm:else>
+                                    </dgm:choose>
+                                    <dgm:shape xmlns:r="http://schemas.openxmlformats.org/officeDocument/2006/relationships" r:blip="">
+                                      <dgm:adjLst/>
+                                    </dgm:shape>
+                                    <dgm:presOf/>
+                                    <dgm:constrLst/>
+                                    <dgm:ruleLst/>
+                                    <dgm:forEach name="Name31" ref="repeat"/>
+                                  </dgm:layoutNode>
+                                </dgm:layoutNode>
+                              </dgm:forEach>
+                            </dgm:forEach>
+                          </dgm:layoutNode>
+                        </dgm:layoutNode>
+                      </dgm:forEach>
+                    </dgm:forEach>
+                  </dgm:layoutNode>
+                </dgm:layoutNode>
+              </dgm:forEach>
+            </dgm:forEach>
+          </dgm:layoutNode>
+        </dgm:layoutNode>
+      </dgm:forEach>
+    </dgm:forEach>
+  </dgm:layoutNode>
+</dgm:layoutDef>
+</file>
+
+<file path=ppt/diagrams/quickStyle1.xml><?xml version="1.0" encoding="utf-8"?>
+<dgm:styleDef xmlns:dgm="http://schemas.openxmlformats.org/drawingml/2006/diagram" xmlns:a="http://schemas.openxmlformats.org/drawingml/2006/main" uniqueId="urn:microsoft.com/office/officeart/2005/8/quickstyle/simple1">
+  <dgm:title val=""/>
+  <dgm:desc val=""/>
+  <dgm:catLst>
+    <dgm:cat type="simple" pri="10100"/>
+  </dgm:catLst>
+  <dgm:scene3d>
+    <a:camera prst="orthographicFront"/>
+    <a:lightRig rig="threePt" dir="t"/>
+  </dgm:scene3d>
+  <dgm:styleLbl name="node0">
+    <dgm:scene3d>
+      <a:camera prst="orthographicFront"/>
+      <a:lightRig rig="threePt" dir="t"/>
+    </dgm:scene3d>
+    <dgm:sp3d/>
+    <dgm:txPr/>
+    <dgm:style>
+      <a:lnRef idx="2">
+        <a:scrgbClr r="0" g="0" b="0"/>
+      </a:lnRef>
+      <a:fillRef idx="1">
+        <a:scrgbClr r="0" g="0" b="0"/>
+      </a:fillRef>
+      <a:effectRef idx="0">
+        <a:scrgbClr r="0" g="0" b="0"/>
+      </a:effectRef>
+      <a:fontRef idx="minor">
+        <a:schemeClr val="lt1"/>
+      </a:fontRef>
+    </dgm:style>
+  </dgm:styleLbl>
+  <dgm:styleLbl name="lnNode1">
+    <dgm:scene3d>
+      <a:camera prst="orthographicFront"/>
+      <a:lightRig rig="threePt" dir="t"/>
+    </dgm:scene3d>
+    <dgm:sp3d/>
+    <dgm:txPr/>
+    <dgm:style>
+      <a:lnRef idx="2">
+        <a:scrgbClr r="0" g="0" b="0"/>
+      </a:lnRef>
+      <a:fillRef idx="1">
+        <a:scrgbClr r="0" g="0" b="0"/>
+      </a:fillRef>
+      <a:effectRef idx="0">
+        <a:scrgbClr r="0" g="0" b="0"/>
+      </a:effectRef>
+      <a:fontRef idx="minor">
+        <a:schemeClr val="lt1"/>
+      </a:fontRef>
+    </dgm:style>
+  </dgm:styleLbl>
+  <dgm:styleLbl name="vennNode1">
+    <dgm:scene3d>
+      <a:camera prst="orthographicFront"/>
+      <a:lightRig rig="threePt" dir="t"/>
+    </dgm:scene3d>
+    <dgm:sp3d/>
+    <dgm:txPr/>
+    <dgm:style>
+      <a:lnRef idx="2">
+        <a:scrgbClr r="0" g="0" b="0"/>
+      </a:lnRef>
+      <a:fillRef idx="1">
+        <a:scrgbClr r="0" g="0" b="0"/>
+      </a:fillRef>
+      <a:effectRef idx="0">
+        <a:scrgbClr r="0" g="0" b="0"/>
+      </a:effectRef>
+      <a:fontRef idx="minor">
+        <a:schemeClr val="tx1"/>
+      </a:fontRef>
+    </dgm:style>
+  </dgm:styleLbl>
+  <dgm:styleLbl name="alignNode1">
+    <dgm:scene3d>
+      <a:camera prst="orthographicFront"/>
+      <a:lightRig rig="threePt" dir="t"/>
+    </dgm:scene3d>
+    <dgm:sp3d/>
+    <dgm:txPr/>
+    <dgm:style>
+      <a:lnRef idx="2">
+        <a:scrgbClr r="0" g="0" b="0"/>
+      </a:lnRef>
+      <a:fillRef idx="1">
+        <a:scrgbClr r="0" g="0" b="0"/>
+      </a:fillRef>
+      <a:effectRef idx="0">
+        <a:scrgbClr r="0" g="0" b="0"/>
+      </a:effectRef>
+      <a:fontRef idx="minor">
+        <a:schemeClr val="lt1"/>
+      </a:fontRef>
+    </dgm:style>
+  </dgm:styleLbl>
+  <dgm:styleLbl name="node1">
+    <dgm:scene3d>
+      <a:camera prst="orthographicFront"/>
+      <a:lightRig rig="threePt" dir="t"/>
+    </dgm:scene3d>
+    <dgm:sp3d/>
+    <dgm:txPr/>
+    <dgm:style>
+      <a:lnRef idx="2">
+        <a:scrgbClr r="0" g="0" b="0"/>
+      </a:lnRef>
+      <a:fillRef idx="1">
+        <a:scrgbClr r="0" g="0" b="0"/>
+      </a:fillRef>
+      <a:effectRef idx="0">
+        <a:scrgbClr r="0" g="0" b="0"/>
+      </a:effectRef>
+      <a:fontRef idx="minor">
+        <a:schemeClr val="lt1"/>
+      </a:fontRef>
+    </dgm:style>
+  </dgm:styleLbl>
+  <dgm:styleLbl name="node2">
+    <dgm:scene3d>
+      <a:camera prst="orthographicFront"/>
+      <a:lightRig rig="threePt" dir="t"/>
+    </dgm:scene3d>
+    <dgm:sp3d/>
+    <dgm:txPr/>
+    <dgm:style>
+      <a:lnRef idx="2">
+        <a:scrgbClr r="0" g="0" b="0"/>
+      </a:lnRef>
+      <a:fillRef idx="1">
+        <a:scrgbClr r="0" g="0" b="0"/>
+      </a:fillRef>
+      <a:effectRef idx="0">
+        <a:scrgbClr r="0" g="0" b="0"/>
+      </a:effectRef>
+      <a:fontRef idx="minor">
+        <a:schemeClr val="lt1"/>
+      </a:fontRef>
+    </dgm:style>
+  </dgm:styleLbl>
+  <dgm:styleLbl name="node3">
+    <dgm:scene3d>
+      <a:camera prst="orthographicFront"/>
+      <a:lightRig rig="threePt" dir="t"/>
+    </dgm:scene3d>
+    <dgm:sp3d/>
+    <dgm:txPr/>
+    <dgm:style>
+      <a:lnRef idx="2">
+        <a:scrgbClr r="0" g="0" b="0"/>
+      </a:lnRef>
+      <a:fillRef idx="1">
+        <a:scrgbClr r="0" g="0" b="0"/>
+      </a:fillRef>
+      <a:effectRef idx="0">
+        <a:scrgbClr r="0" g="0" b="0"/>
+      </a:effectRef>
+      <a:fontRef idx="minor">
+        <a:schemeClr val="lt1"/>
+      </a:fontRef>
+    </dgm:style>
+  </dgm:styleLbl>
+  <dgm:styleLbl name="node4">
+    <dgm:scene3d>
+      <a:camera prst="orthographicFront"/>
+      <a:lightRig rig="threePt" dir="t"/>
+    </dgm:scene3d>
+    <dgm:sp3d/>
+    <dgm:txPr/>
+    <dgm:style>
+      <a:lnRef idx="2">
+        <a:scrgbClr r="0" g="0" b="0"/>
+      </a:lnRef>
+      <a:fillRef idx="1">
+        <a:scrgbClr r="0" g="0" b="0"/>
+      </a:fillRef>
+      <a:effectRef idx="0">
+        <a:scrgbClr r="0" g="0" b="0"/>
+      </a:effectRef>
+      <a:fontRef idx="minor">
+        <a:schemeClr val="lt1"/>
+      </a:fontRef>
+    </dgm:style>
+  </dgm:styleLbl>
+  <dgm:styleLbl name="fgImgPlace1">
+    <dgm:scene3d>
+      <a:camera prst="orthographicFront"/>
+      <a:lightRig rig="threePt" dir="t"/>
+    </dgm:scene3d>
+    <dgm:sp3d/>
+    <dgm:txPr/>
+    <dgm:style>
+      <a:lnRef idx="2">
+        <a:scrgbClr r="0" g="0" b="0"/>
+      </a:lnRef>
+      <a:fillRef idx="1">
+        <a:scrgbClr r="0" g="0" b="0"/>
+      </a:fillRef>
+      <a:effectRef idx="0">
+        <a:scrgbClr r="0" g="0" b="0"/>
+      </a:effectRef>
+      <a:fontRef idx="minor"/>
+    </dgm:style>
+  </dgm:styleLbl>
+  <dgm:styleLbl name="alignImgPlace1">
+    <dgm:scene3d>
+      <a:camera prst="orthographicFront"/>
+      <a:lightRig rig="threePt" dir="t"/>
+    </dgm:scene3d>
+    <dgm:sp3d/>
+    <dgm:txPr/>
+    <dgm:style>
+      <a:lnRef idx="2">
+        <a:scrgbClr r="0" g="0" b="0"/>
+      </a:lnRef>
+      <a:fillRef idx="1">
+        <a:scrgbClr r="0" g="0" b="0"/>
+      </a:fillRef>
+      <a:effectRef idx="0">
+        <a:scrgbClr r="0" g="0" b="0"/>
+      </a:effectRef>
+      <a:fontRef idx="minor"/>
+    </dgm:style>
+  </dgm:styleLbl>
+  <dgm:styleLbl name="bgImgPlace1">
+    <dgm:scene3d>
+      <a:camera prst="orthographicFront"/>
+      <a:lightRig rig="threePt" dir="t"/>
+    </dgm:scene3d>
+    <dgm:sp3d/>
+    <dgm:txPr/>
+    <dgm:style>
+      <a:lnRef idx="2">
+        <a:scrgbClr r="0" g="0" b="0"/>
+      </a:lnRef>
+      <a:fillRef idx="1">
+        <a:scrgbClr r="0" g="0" b="0"/>
+      </a:fillRef>
+      <a:effectRef idx="0">
+        <a:scrgbClr r="0" g="0" b="0"/>
+      </a:effectRef>
+      <a:fontRef idx="minor"/>
+    </dgm:style>
+  </dgm:styleLbl>
+  <dgm:styleLbl name="sibTrans2D1">
+    <dgm:scene3d>
+      <a:camera prst="orthographicFront"/>
+      <a:lightRig rig="threePt" dir="t"/>
+    </dgm:scene3d>
+    <dgm:sp3d/>
+    <dgm:txPr/>
+    <dgm:style>
+      <a:lnRef idx="0">
+        <a:scrgbClr r="0" g="0" b="0"/>
+      </a:lnRef>
+      <a:fillRef idx="1">
+        <a:scrgbClr r="0" g="0" b="0"/>
+      </a:fillRef>
+      <a:effectRef idx="0">
+        <a:scrgbClr r="0" g="0" b="0"/>
+      </a:effectRef>
+      <a:fontRef idx="minor">
+        <a:schemeClr val="lt1"/>
+      </a:fontRef>
+    </dgm:style>
+  </dgm:styleLbl>
+  <dgm:styleLbl name="fgSibTrans2D1">
+    <dgm:scene3d>
+      <a:camera prst="orthographicFront"/>
+      <a:lightRig rig="threePt" dir="t"/>
+    </dgm:scene3d>
+    <dgm:sp3d/>
+    <dgm:txPr/>
+    <dgm:style>
+      <a:lnRef idx="0">
+        <a:scrgbClr r="0" g="0" b="0"/>
+      </a:lnRef>
+      <a:fillRef idx="1">
+        <a:scrgbClr r="0" g="0" b="0"/>
+      </a:fillRef>
+      <a:effectRef idx="0">
+        <a:scrgbClr r="0" g="0" b="0"/>
+      </a:effectRef>
+      <a:fontRef idx="minor">
+        <a:schemeClr val="lt1"/>
+      </a:fontRef>
+    </dgm:style>
+  </dgm:styleLbl>
+  <dgm:styleLbl name="bgSibTrans2D1">
+    <dgm:scene3d>
+      <a:camera prst="orthographicFront"/>
+      <a:lightRig rig="threePt" dir="t"/>
+    </dgm:scene3d>
+    <dgm:sp3d/>
+    <dgm:txPr/>
+    <dgm:style>
+      <a:lnRef idx="0">
+        <a:scrgbClr r="0" g="0" b="0"/>
+      </a:lnRef>
+      <a:fillRef idx="1">
+        <a:scrgbClr r="0" g="0" b="0"/>
+      </a:fillRef>
+      <a:effectRef idx="0">
+        <a:scrgbClr r="0" g="0" b="0"/>
+      </a:effectRef>
+      <a:fontRef idx="minor">
+        <a:schemeClr val="lt1"/>
+      </a:fontRef>
+    </dgm:style>
+  </dgm:styleLbl>
+  <dgm:styleLbl name="sibTrans1D1">
+    <dgm:scene3d>
+      <a:camera prst="orthographicFront"/>
+      <a:lightRig rig="threePt" dir="t"/>
+    </dgm:scene3d>
+    <dgm:sp3d/>
+    <dgm:txPr/>
+    <dgm:style>
+      <a:lnRef idx="1">
+        <a:scrgbClr r="0" g="0" b="0"/>
+      </a:lnRef>
+      <a:fillRef idx="0">
+        <a:scrgbClr r="0" g="0" b="0"/>
+      </a:fillRef>
+      <a:effectRef idx="0">
+        <a:scrgbClr r="0" g="0" b="0"/>
+      </a:effectRef>
+      <a:fontRef idx="minor"/>
+    </dgm:style>
+  </dgm:styleLbl>
+  <dgm:styleLbl name="callout">
+    <dgm:scene3d>
+      <a:camera prst="orthographicFront"/>
+      <a:lightRig rig="threePt" dir="t"/>
+    </dgm:scene3d>
+    <dgm:sp3d/>
+    <dgm:txPr/>
+    <dgm:style>
+      <a:lnRef idx="2">
+        <a:scrgbClr r="0" g="0" b="0"/>
+      </a:lnRef>
+      <a:fillRef idx="1">
+        <a:scrgbClr r="0" g="0" b="0"/>
+      </a:fillRef>
+      <a:effectRef idx="0">
+        <a:scrgbClr r="0" g="0" b="0"/>
+      </a:effectRef>
+      <a:fontRef idx="minor"/>
+    </dgm:style>
+  </dgm:styleLbl>
+  <dgm:styleLbl name="asst0">
+    <dgm:scene3d>
+      <a:camera prst="orthographicFront"/>
+      <a:lightRig rig="threePt" dir="t"/>
+    </dgm:scene3d>
+    <dgm:sp3d/>
+    <dgm:txPr/>
+    <dgm:style>
+      <a:lnRef idx="2">
+        <a:scrgbClr r="0" g="0" b="0"/>
+      </a:lnRef>
+      <a:fillRef idx="1">
+        <a:scrgbClr r="0" g="0" b="0"/>
+      </a:fillRef>
+      <a:effectRef idx="0">
+        <a:scrgbClr r="0" g="0" b="0"/>
+      </a:effectRef>
+      <a:fontRef idx="minor">
+        <a:schemeClr val="lt1"/>
+      </a:fontRef>
+    </dgm:style>
+  </dgm:styleLbl>
+  <dgm:styleLbl name="asst1">
+    <dgm:scene3d>
+      <a:camera prst="orthographicFront"/>
+      <a:lightRig rig="threePt" dir="t"/>
+    </dgm:scene3d>
+    <dgm:sp3d/>
+    <dgm:txPr/>
+    <dgm:style>
+      <a:lnRef idx="2">
+        <a:scrgbClr r="0" g="0" b="0"/>
+      </a:lnRef>
+      <a:fillRef idx="1">
+        <a:scrgbClr r="0" g="0" b="0"/>
+      </a:fillRef>
+      <a:effectRef idx="0">
+        <a:scrgbClr r="0" g="0" b="0"/>
+      </a:effectRef>
+      <a:fontRef idx="minor">
+        <a:schemeClr val="lt1"/>
+      </a:fontRef>
+    </dgm:style>
+  </dgm:styleLbl>
+  <dgm:styleLbl name="asst2">
+    <dgm:scene3d>
+      <a:camera prst="orthographicFront"/>
+      <a:lightRig rig="threePt" dir="t"/>
+    </dgm:scene3d>
+    <dgm:sp3d/>
+    <dgm:txPr/>
+    <dgm:style>
+      <a:lnRef idx="2">
+        <a:scrgbClr r="0" g="0" b="0"/>
+      </a:lnRef>
+      <a:fillRef idx="1">
+        <a:scrgbClr r="0" g="0" b="0"/>
+      </a:fillRef>
+      <a:effectRef idx="0">
+        <a:scrgbClr r="0" g="0" b="0"/>
+      </a:effectRef>
+      <a:fontRef idx="minor">
+        <a:schemeClr val="lt1"/>
+      </a:fontRef>
+    </dgm:style>
+  </dgm:styleLbl>
+  <dgm:styleLbl name="asst3">
+    <dgm:scene3d>
+      <a:camera prst="orthographicFront"/>
+      <a:lightRig rig="threePt" dir="t"/>
+    </dgm:scene3d>
+    <dgm:sp3d/>
+    <dgm:txPr/>
+    <dgm:style>
+      <a:lnRef idx="2">
+        <a:scrgbClr r="0" g="0" b="0"/>
+      </a:lnRef>
+      <a:fillRef idx="1">
+        <a:scrgbClr r="0" g="0" b="0"/>
+      </a:fillRef>
+      <a:effectRef idx="0">
+        <a:scrgbClr r="0" g="0" b="0"/>
+      </a:effectRef>
+      <a:fontRef idx="minor">
+        <a:schemeClr val="lt1"/>
+      </a:fontRef>
+    </dgm:style>
+  </dgm:styleLbl>
+  <dgm:styleLbl name="asst4">
+    <dgm:scene3d>
+      <a:camera prst="orthographicFront"/>
+      <a:lightRig rig="threePt" dir="t"/>
+    </dgm:scene3d>
+    <dgm:sp3d/>
+    <dgm:txPr/>
+    <dgm:style>
+      <a:lnRef idx="2">
+        <a:scrgbClr r="0" g="0" b="0"/>
+      </a:lnRef>
+      <a:fillRef idx="1">
+        <a:scrgbClr r="0" g="0" b="0"/>
+      </a:fillRef>
+      <a:effectRef idx="0">
+        <a:scrgbClr r="0" g="0" b="0"/>
+      </a:effectRef>
+      <a:fontRef idx="minor">
+        <a:schemeClr val="lt1"/>
+      </a:fontRef>
+    </dgm:style>
+  </dgm:styleLbl>
+  <dgm:styleLbl name="parChTrans2D1">
+    <dgm:scene3d>
+      <a:camera prst="orthographicFront"/>
+      <a:lightRig rig="threePt" dir="t"/>
+    </dgm:scene3d>
+    <dgm:sp3d/>
+    <dgm:txPr/>
+    <dgm:style>
+      <a:lnRef idx="2">
+        <a:scrgbClr r="0" g="0" b="0"/>
+      </a:lnRef>
+      <a:fillRef idx="1">
+        <a:scrgbClr r="0" g="0" b="0"/>
+      </a:fillRef>
+      <a:effectRef idx="0">
+        <a:scrgbClr r="0" g="0" b="0"/>
+      </a:effectRef>
+      <a:fontRef idx="minor">
+        <a:schemeClr val="lt1"/>
+      </a:fontRef>
+    </dgm:style>
+  </dgm:styleLbl>
+  <dgm:styleLbl name="parChTrans2D2">
+    <dgm:scene3d>
+      <a:camera prst="orthographicFront"/>
+      <a:lightRig rig="threePt" dir="t"/>
+    </dgm:scene3d>
+    <dgm:sp3d/>
+    <dgm:txPr/>
+    <dgm:style>
+      <a:lnRef idx="2">
+        <a:scrgbClr r="0" g="0" b="0"/>
+      </a:lnRef>
+      <a:fillRef idx="1">
+        <a:scrgbClr r="0" g="0" b="0"/>
+      </a:fillRef>
+      <a:effectRef idx="0">
+        <a:scrgbClr r="0" g="0" b="0"/>
+      </a:effectRef>
+      <a:fontRef idx="minor">
+        <a:schemeClr val="lt1"/>
+      </a:fontRef>
+    </dgm:style>
+  </dgm:styleLbl>
+  <dgm:styleLbl name="parChTrans2D3">
+    <dgm:scene3d>
+      <a:camera prst="orthographicFront"/>
+      <a:lightRig rig="threePt" dir="t"/>
+    </dgm:scene3d>
+    <dgm:sp3d/>
+    <dgm:txPr/>
+    <dgm:style>
+      <a:lnRef idx="2">
+        <a:scrgbClr r="0" g="0" b="0"/>
+      </a:lnRef>
+      <a:fillRef idx="1">
+        <a:scrgbClr r="0" g="0" b="0"/>
+      </a:fillRef>
+      <a:effectRef idx="0">
+        <a:scrgbClr r="0" g="0" b="0"/>
+      </a:effectRef>
+      <a:fontRef idx="minor">
+        <a:schemeClr val="lt1"/>
+      </a:fontRef>
+    </dgm:style>
+  </dgm:styleLbl>
+  <dgm:styleLbl name="parChTrans2D4">
+    <dgm:scene3d>
+      <a:camera prst="orthographicFront"/>
+      <a:lightRig rig="threePt" dir="t"/>
+    </dgm:scene3d>
+    <dgm:sp3d/>
+    <dgm:txPr/>
+    <dgm:style>
+      <a:lnRef idx="2">
+        <a:scrgbClr r="0" g="0" b="0"/>
+      </a:lnRef>
+      <a:fillRef idx="1">
+        <a:scrgbClr r="0" g="0" b="0"/>
+      </a:fillRef>
+      <a:effectRef idx="0">
+        <a:scrgbClr r="0" g="0" b="0"/>
+      </a:effectRef>
+      <a:fontRef idx="minor">
+        <a:schemeClr val="lt1"/>
+      </a:fontRef>
+    </dgm:style>
+  </dgm:styleLbl>
+  <dgm:styleLbl name="parChTrans1D1">
+    <dgm:scene3d>
+      <a:camera prst="orthographicFront"/>
+      <a:lightRig rig="threePt" dir="t"/>
+    </dgm:scene3d>
+    <dgm:sp3d/>
+    <dgm:txPr/>
+    <dgm:style>
+      <a:lnRef idx="2">
+        <a:scrgbClr r="0" g="0" b="0"/>
+      </a:lnRef>
+      <a:fillRef idx="0">
+        <a:scrgbClr r="0" g="0" b="0"/>
+      </a:fillRef>
+      <a:effectRef idx="0">
+        <a:scrgbClr r="0" g="0" b="0"/>
+      </a:effectRef>
+      <a:fontRef idx="minor"/>
+    </dgm:style>
+  </dgm:styleLbl>
+  <dgm:styleLbl name="parChTrans1D2">
+    <dgm:scene3d>
+      <a:camera prst="orthographicFront"/>
+      <a:lightRig rig="threePt" dir="t"/>
+    </dgm:scene3d>
+    <dgm:sp3d/>
+    <dgm:txPr/>
+    <dgm:style>
+      <a:lnRef idx="2">
+        <a:scrgbClr r="0" g="0" b="0"/>
+      </a:lnRef>
+      <a:fillRef idx="0">
+        <a:scrgbClr r="0" g="0" b="0"/>
+      </a:fillRef>
+      <a:effectRef idx="0">
+        <a:scrgbClr r="0" g="0" b="0"/>
+      </a:effectRef>
+      <a:fontRef idx="minor"/>
+    </dgm:style>
+  </dgm:styleLbl>
+  <dgm:styleLbl name="parChTrans1D3">
+    <dgm:scene3d>
+      <a:camera prst="orthographicFront"/>
+      <a:lightRig rig="threePt" dir="t"/>
+    </dgm:scene3d>
+    <dgm:sp3d/>
+    <dgm:txPr/>
+    <dgm:style>
+      <a:lnRef idx="2">
+        <a:scrgbClr r="0" g="0" b="0"/>
+      </a:lnRef>
+      <a:fillRef idx="0">
+        <a:scrgbClr r="0" g="0" b="0"/>
+      </a:fillRef>
+      <a:effectRef idx="0">
+        <a:scrgbClr r="0" g="0" b="0"/>
+      </a:effectRef>
+      <a:fontRef idx="minor"/>
+    </dgm:style>
+  </dgm:styleLbl>
+  <dgm:styleLbl name="parChTrans1D4">
+    <dgm:scene3d>
+      <a:camera prst="orthographicFront"/>
+      <a:lightRig rig="threePt" dir="t"/>
+    </dgm:scene3d>
+    <dgm:sp3d/>
+    <dgm:txPr/>
+    <dgm:style>
+      <a:lnRef idx="2">
+        <a:scrgbClr r="0" g="0" b="0"/>
+      </a:lnRef>
+      <a:fillRef idx="0">
+        <a:scrgbClr r="0" g="0" b="0"/>
+      </a:fillRef>
+      <a:effectRef idx="0">
+        <a:scrgbClr r="0" g="0" b="0"/>
+      </a:effectRef>
+      <a:fontRef idx="minor"/>
+    </dgm:style>
+  </dgm:styleLbl>
+  <dgm:styleLbl name="fgAcc1">
+    <dgm:scene3d>
+      <a:camera prst="orthographicFront"/>
+      <a:lightRig rig="threePt" dir="t"/>
+    </dgm:scene3d>
+    <dgm:sp3d/>
+    <dgm:txPr/>
+    <dgm:style>
+      <a:lnRef idx="2">
+        <a:scrgbClr r="0" g="0" b="0"/>
+      </a:lnRef>
+      <a:fillRef idx="1">
+        <a:scrgbClr r="0" g="0" b="0"/>
+      </a:fillRef>
+      <a:effectRef idx="0">
+        <a:scrgbClr r="0" g="0" b="0"/>
+      </a:effectRef>
+      <a:fontRef idx="minor"/>
+    </dgm:style>
+  </dgm:styleLbl>
+  <dgm:styleLbl name="conFgAcc1">
+    <dgm:scene3d>
+      <a:camera prst="orthographicFront"/>
+      <a:lightRig rig="threePt" dir="t"/>
+    </dgm:scene3d>
+    <dgm:sp3d/>
+    <dgm:txPr/>
+    <dgm:style>
+      <a:lnRef idx="2">
+        <a:scrgbClr r="0" g="0" b="0"/>
+      </a:lnRef>
+      <a:fillRef idx="1">
+        <a:scrgbClr r="0" g="0" b="0"/>
+      </a:fillRef>
+      <a:effectRef idx="0">
+        <a:scrgbClr r="0" g="0" b="0"/>
+      </a:effectRef>
+      <a:fontRef idx="minor"/>
+    </dgm:style>
+  </dgm:styleLbl>
+  <dgm:styleLbl name="alignAcc1">
+    <dgm:scene3d>
+      <a:camera prst="orthographicFront"/>
+      <a:lightRig rig="threePt" dir="t"/>
+    </dgm:scene3d>
+    <dgm:sp3d/>
+    <dgm:txPr/>
+    <dgm:style>
+      <a:lnRef idx="2">
+        <a:scrgbClr r="0" g="0" b="0"/>
+      </a:lnRef>
+      <a:fillRef idx="1">
+        <a:scrgbClr r="0" g="0" b="0"/>
+      </a:fillRef>
+      <a:effectRef idx="0">
+        <a:scrgbClr r="0" g="0" b="0"/>
+      </a:effectRef>
+      <a:fontRef idx="minor"/>
+    </dgm:style>
+  </dgm:styleLbl>
+  <dgm:styleLbl name="trAlignAcc1">
+    <dgm:scene3d>
+      <a:camera prst="orthographicFront"/>
+      <a:lightRig rig="threePt" dir="t"/>
+    </dgm:scene3d>
+    <dgm:sp3d/>
+    <dgm:txPr/>
+    <dgm:style>
+      <a:lnRef idx="1">
+        <a:scrgbClr r="0" g="0" b="0"/>
+      </a:lnRef>
+      <a:fillRef idx="1">
+        <a:scrgbClr r="0" g="0" b="0"/>
+      </a:fillRef>
+      <a:effectRef idx="0">
+        <a:scrgbClr r="0" g="0" b="0"/>
+      </a:effectRef>
+      <a:fontRef idx="minor"/>
+    </dgm:style>
+  </dgm:styleLbl>
+  <dgm:styleLbl name="bgAcc1">
+    <dgm:scene3d>
+      <a:camera prst="orthographicFront"/>
+      <a:lightRig rig="threePt" dir="t"/>
+    </dgm:scene3d>
+    <dgm:sp3d/>
+    <dgm:txPr/>
+    <dgm:style>
+      <a:lnRef idx="2">
+        <a:scrgbClr r="0" g="0" b="0"/>
+      </a:lnRef>
+      <a:fillRef idx="1">
+        <a:scrgbClr r="0" g="0" b="0"/>
+      </a:fillRef>
+      <a:effectRef idx="0">
+        <a:scrgbClr r="0" g="0" b="0"/>
+      </a:effectRef>
+      <a:fontRef idx="minor"/>
+    </dgm:style>
+  </dgm:styleLbl>
+  <dgm:styleLbl name="solidFgAcc1">
+    <dgm:scene3d>
+      <a:camera prst="orthographicFront"/>
+      <a:lightRig rig="threePt" dir="t"/>
+    </dgm:scene3d>
+    <dgm:sp3d/>
+    <dgm:txPr/>
+    <dgm:style>
+      <a:lnRef idx="2">
+        <a:scrgbClr r="0" g="0" b="0"/>
+      </a:lnRef>
+      <a:fillRef idx="1">
+        <a:scrgbClr r="0" g="0" b="0"/>
+      </a:fillRef>
+      <a:effectRef idx="0">
+        <a:scrgbClr r="0" g="0" b="0"/>
+      </a:effectRef>
+      <a:fontRef idx="minor"/>
+    </dgm:style>
+  </dgm:styleLbl>
+  <dgm:styleLbl name="solidAlignAcc1">
+    <dgm:scene3d>
+      <a:camera prst="orthographicFront"/>
+      <a:lightRig rig="threePt" dir="t"/>
+    </dgm:scene3d>
+    <dgm:sp3d/>
+    <dgm:txPr/>
+    <dgm:style>
+      <a:lnRef idx="2">
+        <a:scrgbClr r="0" g="0" b="0"/>
+      </a:lnRef>
+      <a:fillRef idx="1">
+        <a:scrgbClr r="0" g="0" b="0"/>
+      </a:fillRef>
+      <a:effectRef idx="0">
+        <a:scrgbClr r="0" g="0" b="0"/>
+      </a:effectRef>
+      <a:fontRef idx="minor"/>
+    </dgm:style>
+  </dgm:styleLbl>
+  <dgm:styleLbl name="solidBgAcc1">
+    <dgm:scene3d>
+      <a:camera prst="orthographicFront"/>
+      <a:lightRig rig="threePt" dir="t"/>
+    </dgm:scene3d>
+    <dgm:sp3d/>
+    <dgm:txPr/>
+    <dgm:style>
+      <a:lnRef idx="2">
+        <a:scrgbClr r="0" g="0" b="0"/>
+      </a:lnRef>
+      <a:fillRef idx="1">
+        <a:scrgbClr r="0" g="0" b="0"/>
+      </a:fillRef>
+      <a:effectRef idx="0">
+        <a:scrgbClr r="0" g="0" b="0"/>
+      </a:effectRef>
+      <a:fontRef idx="minor"/>
+    </dgm:style>
+  </dgm:styleLbl>
+  <dgm:styleLbl name="fgAccFollowNode1">
+    <dgm:scene3d>
+      <a:camera prst="orthographicFront"/>
+      <a:lightRig rig="threePt" dir="t"/>
+    </dgm:scene3d>
+    <dgm:sp3d/>
+    <dgm:txPr/>
+    <dgm:style>
+      <a:lnRef idx="2">
+        <a:scrgbClr r="0" g="0" b="0"/>
+      </a:lnRef>
+      <a:fillRef idx="1">
+        <a:scrgbClr r="0" g="0" b="0"/>
+      </a:fillRef>
+      <a:effectRef idx="0">
+        <a:scrgbClr r="0" g="0" b="0"/>
+      </a:effectRef>
+      <a:fontRef idx="minor"/>
+    </dgm:style>
+  </dgm:styleLbl>
+  <dgm:styleLbl name="alignAccFollowNode1">
+    <dgm:scene3d>
+      <a:camera prst="orthographicFront"/>
+      <a:lightRig rig="threePt" dir="t"/>
+    </dgm:scene3d>
+    <dgm:sp3d/>
+    <dgm:txPr/>
+    <dgm:style>
+      <a:lnRef idx="2">
+        <a:scrgbClr r="0" g="0" b="0"/>
+      </a:lnRef>
+      <a:fillRef idx="1">
+        <a:scrgbClr r="0" g="0" b="0"/>
+      </a:fillRef>
+      <a:effectRef idx="0">
+        <a:scrgbClr r="0" g="0" b="0"/>
+      </a:effectRef>
+      <a:fontRef idx="minor"/>
+    </dgm:style>
+  </dgm:styleLbl>
+  <dgm:styleLbl name="bgAccFollowNode1">
+    <dgm:scene3d>
+      <a:camera prst="orthographicFront"/>
+      <a:lightRig rig="threePt" dir="t"/>
+    </dgm:scene3d>
+    <dgm:sp3d/>
+    <dgm:txPr/>
+    <dgm:style>
+      <a:lnRef idx="2">
+        <a:scrgbClr r="0" g="0" b="0"/>
+      </a:lnRef>
+      <a:fillRef idx="1">
+        <a:scrgbClr r="0" g="0" b="0"/>
+      </a:fillRef>
+      <a:effectRef idx="0">
+        <a:scrgbClr r="0" g="0" b="0"/>
+      </a:effectRef>
+      <a:fontRef idx="minor"/>
+    </dgm:style>
+  </dgm:styleLbl>
+  <dgm:styleLbl name="fgAcc0">
+    <dgm:scene3d>
+      <a:camera prst="orthographicFront"/>
+      <a:lightRig rig="threePt" dir="t"/>
+    </dgm:scene3d>
+    <dgm:sp3d/>
+    <dgm:txPr/>
+    <dgm:style>
+      <a:lnRef idx="2">
+        <a:scrgbClr r="0" g="0" b="0"/>
+      </a:lnRef>
+      <a:fillRef idx="1">
+        <a:scrgbClr r="0" g="0" b="0"/>
+      </a:fillRef>
+      <a:effectRef idx="0">
+        <a:scrgbClr r="0" g="0" b="0"/>
+      </a:effectRef>
+      <a:fontRef idx="minor"/>
+    </dgm:style>
+  </dgm:styleLbl>
+  <dgm:styleLbl name="fgAcc2">
+    <dgm:scene3d>
+      <a:camera prst="orthographicFront"/>
+      <a:lightRig rig="threePt" dir="t"/>
+    </dgm:scene3d>
+    <dgm:sp3d/>
+    <dgm:txPr/>
+    <dgm:style>
+      <a:lnRef idx="2">
+        <a:scrgbClr r="0" g="0" b="0"/>
+      </a:lnRef>
+      <a:fillRef idx="1">
+        <a:scrgbClr r="0" g="0" b="0"/>
+      </a:fillRef>
+      <a:effectRef idx="0">
+        <a:scrgbClr r="0" g="0" b="0"/>
+      </a:effectRef>
+      <a:fontRef idx="minor"/>
+    </dgm:style>
+  </dgm:styleLbl>
+  <dgm:styleLbl name="fgAcc3">
+    <dgm:scene3d>
+      <a:camera prst="orthographicFront"/>
+      <a:lightRig rig="threePt" dir="t"/>
+    </dgm:scene3d>
+    <dgm:sp3d/>
+    <dgm:txPr/>
+    <dgm:style>
+      <a:lnRef idx="2">
+        <a:scrgbClr r="0" g="0" b="0"/>
+      </a:lnRef>
+      <a:fillRef idx="1">
+        <a:scrgbClr r="0" g="0" b="0"/>
+      </a:fillRef>
+      <a:effectRef idx="0">
+        <a:scrgbClr r="0" g="0" b="0"/>
+      </a:effectRef>
+      <a:fontRef idx="minor"/>
+    </dgm:style>
+  </dgm:styleLbl>
+  <dgm:styleLbl name="fgAcc4">
+    <dgm:scene3d>
+      <a:camera prst="orthographicFront"/>
+      <a:lightRig rig="threePt" dir="t"/>
+    </dgm:scene3d>
+    <dgm:sp3d/>
+    <dgm:txPr/>
+    <dgm:style>
+      <a:lnRef idx="2">
+        <a:scrgbClr r="0" g="0" b="0"/>
+      </a:lnRef>
+      <a:fillRef idx="1">
+        <a:scrgbClr r="0" g="0" b="0"/>
+      </a:fillRef>
+      <a:effectRef idx="0">
+        <a:scrgbClr r="0" g="0" b="0"/>
+      </a:effectRef>
+      <a:fontRef idx="minor"/>
+    </dgm:style>
+  </dgm:styleLbl>
+  <dgm:styleLbl name="bgShp">
+    <dgm:scene3d>
+      <a:camera prst="orthographicFront"/>
+      <a:lightRig rig="threePt" dir="t"/>
+    </dgm:scene3d>
+    <dgm:sp3d/>
+    <dgm:txPr/>
+    <dgm:style>
+      <a:lnRef idx="0">
+        <a:scrgbClr r="0" g="0" b="0"/>
+      </a:lnRef>
+      <a:fillRef idx="1">
+        <a:scrgbClr r="0" g="0" b="0"/>
+      </a:fillRef>
+      <a:effectRef idx="0">
+        <a:scrgbClr r="0" g="0" b="0"/>
+      </a:effectRef>
+      <a:fontRef idx="minor"/>
+    </dgm:style>
+  </dgm:styleLbl>
+  <dgm:styleLbl name="dkBgShp">
+    <dgm:scene3d>
+      <a:camera prst="orthographicFront"/>
+      <a:lightRig rig="threePt" dir="t"/>
+    </dgm:scene3d>
+    <dgm:sp3d/>
+    <dgm:txPr/>
+    <dgm:style>
+      <a:lnRef idx="0">
+        <a:scrgbClr r="0" g="0" b="0"/>
+      </a:lnRef>
+      <a:fillRef idx="1">
+        <a:scrgbClr r="0" g="0" b="0"/>
+      </a:fillRef>
+      <a:effectRef idx="0">
+        <a:scrgbClr r="0" g="0" b="0"/>
+      </a:effectRef>
+      <a:fontRef idx="minor"/>
+    </dgm:style>
+  </dgm:styleLbl>
+  <dgm:styleLbl name="trBgShp">
+    <dgm:scene3d>
+      <a:camera prst="orthographicFront"/>
+      <a:lightRig rig="threePt" dir="t"/>
+    </dgm:scene3d>
+    <dgm:sp3d/>
+    <dgm:txPr/>
+    <dgm:style>
+      <a:lnRef idx="0">
+        <a:scrgbClr r="0" g="0" b="0"/>
+      </a:lnRef>
+      <a:fillRef idx="1">
+        <a:scrgbClr r="0" g="0" b="0"/>
+      </a:fillRef>
+      <a:effectRef idx="0">
+        <a:scrgbClr r="0" g="0" b="0"/>
+      </a:effectRef>
+      <a:fontRef idx="minor"/>
+    </dgm:style>
+  </dgm:styleLbl>
+  <dgm:styleLbl name="fgShp">
+    <dgm:scene3d>
+      <a:camera prst="orthographicFront"/>
+      <a:lightRig rig="threePt" dir="t"/>
+    </dgm:scene3d>
+    <dgm:sp3d/>
+    <dgm:txPr/>
+    <dgm:style>
+      <a:lnRef idx="2">
+        <a:scrgbClr r="0" g="0" b="0"/>
+      </a:lnRef>
+      <a:fillRef idx="1">
+        <a:scrgbClr r="0" g="0" b="0"/>
+      </a:fillRef>
+      <a:effectRef idx="0">
+        <a:scrgbClr r="0" g="0" b="0"/>
+      </a:effectRef>
+      <a:fontRef idx="minor"/>
+    </dgm:style>
+  </dgm:styleLbl>
+  <dgm:styleLbl name="revTx">
+    <dgm:scene3d>
+      <a:camera prst="orthographicFront"/>
+      <a:lightRig rig="threePt" dir="t"/>
+    </dgm:scene3d>
+    <dgm:sp3d/>
+    <dgm:txPr/>
+    <dgm:style>
+      <a:lnRef idx="0">
+        <a:scrgbClr r="0" g="0" b="0"/>
+      </a:lnRef>
+      <a:fillRef idx="0">
+        <a:scrgbClr r="0" g="0" b="0"/>
+      </a:fillRef>
+      <a:effectRef idx="0">
+        <a:scrgbClr r="0" g="0" b="0"/>
+      </a:effectRef>
+      <a:fontRef idx="minor"/>
+    </dgm:style>
+  </dgm:styleLbl>
+</dgm:styleDef>
+</file>
+
+<file path=ppt/notesMasters/notesMaster1.xml><?xml version="1.0" encoding="utf-8"?>
+<p:notesMaster xmlns:a="http://schemas.openxmlformats.org/drawingml/2006/main" xmlns:r="http://schemas.openxmlformats.org/officeDocument/2006/relationships" xmlns:p="http://schemas.openxmlformats.org/presentationml/2006/main">
+  <p:cSld>
+    <p:bg>
+      <p:bgRef idx="1001">
+        <a:schemeClr val="bg1"/>
+      </p:bgRef>
+    </p:bg>
+    <p:spTree>
+      <p:nvGrpSpPr>
+        <p:cNvPr id="1" name=""/>
+        <p:cNvGrpSpPr/>
+        <p:nvPr/>
+      </p:nvGrpSpPr>
+      <p:grpSpPr>
+        <a:xfrm>
+          <a:off x="0" y="0"/>
+          <a:ext cx="0" cy="0"/>
+          <a:chOff x="0" y="0"/>
+          <a:chExt cx="0" cy="0"/>
+        </a:xfrm>
+      </p:grpSpPr>
+      <p:sp>
+        <p:nvSpPr>
+          <p:cNvPr id="2" name="Header Placeholder 1"/>
+          <p:cNvSpPr>
+            <a:spLocks noGrp="1"/>
+          </p:cNvSpPr>
+          <p:nvPr>
+            <p:ph type="hdr" sz="quarter"/>
+          </p:nvPr>
+        </p:nvSpPr>
+        <p:spPr>
+          <a:xfrm>
+            <a:off x="0" y="0"/>
+            <a:ext cx="2971800" cy="458788"/>
+          </a:xfrm>
+          <a:prstGeom prst="rect">
+            <a:avLst/>
+          </a:prstGeom>
+        </p:spPr>
+        <p:txBody>
+          <a:bodyPr vert="horz" lIns="91440" tIns="45720" rIns="91440" bIns="45720" rtlCol="0"/>
+          <a:lstStyle>
+            <a:lvl1pPr algn="l">
+              <a:defRPr sz="1200"/>
+            </a:lvl1pPr>
+          </a:lstStyle>
+          <a:p>
+            <a:endParaRPr lang="en-US"/>
+          </a:p>
+        </p:txBody>
+      </p:sp>
+      <p:sp>
+        <p:nvSpPr>
+          <p:cNvPr id="3" name="Date Placeholder 2"/>
+          <p:cNvSpPr>
+            <a:spLocks noGrp="1"/>
+          </p:cNvSpPr>
+          <p:nvPr>
+            <p:ph type="dt" idx="1"/>
+          </p:nvPr>
+        </p:nvSpPr>
+        <p:spPr>
+          <a:xfrm>
+            <a:off x="3884613" y="0"/>
+            <a:ext cx="2971800" cy="458788"/>
+          </a:xfrm>
+          <a:prstGeom prst="rect">
+            <a:avLst/>
+          </a:prstGeom>
+        </p:spPr>
+        <p:txBody>
+          <a:bodyPr vert="horz" lIns="91440" tIns="45720" rIns="91440" bIns="45720" rtlCol="0"/>
+          <a:lstStyle>
+            <a:lvl1pPr algn="r">
+              <a:defRPr sz="1200"/>
+            </a:lvl1pPr>
+          </a:lstStyle>
+          <a:p>
+            <a:fld id="{10458157-4C72-7C4E-B949-6ABF72BD4E4C}" type="datetimeFigureOut">
+              <a:rPr lang="en-US" smtClean="0"/>
+              <a:t>4/30/25</a:t>
+            </a:fld>
+            <a:endParaRPr lang="en-US"/>
+          </a:p>
+        </p:txBody>
+      </p:sp>
+      <p:sp>
+        <p:nvSpPr>
+          <p:cNvPr id="4" name="Slide Image Placeholder 3"/>
+          <p:cNvSpPr>
+            <a:spLocks noGrp="1" noRot="1" noChangeAspect="1"/>
+          </p:cNvSpPr>
+          <p:nvPr>
+            <p:ph type="sldImg" idx="2"/>
+          </p:nvPr>
+        </p:nvSpPr>
+        <p:spPr>
+          <a:xfrm>
+            <a:off x="685800" y="1143000"/>
+            <a:ext cx="5486400" cy="3086100"/>
+          </a:xfrm>
+          <a:prstGeom prst="rect">
+            <a:avLst/>
+          </a:prstGeom>
+          <a:noFill/>
+          <a:ln w="12700">
+            <a:solidFill>
+              <a:prstClr val="black"/>
+            </a:solidFill>
+          </a:ln>
+        </p:spPr>
+        <p:txBody>
+          <a:bodyPr vert="horz" lIns="91440" tIns="45720" rIns="91440" bIns="45720" rtlCol="0" anchor="ctr"/>
+          <a:lstStyle/>
+          <a:p>
+            <a:endParaRPr lang="en-US"/>
+          </a:p>
+        </p:txBody>
+      </p:sp>
+      <p:sp>
+        <p:nvSpPr>
+          <p:cNvPr id="5" name="Notes Placeholder 4"/>
+          <p:cNvSpPr>
+            <a:spLocks noGrp="1"/>
+          </p:cNvSpPr>
+          <p:nvPr>
+            <p:ph type="body" sz="quarter" idx="3"/>
+          </p:nvPr>
+        </p:nvSpPr>
+        <p:spPr>
+          <a:xfrm>
+            <a:off x="685800" y="4400550"/>
+            <a:ext cx="5486400" cy="3600450"/>
+          </a:xfrm>
+          <a:prstGeom prst="rect">
+            <a:avLst/>
+          </a:prstGeom>
+        </p:spPr>
+        <p:txBody>
+          <a:bodyPr vert="horz" lIns="91440" tIns="45720" rIns="91440" bIns="45720" rtlCol="0"/>
+          <a:lstStyle/>
+          <a:p>
+            <a:pPr lvl="0"/>
+            <a:r>
+              <a:rPr lang="en-US"/>
+              <a:t>Click to edit Master text styles</a:t>
+            </a:r>
+          </a:p>
+          <a:p>
+            <a:pPr lvl="1"/>
+            <a:r>
+              <a:rPr lang="en-US"/>
+              <a:t>Second level</a:t>
+            </a:r>
+          </a:p>
+          <a:p>
+            <a:pPr lvl="2"/>
+            <a:r>
+              <a:rPr lang="en-US"/>
+              <a:t>Third level</a:t>
+            </a:r>
+          </a:p>
+          <a:p>
+            <a:pPr lvl="3"/>
+            <a:r>
+              <a:rPr lang="en-US"/>
+              <a:t>Fourth level</a:t>
+            </a:r>
+          </a:p>
+          <a:p>
+            <a:pPr lvl="4"/>
+            <a:r>
+              <a:rPr lang="en-US"/>
+              <a:t>Fifth level</a:t>
+            </a:r>
+          </a:p>
+        </p:txBody>
+      </p:sp>
+      <p:sp>
+        <p:nvSpPr>
+          <p:cNvPr id="6" name="Footer Placeholder 5"/>
+          <p:cNvSpPr>
+            <a:spLocks noGrp="1"/>
+          </p:cNvSpPr>
+          <p:nvPr>
+            <p:ph type="ftr" sz="quarter" idx="4"/>
+          </p:nvPr>
+        </p:nvSpPr>
+        <p:spPr>
+          <a:xfrm>
+            <a:off x="0" y="8685213"/>
+            <a:ext cx="2971800" cy="458787"/>
+          </a:xfrm>
+          <a:prstGeom prst="rect">
+            <a:avLst/>
+          </a:prstGeom>
+        </p:spPr>
+        <p:txBody>
+          <a:bodyPr vert="horz" lIns="91440" tIns="45720" rIns="91440" bIns="45720" rtlCol="0" anchor="b"/>
+          <a:lstStyle>
+            <a:lvl1pPr algn="l">
+              <a:defRPr sz="1200"/>
+            </a:lvl1pPr>
+          </a:lstStyle>
+          <a:p>
+            <a:endParaRPr lang="en-US"/>
+          </a:p>
+        </p:txBody>
+      </p:sp>
+      <p:sp>
+        <p:nvSpPr>
+          <p:cNvPr id="7" name="Slide Number Placeholder 6"/>
+          <p:cNvSpPr>
+            <a:spLocks noGrp="1"/>
+          </p:cNvSpPr>
+          <p:nvPr>
+            <p:ph type="sldNum" sz="quarter" idx="5"/>
+          </p:nvPr>
+        </p:nvSpPr>
+        <p:spPr>
+          <a:xfrm>
+            <a:off x="3884613" y="8685213"/>
+            <a:ext cx="2971800" cy="458787"/>
+          </a:xfrm>
+          <a:prstGeom prst="rect">
+            <a:avLst/>
+          </a:prstGeom>
+        </p:spPr>
+        <p:txBody>
+          <a:bodyPr vert="horz" lIns="91440" tIns="45720" rIns="91440" bIns="45720" rtlCol="0" anchor="b"/>
+          <a:lstStyle>
+            <a:lvl1pPr algn="r">
+              <a:defRPr sz="1200"/>
+            </a:lvl1pPr>
+          </a:lstStyle>
+          <a:p>
+            <a:fld id="{DF5E6E43-0CA3-F843-899C-CC17405DD15E}" type="slidenum">
+              <a:rPr lang="en-US" smtClean="0"/>
+              <a:t>‹#›</a:t>
+            </a:fld>
+            <a:endParaRPr lang="en-US"/>
+          </a:p>
+        </p:txBody>
+      </p:sp>
+    </p:spTree>
+    <p:extLst>
+      <p:ext uri="{BB962C8B-B14F-4D97-AF65-F5344CB8AC3E}">
+        <p14:creationId xmlns:p14="http://schemas.microsoft.com/office/powerpoint/2010/main" val="2117321681"/>
+      </p:ext>
+    </p:extLst>
+  </p:cSld>
+  <p:clrMap bg1="lt1" tx1="dk1" bg2="lt2" tx2="dk2" accent1="accent1" accent2="accent2" accent3="accent3" accent4="accent4" accent5="accent5" accent6="accent6" hlink="hlink" folHlink="folHlink"/>
+  <p:notesStyle>
+    <a:lvl1pPr marL="0" algn="l" defTabSz="914400" rtl="0" eaLnBrk="1" latinLnBrk="0" hangingPunct="1">
+      <a:defRPr sz="1200" kern="1200">
+        <a:solidFill>
+          <a:schemeClr val="tx1"/>
+        </a:solidFill>
+        <a:latin typeface="+mn-lt"/>
+        <a:ea typeface="+mn-ea"/>
+        <a:cs typeface="+mn-cs"/>
+      </a:defRPr>
+    </a:lvl1pPr>
+    <a:lvl2pPr marL="457200" algn="l" defTabSz="914400" rtl="0" eaLnBrk="1" latinLnBrk="0" hangingPunct="1">
+      <a:defRPr sz="1200" kern="1200">
+        <a:solidFill>
+          <a:schemeClr val="tx1"/>
+        </a:solidFill>
+        <a:latin typeface="+mn-lt"/>
+        <a:ea typeface="+mn-ea"/>
+        <a:cs typeface="+mn-cs"/>
+      </a:defRPr>
+    </a:lvl2pPr>
+    <a:lvl3pPr marL="914400" algn="l" defTabSz="914400" rtl="0" eaLnBrk="1" latinLnBrk="0" hangingPunct="1">
+      <a:defRPr sz="1200" kern="1200">
+        <a:solidFill>
+          <a:schemeClr val="tx1"/>
+        </a:solidFill>
+        <a:latin typeface="+mn-lt"/>
+        <a:ea typeface="+mn-ea"/>
+        <a:cs typeface="+mn-cs"/>
+      </a:defRPr>
+    </a:lvl3pPr>
+    <a:lvl4pPr marL="1371600" algn="l" defTabSz="914400" rtl="0" eaLnBrk="1" latinLnBrk="0" hangingPunct="1">
+      <a:defRPr sz="1200" kern="1200">
+        <a:solidFill>
+          <a:schemeClr val="tx1"/>
+        </a:solidFill>
+        <a:latin typeface="+mn-lt"/>
+        <a:ea typeface="+mn-ea"/>
+        <a:cs typeface="+mn-cs"/>
+      </a:defRPr>
+    </a:lvl4pPr>
+    <a:lvl5pPr marL="1828800" algn="l" defTabSz="914400" rtl="0" eaLnBrk="1" latinLnBrk="0" hangingPunct="1">
+      <a:defRPr sz="1200" kern="1200">
+        <a:solidFill>
+          <a:schemeClr val="tx1"/>
+        </a:solidFill>
+        <a:latin typeface="+mn-lt"/>
+        <a:ea typeface="+mn-ea"/>
+        <a:cs typeface="+mn-cs"/>
+      </a:defRPr>
+    </a:lvl5pPr>
+    <a:lvl6pPr marL="2286000" algn="l" defTabSz="914400" rtl="0" eaLnBrk="1" latinLnBrk="0" hangingPunct="1">
+      <a:defRPr sz="1200" kern="1200">
+        <a:solidFill>
+          <a:schemeClr val="tx1"/>
+        </a:solidFill>
+        <a:latin typeface="+mn-lt"/>
+        <a:ea typeface="+mn-ea"/>
+        <a:cs typeface="+mn-cs"/>
+      </a:defRPr>
+    </a:lvl6pPr>
+    <a:lvl7pPr marL="2743200" algn="l" defTabSz="914400" rtl="0" eaLnBrk="1" latinLnBrk="0" hangingPunct="1">
+      <a:defRPr sz="1200" kern="1200">
+        <a:solidFill>
+          <a:schemeClr val="tx1"/>
+        </a:solidFill>
+        <a:latin typeface="+mn-lt"/>
+        <a:ea typeface="+mn-ea"/>
+        <a:cs typeface="+mn-cs"/>
+      </a:defRPr>
+    </a:lvl7pPr>
+    <a:lvl8pPr marL="3200400" algn="l" defTabSz="914400" rtl="0" eaLnBrk="1" latinLnBrk="0" hangingPunct="1">
+      <a:defRPr sz="1200" kern="1200">
+        <a:solidFill>
+          <a:schemeClr val="tx1"/>
+        </a:solidFill>
+        <a:latin typeface="+mn-lt"/>
+        <a:ea typeface="+mn-ea"/>
+        <a:cs typeface="+mn-cs"/>
+      </a:defRPr>
+    </a:lvl8pPr>
+    <a:lvl9pPr marL="3657600" algn="l" defTabSz="914400" rtl="0" eaLnBrk="1" latinLnBrk="0" hangingPunct="1">
+      <a:defRPr sz="1200" kern="1200">
+        <a:solidFill>
+          <a:schemeClr val="tx1"/>
+        </a:solidFill>
+        <a:latin typeface="+mn-lt"/>
+        <a:ea typeface="+mn-ea"/>
+        <a:cs typeface="+mn-cs"/>
+      </a:defRPr>
+    </a:lvl9pPr>
+  </p:notesStyle>
+</p:notesMaster>
+</file>
+
+<file path=ppt/notesSlides/notesSlide1.xml><?xml version="1.0" encoding="utf-8"?>
+<p:notes xmlns:a="http://schemas.openxmlformats.org/drawingml/2006/main" xmlns:r="http://schemas.openxmlformats.org/officeDocument/2006/relationships" xmlns:p="http://schemas.openxmlformats.org/presentationml/2006/main">
+  <p:cSld>
+    <p:spTree>
+      <p:nvGrpSpPr>
+        <p:cNvPr id="1" name=""/>
+        <p:cNvGrpSpPr/>
+        <p:nvPr/>
+      </p:nvGrpSpPr>
+      <p:grpSpPr>
+        <a:xfrm>
+          <a:off x="0" y="0"/>
+          <a:ext cx="0" cy="0"/>
+          <a:chOff x="0" y="0"/>
+          <a:chExt cx="0" cy="0"/>
+        </a:xfrm>
+      </p:grpSpPr>
+      <p:sp>
+        <p:nvSpPr>
+          <p:cNvPr id="2" name="Slide Image Placeholder 1"/>
+          <p:cNvSpPr>
+            <a:spLocks noGrp="1" noRot="1" noChangeAspect="1"/>
+          </p:cNvSpPr>
+          <p:nvPr>
+            <p:ph type="sldImg"/>
+          </p:nvPr>
+        </p:nvSpPr>
+        <p:spPr/>
+      </p:sp>
+      <p:sp>
+        <p:nvSpPr>
+          <p:cNvPr id="3" name="Notes Placeholder 2"/>
+          <p:cNvSpPr>
+            <a:spLocks noGrp="1"/>
+          </p:cNvSpPr>
+          <p:nvPr>
+            <p:ph type="body" idx="1"/>
+          </p:nvPr>
+        </p:nvSpPr>
+        <p:spPr/>
+        <p:txBody>
+          <a:bodyPr/>
+          <a:lstStyle/>
+          <a:p>
+            <a:r>
+              <a:rPr lang="en-US" dirty="0"/>
+              <a:t>Slide for </a:t>
+            </a:r>
+            <a:r>
+              <a:rPr lang="en-US" dirty="0" err="1"/>
+              <a:t>wald</a:t>
+            </a:r>
+            <a:r>
+              <a:rPr lang="en-US" dirty="0"/>
+              <a:t> test</a:t>
+            </a:r>
+          </a:p>
+        </p:txBody>
+      </p:sp>
+      <p:sp>
+        <p:nvSpPr>
+          <p:cNvPr id="4" name="Slide Number Placeholder 3"/>
+          <p:cNvSpPr>
+            <a:spLocks noGrp="1"/>
+          </p:cNvSpPr>
+          <p:nvPr>
+            <p:ph type="sldNum" sz="quarter" idx="5"/>
+          </p:nvPr>
+        </p:nvSpPr>
+        <p:spPr/>
+        <p:txBody>
+          <a:bodyPr/>
+          <a:lstStyle/>
+          <a:p>
+            <a:fld id="{DF5E6E43-0CA3-F843-899C-CC17405DD15E}" type="slidenum">
+              <a:rPr lang="en-US" smtClean="0"/>
+              <a:t>1</a:t>
+            </a:fld>
+            <a:endParaRPr lang="en-US"/>
+          </a:p>
+        </p:txBody>
+      </p:sp>
+    </p:spTree>
+    <p:extLst>
+      <p:ext uri="{BB962C8B-B14F-4D97-AF65-F5344CB8AC3E}">
+        <p14:creationId xmlns:p14="http://schemas.microsoft.com/office/powerpoint/2010/main" val="311955527"/>
+      </p:ext>
+    </p:extLst>
+  </p:cSld>
+  <p:clrMapOvr>
+    <a:masterClrMapping/>
+  </p:clrMapOvr>
+</p:notes>
+</file>
+
+<file path=ppt/notesSlides/notesSlide2.xml><?xml version="1.0" encoding="utf-8"?>
+<p:notes xmlns:a="http://schemas.openxmlformats.org/drawingml/2006/main" xmlns:r="http://schemas.openxmlformats.org/officeDocument/2006/relationships" xmlns:p="http://schemas.openxmlformats.org/presentationml/2006/main">
+  <p:cSld>
+    <p:spTree>
+      <p:nvGrpSpPr>
+        <p:cNvPr id="1" name=""/>
+        <p:cNvGrpSpPr/>
+        <p:nvPr/>
+      </p:nvGrpSpPr>
+      <p:grpSpPr>
+        <a:xfrm>
+          <a:off x="0" y="0"/>
+          <a:ext cx="0" cy="0"/>
+          <a:chOff x="0" y="0"/>
+          <a:chExt cx="0" cy="0"/>
+        </a:xfrm>
+      </p:grpSpPr>
+      <p:sp>
+        <p:nvSpPr>
+          <p:cNvPr id="2" name="Slide Image Placeholder 1"/>
+          <p:cNvSpPr>
+            <a:spLocks noGrp="1" noRot="1" noChangeAspect="1"/>
+          </p:cNvSpPr>
+          <p:nvPr>
+            <p:ph type="sldImg"/>
+          </p:nvPr>
+        </p:nvSpPr>
+        <p:spPr/>
+      </p:sp>
+      <p:sp>
+        <p:nvSpPr>
+          <p:cNvPr id="3" name="Notes Placeholder 2"/>
+          <p:cNvSpPr>
+            <a:spLocks noGrp="1"/>
+          </p:cNvSpPr>
+          <p:nvPr>
+            <p:ph type="body" idx="1"/>
+          </p:nvPr>
+        </p:nvSpPr>
+        <p:spPr/>
+        <p:txBody>
+          <a:bodyPr/>
+          <a:lstStyle/>
+          <a:p>
+            <a:endParaRPr lang="en-US" dirty="0"/>
+          </a:p>
+        </p:txBody>
+      </p:sp>
+      <p:sp>
+        <p:nvSpPr>
+          <p:cNvPr id="4" name="Slide Number Placeholder 3"/>
+          <p:cNvSpPr>
+            <a:spLocks noGrp="1"/>
+          </p:cNvSpPr>
+          <p:nvPr>
+            <p:ph type="sldNum" sz="quarter" idx="5"/>
+          </p:nvPr>
+        </p:nvSpPr>
+        <p:spPr/>
+        <p:txBody>
+          <a:bodyPr/>
+          <a:lstStyle/>
+          <a:p>
+            <a:fld id="{DF5E6E43-0CA3-F843-899C-CC17405DD15E}" type="slidenum">
+              <a:rPr lang="en-US" smtClean="0"/>
+              <a:t>7</a:t>
+            </a:fld>
+            <a:endParaRPr lang="en-US"/>
+          </a:p>
+        </p:txBody>
+      </p:sp>
+    </p:spTree>
+    <p:extLst>
+      <p:ext uri="{BB962C8B-B14F-4D97-AF65-F5344CB8AC3E}">
+        <p14:creationId xmlns:p14="http://schemas.microsoft.com/office/powerpoint/2010/main" val="125664814"/>
+      </p:ext>
+    </p:extLst>
+  </p:cSld>
+  <p:clrMapOvr>
+    <a:masterClrMapping/>
+  </p:clrMapOvr>
+</p:notes>
 </file>
 
 <file path=ppt/slideLayouts/slideLayout1.xml><?xml version="1.0" encoding="utf-8"?>
@@ -3394,37 +6733,82 @@
           <a:chExt cx="0" cy="0"/>
         </a:xfrm>
       </p:grpSpPr>
-      <p:pic>
-        <p:nvPicPr>
-          <p:cNvPr id="4" name="Picture 3" descr="Network Technology Background">
+      <p:sp useBgFill="1">
+        <p:nvSpPr>
+          <p:cNvPr id="9" name="Rectangle 8">
             <a:extLst>
               <a:ext uri="{FF2B5EF4-FFF2-40B4-BE49-F238E27FC236}">
-                <a16:creationId xmlns:a16="http://schemas.microsoft.com/office/drawing/2014/main" id="{94AEC486-DABF-010B-FF68-A3AAC64359E8}"/>
+                <a16:creationId xmlns:a16="http://schemas.microsoft.com/office/drawing/2014/main" id="{1A32057F-F015-B1B2-4E3E-2307F8EFC97B}"/>
+              </a:ext>
+              <a:ext uri="{C183D7F6-B498-43B3-948B-1728B52AA6E4}">
+                <adec:decorative xmlns:adec="http://schemas.microsoft.com/office/drawing/2017/decorative" val="1"/>
               </a:ext>
             </a:extLst>
           </p:cNvPr>
-          <p:cNvPicPr>
-            <a:picLocks noChangeAspect="1"/>
-          </p:cNvPicPr>
-          <p:nvPr/>
-        </p:nvPicPr>
-        <p:blipFill>
-          <a:blip r:embed="rId3">
-            <a:alphaModFix amt="60000"/>
-          </a:blip>
-          <a:srcRect b="3433"/>
-          <a:stretch/>
-        </p:blipFill>
+          <p:cNvSpPr>
+            <a:spLocks noGrp="1" noRot="1" noChangeAspect="1" noMove="1" noResize="1" noEditPoints="1" noAdjustHandles="1" noChangeArrowheads="1" noChangeShapeType="1" noTextEdit="1"/>
+          </p:cNvSpPr>
+          <p:nvPr>
+            <p:extLst>
+              <p:ext uri="{386F3935-93C4-4BCD-93E2-E3B085C9AB24}">
+                <p16:designElem xmlns:p16="http://schemas.microsoft.com/office/powerpoint/2015/main" val="1"/>
+              </p:ext>
+            </p:extLst>
+          </p:nvPr>
+        </p:nvSpPr>
         <p:spPr>
           <a:xfrm>
-            <a:off x="1" y="1"/>
-            <a:ext cx="12192000" cy="6857999"/>
+            <a:off x="0" y="0"/>
+            <a:ext cx="12192000" cy="6858000"/>
           </a:xfrm>
           <a:prstGeom prst="rect">
             <a:avLst/>
           </a:prstGeom>
+          <a:ln w="12700" cap="flat" cmpd="sng" algn="ctr">
+            <a:noFill/>
+            <a:prstDash val="solid"/>
+            <a:miter lim="800000"/>
+          </a:ln>
+          <a:effectLst/>
+          <a:extLst>
+            <a:ext uri="{91240B29-F687-4F45-9708-019B960494DF}">
+              <a14:hiddenLine xmlns:a14="http://schemas.microsoft.com/office/drawing/2010/main" w="12700" cap="flat" cmpd="sng" algn="ctr">
+                <a:solidFill>
+                  <a:schemeClr val="accent1">
+                    <a:shade val="15000"/>
+                  </a:schemeClr>
+                </a:solidFill>
+                <a:prstDash val="solid"/>
+                <a:miter lim="800000"/>
+              </a14:hiddenLine>
+            </a:ext>
+          </a:extLst>
         </p:spPr>
-      </p:pic>
+        <p:style>
+          <a:lnRef idx="2">
+            <a:schemeClr val="accent1">
+              <a:shade val="15000"/>
+            </a:schemeClr>
+          </a:lnRef>
+          <a:fillRef idx="1">
+            <a:schemeClr val="accent1"/>
+          </a:fillRef>
+          <a:effectRef idx="0">
+            <a:schemeClr val="accent1"/>
+          </a:effectRef>
+          <a:fontRef idx="minor">
+            <a:schemeClr val="lt1"/>
+          </a:fontRef>
+        </p:style>
+        <p:txBody>
+          <a:bodyPr rtlCol="0" anchor="ctr"/>
+          <a:lstStyle/>
+          <a:p>
+            <a:pPr algn="ctr"/>
+            <a:endParaRPr lang="en-US"/>
+          </a:p>
+        </p:txBody>
+      </p:sp>
       <p:sp>
         <p:nvSpPr>
           <p:cNvPr id="2" name="Title 1">
@@ -3443,8 +6827,8 @@
         </p:nvSpPr>
         <p:spPr>
           <a:xfrm>
-            <a:off x="2301923" y="1482602"/>
-            <a:ext cx="7588155" cy="2236264"/>
+            <a:off x="7168896" y="1129554"/>
+            <a:ext cx="4361688" cy="3475236"/>
           </a:xfrm>
         </p:spPr>
         <p:txBody>
@@ -3453,12 +6837,9 @@
           </a:bodyPr>
           <a:lstStyle/>
           <a:p>
-            <a:r>
-              <a:rPr lang="en-US" sz="5400">
-                <a:solidFill>
-                  <a:srgbClr val="FFFFFF"/>
-                </a:solidFill>
-              </a:rPr>
+            <a:pPr algn="l"/>
+            <a:r>
+              <a:rPr lang="en-US" sz="5400"/>
               <a:t>Telco Customer Retention</a:t>
             </a:r>
           </a:p>
@@ -3482,8 +6863,8 @@
         </p:nvSpPr>
         <p:spPr>
           <a:xfrm>
-            <a:off x="2301923" y="3793937"/>
-            <a:ext cx="7588155" cy="1414091"/>
+            <a:off x="7168896" y="4731337"/>
+            <a:ext cx="4206240" cy="1184584"/>
           </a:xfrm>
         </p:spPr>
         <p:txBody>
@@ -3492,37 +6873,82 @@
           </a:bodyPr>
           <a:lstStyle/>
           <a:p>
-            <a:r>
-              <a:rPr lang="en-US" sz="2000">
-                <a:solidFill>
-                  <a:srgbClr val="FFFFFF"/>
-                </a:solidFill>
-              </a:rPr>
+            <a:pPr algn="l">
+              <a:lnSpc>
+                <a:spcPct val="110000"/>
+              </a:lnSpc>
+            </a:pPr>
+            <a:r>
+              <a:rPr lang="en-US" sz="1500" dirty="0"/>
               <a:t>DA-6213 Data Driven Decision Making</a:t>
             </a:r>
           </a:p>
           <a:p>
-            <a:r>
-              <a:rPr lang="en-US" sz="2000">
-                <a:solidFill>
-                  <a:srgbClr val="FFFFFF"/>
-                </a:solidFill>
-              </a:rPr>
+            <a:pPr algn="l">
+              <a:lnSpc>
+                <a:spcPct val="110000"/>
+              </a:lnSpc>
+            </a:pPr>
+            <a:r>
+              <a:rPr lang="en-US" sz="1500" dirty="0"/>
               <a:t>	Spring 2025</a:t>
             </a:r>
           </a:p>
           <a:p>
-            <a:r>
-              <a:rPr lang="en-US" sz="2000">
-                <a:solidFill>
-                  <a:srgbClr val="FFFFFF"/>
-                </a:solidFill>
-              </a:rPr>
-              <a:t>William Hyltin, Holly Milazzo, Tim Harrions</a:t>
-            </a:r>
+            <a:pPr algn="l">
+              <a:lnSpc>
+                <a:spcPct val="110000"/>
+              </a:lnSpc>
+            </a:pPr>
+            <a:r>
+              <a:rPr lang="en-US" sz="1500" dirty="0"/>
+              <a:t>William </a:t>
+            </a:r>
+            <a:r>
+              <a:rPr lang="en-US" sz="1500" dirty="0" err="1"/>
+              <a:t>Hyltin</a:t>
+            </a:r>
+            <a:r>
+              <a:rPr lang="en-US" sz="1500" dirty="0"/>
+              <a:t>, Holly Milazzo, </a:t>
+            </a:r>
+            <a:r>
+              <a:rPr lang="en-US" sz="1500"/>
+              <a:t>Tim Harrison</a:t>
+            </a:r>
+            <a:endParaRPr lang="en-US" sz="1500" dirty="0"/>
           </a:p>
         </p:txBody>
       </p:sp>
+      <p:pic>
+        <p:nvPicPr>
+          <p:cNvPr id="4" name="Picture 3" descr="Network Technology Background">
+            <a:extLst>
+              <a:ext uri="{FF2B5EF4-FFF2-40B4-BE49-F238E27FC236}">
+                <a16:creationId xmlns:a16="http://schemas.microsoft.com/office/drawing/2014/main" id="{94AEC486-DABF-010B-FF68-A3AAC64359E8}"/>
+              </a:ext>
+            </a:extLst>
+          </p:cNvPr>
+          <p:cNvPicPr>
+            <a:picLocks noChangeAspect="1"/>
+          </p:cNvPicPr>
+          <p:nvPr/>
+        </p:nvPicPr>
+        <p:blipFill>
+          <a:blip r:embed="rId4"/>
+          <a:srcRect l="38449" r="5699" b="-2"/>
+          <a:stretch/>
+        </p:blipFill>
+        <p:spPr>
+          <a:xfrm>
+            <a:off x="20" y="1"/>
+            <a:ext cx="6575591" cy="6858000"/>
+          </a:xfrm>
+          <a:prstGeom prst="rect">
+            <a:avLst/>
+          </a:prstGeom>
+        </p:spPr>
+      </p:pic>
     </p:spTree>
     <p:extLst>
       <p:ext uri="{BB962C8B-B14F-4D97-AF65-F5344CB8AC3E}">
@@ -3531,7 +6957,7 @@
     </p:extLst>
   </p:cSld>
   <p:clrMapOvr>
-    <a:overrideClrMapping bg1="dk1" tx1="lt1" bg2="dk2" tx2="lt2" accent1="accent1" accent2="accent2" accent3="accent3" accent4="accent4" accent5="accent5" accent6="accent6" hlink="hlink" folHlink="folHlink"/>
+    <a:masterClrMapping/>
   </p:clrMapOvr>
 </p:sld>
 </file>
@@ -3561,6 +6987,82 @@
           <a:chExt cx="0" cy="0"/>
         </a:xfrm>
       </p:grpSpPr>
+      <p:sp useBgFill="1">
+        <p:nvSpPr>
+          <p:cNvPr id="9" name="Rectangle 8">
+            <a:extLst>
+              <a:ext uri="{FF2B5EF4-FFF2-40B4-BE49-F238E27FC236}">
+                <a16:creationId xmlns:a16="http://schemas.microsoft.com/office/drawing/2014/main" id="{5E8D3B17-7638-DFD3-18E4-8A6D611749CF}"/>
+              </a:ext>
+              <a:ext uri="{C183D7F6-B498-43B3-948B-1728B52AA6E4}">
+                <adec:decorative xmlns:adec="http://schemas.microsoft.com/office/drawing/2017/decorative" val="1"/>
+              </a:ext>
+            </a:extLst>
+          </p:cNvPr>
+          <p:cNvSpPr>
+            <a:spLocks noGrp="1" noRot="1" noChangeAspect="1" noMove="1" noResize="1" noEditPoints="1" noAdjustHandles="1" noChangeArrowheads="1" noChangeShapeType="1" noTextEdit="1"/>
+          </p:cNvSpPr>
+          <p:nvPr>
+            <p:extLst>
+              <p:ext uri="{386F3935-93C4-4BCD-93E2-E3B085C9AB24}">
+                <p16:designElem xmlns:p16="http://schemas.microsoft.com/office/powerpoint/2015/main" val="1"/>
+              </p:ext>
+            </p:extLst>
+          </p:nvPr>
+        </p:nvSpPr>
+        <p:spPr>
+          <a:xfrm>
+            <a:off x="0" y="0"/>
+            <a:ext cx="12192000" cy="6858000"/>
+          </a:xfrm>
+          <a:prstGeom prst="rect">
+            <a:avLst/>
+          </a:prstGeom>
+          <a:ln w="12700" cap="flat" cmpd="sng" algn="ctr">
+            <a:noFill/>
+            <a:prstDash val="solid"/>
+            <a:miter lim="800000"/>
+          </a:ln>
+          <a:effectLst/>
+          <a:extLst>
+            <a:ext uri="{91240B29-F687-4F45-9708-019B960494DF}">
+              <a14:hiddenLine xmlns:a14="http://schemas.microsoft.com/office/drawing/2010/main" w="12700" cap="flat" cmpd="sng" algn="ctr">
+                <a:solidFill>
+                  <a:schemeClr val="accent1">
+                    <a:shade val="15000"/>
+                  </a:schemeClr>
+                </a:solidFill>
+                <a:prstDash val="solid"/>
+                <a:miter lim="800000"/>
+              </a14:hiddenLine>
+            </a:ext>
+          </a:extLst>
+        </p:spPr>
+        <p:style>
+          <a:lnRef idx="2">
+            <a:schemeClr val="accent1">
+              <a:shade val="15000"/>
+            </a:schemeClr>
+          </a:lnRef>
+          <a:fillRef idx="1">
+            <a:schemeClr val="accent1"/>
+          </a:fillRef>
+          <a:effectRef idx="0">
+            <a:schemeClr val="accent1"/>
+          </a:effectRef>
+          <a:fontRef idx="minor">
+            <a:schemeClr val="lt1"/>
+          </a:fontRef>
+        </p:style>
+        <p:txBody>
+          <a:bodyPr rtlCol="0" anchor="ctr"/>
+          <a:lstStyle/>
+          <a:p>
+            <a:pPr algn="ctr"/>
+            <a:endParaRPr lang="en-US"/>
+          </a:p>
+        </p:txBody>
+      </p:sp>
       <p:sp>
         <p:nvSpPr>
           <p:cNvPr id="2" name="Title 1"/>
@@ -3573,23 +7075,52 @@
         </p:nvSpPr>
         <p:spPr>
           <a:xfrm>
-            <a:off x="161711" y="135281"/>
-            <a:ext cx="10653578" cy="1132258"/>
+            <a:off x="5568532" y="-214884"/>
+            <a:ext cx="5916169" cy="1527048"/>
           </a:xfrm>
         </p:spPr>
         <p:txBody>
-          <a:bodyPr>
+          <a:bodyPr anchor="b">
             <a:normAutofit/>
           </a:bodyPr>
           <a:lstStyle/>
           <a:p>
             <a:r>
-              <a:rPr sz="2800" dirty="0"/>
+              <a:rPr lang="en-US" sz="3300" dirty="0"/>
               <a:t>Business Recommendation: Test Retention Strategies</a:t>
             </a:r>
           </a:p>
         </p:txBody>
       </p:sp>
+      <p:pic>
+        <p:nvPicPr>
+          <p:cNvPr id="5" name="Picture 4" descr="Person holding a puzzle piece">
+            <a:extLst>
+              <a:ext uri="{FF2B5EF4-FFF2-40B4-BE49-F238E27FC236}">
+                <a16:creationId xmlns:a16="http://schemas.microsoft.com/office/drawing/2014/main" id="{3E406A3F-931B-362C-3489-5E640E975A48}"/>
+              </a:ext>
+            </a:extLst>
+          </p:cNvPr>
+          <p:cNvPicPr>
+            <a:picLocks noChangeAspect="1"/>
+          </p:cNvPicPr>
+          <p:nvPr/>
+        </p:nvPicPr>
+        <p:blipFill>
+          <a:blip r:embed="rId3"/>
+          <a:srcRect l="25908" r="25583" b="-1"/>
+          <a:stretch/>
+        </p:blipFill>
+        <p:spPr>
+          <a:xfrm>
+            <a:off x="20" y="10"/>
+            <a:ext cx="4910308" cy="6857990"/>
+          </a:xfrm>
+          <a:prstGeom prst="rect">
+            <a:avLst/>
+          </a:prstGeom>
+        </p:spPr>
+      </p:pic>
       <p:sp>
         <p:nvSpPr>
           <p:cNvPr id="3" name="Content Placeholder 2"/>
@@ -3602,194 +7133,242 @@
         </p:nvSpPr>
         <p:spPr>
           <a:xfrm>
-            <a:off x="286970" y="838710"/>
-            <a:ext cx="10653579" cy="4593828"/>
+            <a:off x="5582514" y="1381461"/>
+            <a:ext cx="5916169" cy="4960616"/>
           </a:xfrm>
         </p:spPr>
         <p:txBody>
           <a:bodyPr>
-            <a:noAutofit/>
+            <a:normAutofit/>
           </a:bodyPr>
           <a:lstStyle/>
           <a:p>
-            <a:pPr lvl="0"/>
-            <a:r>
-              <a:rPr sz="1200" b="1" dirty="0"/>
+            <a:pPr lvl="0">
+              <a:lnSpc>
+                <a:spcPct val="110000"/>
+              </a:lnSpc>
+            </a:pPr>
+            <a:r>
+              <a:rPr lang="en-US" sz="1000" b="1" dirty="0"/>
               <a:t>Recommendation:</a:t>
             </a:r>
             <a:br>
-              <a:rPr sz="1200" dirty="0"/>
+              <a:rPr lang="en-US" sz="1000" dirty="0"/>
             </a:br>
             <a:r>
-              <a:rPr sz="1200" dirty="0"/>
+              <a:rPr lang="en-US" sz="1000" dirty="0"/>
               <a:t>Implement a </a:t>
             </a:r>
             <a:r>
-              <a:rPr sz="1200" b="1" dirty="0"/>
+              <a:rPr lang="en-US" sz="1000" b="1" dirty="0"/>
               <a:t>Champion/Challenger A/B test</a:t>
             </a:r>
             <a:r>
-              <a:rPr sz="1200" dirty="0"/>
+              <a:rPr lang="en-US" sz="1000" dirty="0"/>
               <a:t> to evaluate the impact of targeted retention strategies based on significant churn predictors.</a:t>
             </a:r>
           </a:p>
           <a:p>
-            <a:pPr lvl="0"/>
-            <a:r>
-              <a:rPr sz="1200" b="1" dirty="0"/>
+            <a:pPr lvl="0">
+              <a:lnSpc>
+                <a:spcPct val="110000"/>
+              </a:lnSpc>
+            </a:pPr>
+            <a:r>
+              <a:rPr lang="en-US" sz="1000" b="1" dirty="0"/>
               <a:t>Champion Group:</a:t>
             </a:r>
             <a:br>
-              <a:rPr sz="1200" dirty="0"/>
+              <a:rPr lang="en-US" sz="1000" dirty="0"/>
             </a:br>
             <a:r>
-              <a:rPr sz="1200" dirty="0"/>
+              <a:rPr lang="en-US" sz="1000" dirty="0"/>
               <a:t>Business-as-usual retention efforts (control group).</a:t>
             </a:r>
           </a:p>
           <a:p>
-            <a:pPr lvl="0"/>
-            <a:r>
-              <a:rPr sz="1200" b="1" dirty="0"/>
+            <a:pPr lvl="0">
+              <a:lnSpc>
+                <a:spcPct val="110000"/>
+              </a:lnSpc>
+            </a:pPr>
+            <a:r>
+              <a:rPr lang="en-US" sz="1000" b="1" dirty="0"/>
               <a:t>Challenger Group:</a:t>
             </a:r>
             <a:br>
-              <a:rPr sz="1200" dirty="0"/>
+              <a:rPr lang="en-US" sz="1000" dirty="0"/>
             </a:br>
             <a:r>
-              <a:rPr sz="1200" dirty="0"/>
+              <a:rPr lang="en-US" sz="1000" dirty="0"/>
               <a:t>Customers receiving enhanced interventions based on model insights:</a:t>
             </a:r>
           </a:p>
           <a:p>
-            <a:pPr lvl="1"/>
-            <a:r>
-              <a:rPr sz="1200" dirty="0"/>
+            <a:pPr lvl="1">
+              <a:lnSpc>
+                <a:spcPct val="110000"/>
+              </a:lnSpc>
+            </a:pPr>
+            <a:r>
+              <a:rPr lang="en-US" sz="1000" dirty="0"/>
               <a:t>Incentivize customers on </a:t>
             </a:r>
             <a:r>
-              <a:rPr sz="1200" b="1" dirty="0"/>
+              <a:rPr lang="en-US" sz="1000" b="1" dirty="0"/>
               <a:t>month-to-month contracts</a:t>
             </a:r>
             <a:r>
-              <a:rPr sz="1200" dirty="0"/>
+              <a:rPr lang="en-US" sz="1000" dirty="0"/>
               <a:t> to switch to 1- or 2-year terms</a:t>
             </a:r>
           </a:p>
           <a:p>
-            <a:pPr lvl="1"/>
-            <a:r>
-              <a:rPr sz="1200" dirty="0"/>
+            <a:pPr lvl="1">
+              <a:lnSpc>
+                <a:spcPct val="110000"/>
+              </a:lnSpc>
+            </a:pPr>
+            <a:r>
+              <a:rPr lang="en-US" sz="1000" dirty="0"/>
               <a:t>Offer personalized outreach or discounts to </a:t>
             </a:r>
             <a:r>
-              <a:rPr sz="1200" b="1" dirty="0"/>
+              <a:rPr lang="en-US" sz="1000" b="1" dirty="0"/>
               <a:t>fiber optic</a:t>
             </a:r>
             <a:r>
-              <a:rPr sz="1200" dirty="0"/>
+              <a:rPr lang="en-US" sz="1000" dirty="0"/>
               <a:t> users</a:t>
             </a:r>
           </a:p>
           <a:p>
-            <a:pPr lvl="1"/>
-            <a:r>
-              <a:rPr sz="1200" dirty="0"/>
+            <a:pPr lvl="1">
+              <a:lnSpc>
+                <a:spcPct val="110000"/>
+              </a:lnSpc>
+            </a:pPr>
+            <a:r>
+              <a:rPr lang="en-US" sz="1000" dirty="0"/>
               <a:t>Provide bundling or loyalty perks to customers with </a:t>
             </a:r>
             <a:r>
-              <a:rPr sz="1200" b="1" dirty="0"/>
+              <a:rPr lang="en-US" sz="1000" b="1" dirty="0"/>
               <a:t>streaming services</a:t>
             </a:r>
           </a:p>
           <a:p>
-            <a:pPr lvl="1"/>
-            <a:r>
-              <a:rPr sz="1200" dirty="0"/>
+            <a:pPr lvl="1">
+              <a:lnSpc>
+                <a:spcPct val="110000"/>
+              </a:lnSpc>
+            </a:pPr>
+            <a:r>
+              <a:rPr lang="en-US" sz="1000" dirty="0"/>
               <a:t>Encourage switching away from </a:t>
             </a:r>
             <a:r>
-              <a:rPr sz="1200" b="1" dirty="0"/>
+              <a:rPr lang="en-US" sz="1000" b="1" dirty="0"/>
               <a:t>electronic check</a:t>
             </a:r>
             <a:r>
-              <a:rPr sz="1200" dirty="0"/>
+              <a:rPr lang="en-US" sz="1000" dirty="0"/>
               <a:t> to more stable payment methods</a:t>
             </a:r>
           </a:p>
           <a:p>
-            <a:pPr lvl="0"/>
-            <a:r>
-              <a:rPr sz="1100" b="1" dirty="0"/>
-              <a:t>Evaluation</a:t>
-            </a:r>
-            <a:r>
-              <a:rPr sz="1200" b="1" dirty="0"/>
-              <a:t> Method:</a:t>
+            <a:pPr lvl="0">
+              <a:lnSpc>
+                <a:spcPct val="110000"/>
+              </a:lnSpc>
+            </a:pPr>
+            <a:r>
+              <a:rPr lang="en-US" sz="1000" b="1" dirty="0"/>
+              <a:t>Evaluation Method:</a:t>
             </a:r>
             <a:br>
-              <a:rPr sz="1200" dirty="0"/>
+              <a:rPr lang="en-US" sz="1000" dirty="0"/>
             </a:br>
             <a:r>
-              <a:rPr sz="1200" dirty="0"/>
+              <a:rPr lang="en-US" sz="1000" dirty="0"/>
               <a:t>After sufficient sample collection, conduct a </a:t>
             </a:r>
             <a:r>
-              <a:rPr sz="1200" b="1" dirty="0"/>
+              <a:rPr lang="en-US" sz="1000" b="1" dirty="0"/>
               <a:t>Chi-Square Test of Independence</a:t>
             </a:r>
             <a:r>
-              <a:rPr sz="1200" dirty="0"/>
+              <a:rPr lang="en-US" sz="1000" dirty="0"/>
               <a:t> to determine whether churn rates differ significantly between groups.</a:t>
             </a:r>
           </a:p>
           <a:p>
-            <a:pPr lvl="0"/>
-            <a:r>
-              <a:rPr sz="1200" b="1" dirty="0"/>
+            <a:pPr lvl="0">
+              <a:lnSpc>
+                <a:spcPct val="110000"/>
+              </a:lnSpc>
+            </a:pPr>
+            <a:r>
+              <a:rPr lang="en-US" sz="1000" b="1" dirty="0"/>
               <a:t>Why Chi-Square:</a:t>
             </a:r>
           </a:p>
           <a:p>
-            <a:pPr lvl="1"/>
-            <a:r>
-              <a:rPr sz="1200" dirty="0"/>
+            <a:pPr lvl="1">
+              <a:lnSpc>
+                <a:spcPct val="110000"/>
+              </a:lnSpc>
+            </a:pPr>
+            <a:r>
+              <a:rPr lang="en-US" sz="1000" dirty="0"/>
               <a:t>Outcome is binary (churn vs no churn)</a:t>
             </a:r>
           </a:p>
           <a:p>
-            <a:pPr lvl="1"/>
-            <a:r>
-              <a:rPr sz="1200" dirty="0"/>
+            <a:pPr lvl="1">
+              <a:lnSpc>
+                <a:spcPct val="110000"/>
+              </a:lnSpc>
+            </a:pPr>
+            <a:r>
+              <a:rPr lang="en-US" sz="1000" dirty="0"/>
               <a:t>Independent samples</a:t>
             </a:r>
           </a:p>
           <a:p>
-            <a:pPr lvl="1"/>
-            <a:r>
-              <a:rPr sz="1200" dirty="0"/>
+            <a:pPr lvl="1">
+              <a:lnSpc>
+                <a:spcPct val="110000"/>
+              </a:lnSpc>
+            </a:pPr>
+            <a:r>
+              <a:rPr lang="en-US" sz="1000" dirty="0"/>
               <a:t>Suitable for comparing proportions across categorical groups</a:t>
             </a:r>
           </a:p>
           <a:p>
-            <a:pPr lvl="0"/>
-            <a:r>
-              <a:rPr sz="1200" b="1" dirty="0"/>
+            <a:pPr lvl="0">
+              <a:lnSpc>
+                <a:spcPct val="110000"/>
+              </a:lnSpc>
+            </a:pPr>
+            <a:r>
+              <a:rPr lang="en-US" sz="1000" b="1" dirty="0"/>
               <a:t>Goal:</a:t>
             </a:r>
             <a:br>
-              <a:rPr sz="1200" dirty="0"/>
+              <a:rPr lang="en-US" sz="1000" dirty="0"/>
             </a:br>
             <a:r>
-              <a:rPr sz="1200" dirty="0"/>
+              <a:rPr lang="en-US" sz="1000" dirty="0"/>
               <a:t>Determine whether proactive changes lead to a </a:t>
             </a:r>
             <a:r>
-              <a:rPr sz="1200" b="1" dirty="0"/>
+              <a:rPr lang="en-US" sz="1000" b="1" dirty="0"/>
               <a:t>statistically significant reduction in churn</a:t>
             </a:r>
             <a:r>
-              <a:rPr sz="1200" dirty="0"/>
+              <a:rPr lang="en-US" sz="1000" dirty="0"/>
               <a:t>.</a:t>
             </a:r>
           </a:p>
@@ -3798,7 +7377,7 @@
     </p:spTree>
   </p:cSld>
   <p:clrMapOvr>
-    <a:overrideClrMapping bg1="dk1" tx1="lt1" bg2="dk2" tx2="lt2" accent1="accent1" accent2="accent2" accent3="accent3" accent4="accent4" accent5="accent5" accent6="accent6" hlink="hlink" folHlink="folHlink"/>
+    <a:masterClrMapping/>
   </p:clrMapOvr>
 </p:sld>
 </file>
@@ -3830,6 +7409,85 @@
       </p:grpSpPr>
       <p:sp>
         <p:nvSpPr>
+          <p:cNvPr id="20" name="Rectangle 19">
+            <a:extLst>
+              <a:ext uri="{FF2B5EF4-FFF2-40B4-BE49-F238E27FC236}">
+                <a16:creationId xmlns:a16="http://schemas.microsoft.com/office/drawing/2014/main" id="{01A22726-DA03-BCB0-F12E-98258FB7E5C0}"/>
+              </a:ext>
+              <a:ext uri="{C183D7F6-B498-43B3-948B-1728B52AA6E4}">
+                <adec:decorative xmlns:adec="http://schemas.microsoft.com/office/drawing/2017/decorative" val="1"/>
+              </a:ext>
+            </a:extLst>
+          </p:cNvPr>
+          <p:cNvSpPr>
+            <a:spLocks noGrp="1" noRot="1" noChangeAspect="1" noMove="1" noResize="1" noEditPoints="1" noAdjustHandles="1" noChangeArrowheads="1" noChangeShapeType="1" noTextEdit="1"/>
+          </p:cNvSpPr>
+          <p:nvPr>
+            <p:extLst>
+              <p:ext uri="{386F3935-93C4-4BCD-93E2-E3B085C9AB24}">
+                <p16:designElem xmlns:p16="http://schemas.microsoft.com/office/powerpoint/2015/main" val="1"/>
+              </p:ext>
+            </p:extLst>
+          </p:nvPr>
+        </p:nvSpPr>
+        <p:spPr>
+          <a:xfrm>
+            <a:off x="0" y="0"/>
+            <a:ext cx="12192000" cy="6858000"/>
+          </a:xfrm>
+          <a:prstGeom prst="rect">
+            <a:avLst/>
+          </a:prstGeom>
+          <a:solidFill>
+            <a:schemeClr val="bg1"/>
+          </a:solidFill>
+          <a:ln w="12700" cap="flat" cmpd="sng" algn="ctr">
+            <a:noFill/>
+            <a:prstDash val="solid"/>
+            <a:miter lim="800000"/>
+          </a:ln>
+          <a:effectLst/>
+          <a:extLst>
+            <a:ext uri="{91240B29-F687-4F45-9708-019B960494DF}">
+              <a14:hiddenLine xmlns:a14="http://schemas.microsoft.com/office/drawing/2010/main" w="12700" cap="flat" cmpd="sng" algn="ctr">
+                <a:solidFill>
+                  <a:schemeClr val="accent1">
+                    <a:shade val="15000"/>
+                  </a:schemeClr>
+                </a:solidFill>
+                <a:prstDash val="solid"/>
+                <a:miter lim="800000"/>
+              </a14:hiddenLine>
+            </a:ext>
+          </a:extLst>
+        </p:spPr>
+        <p:style>
+          <a:lnRef idx="2">
+            <a:schemeClr val="accent1">
+              <a:shade val="15000"/>
+            </a:schemeClr>
+          </a:lnRef>
+          <a:fillRef idx="1">
+            <a:schemeClr val="accent1"/>
+          </a:fillRef>
+          <a:effectRef idx="0">
+            <a:schemeClr val="accent1"/>
+          </a:effectRef>
+          <a:fontRef idx="minor">
+            <a:schemeClr val="lt1"/>
+          </a:fontRef>
+        </p:style>
+        <p:txBody>
+          <a:bodyPr rtlCol="0" anchor="ctr"/>
+          <a:lstStyle/>
+          <a:p>
+            <a:pPr algn="ctr"/>
+            <a:endParaRPr lang="en-US"/>
+          </a:p>
+        </p:txBody>
+      </p:sp>
+      <p:sp>
+        <p:nvSpPr>
           <p:cNvPr id="2" name="Title 1">
             <a:extLst>
               <a:ext uri="{FF2B5EF4-FFF2-40B4-BE49-F238E27FC236}">
@@ -3844,66 +7502,58 @@
             <p:ph type="title"/>
           </p:nvPr>
         </p:nvSpPr>
-        <p:spPr/>
+        <p:spPr>
+          <a:xfrm>
+            <a:off x="1524000" y="548640"/>
+            <a:ext cx="9160475" cy="1132258"/>
+          </a:xfrm>
+        </p:spPr>
         <p:txBody>
-          <a:bodyPr/>
+          <a:bodyPr anchor="ctr">
+            <a:normAutofit/>
+          </a:bodyPr>
           <a:lstStyle/>
           <a:p>
+            <a:pPr algn="ctr"/>
             <a:r>
               <a:rPr lang="en-US" dirty="0"/>
               <a:t> Business Problem and Research Objective</a:t>
             </a:r>
+            <a:endParaRPr lang="en-US"/>
           </a:p>
         </p:txBody>
       </p:sp>
-      <p:sp>
-        <p:nvSpPr>
-          <p:cNvPr id="3" name="Content Placeholder 2">
+      <p:graphicFrame>
+        <p:nvGraphicFramePr>
+          <p:cNvPr id="5" name="Content Placeholder 2">
             <a:extLst>
               <a:ext uri="{FF2B5EF4-FFF2-40B4-BE49-F238E27FC236}">
-                <a16:creationId xmlns:a16="http://schemas.microsoft.com/office/drawing/2014/main" id="{2C773EDC-10AF-4620-9C47-C3142147E96A}"/>
+                <a16:creationId xmlns:a16="http://schemas.microsoft.com/office/drawing/2014/main" id="{A501FF32-6879-DFC1-A736-2F609B786519}"/>
               </a:ext>
             </a:extLst>
           </p:cNvPr>
-          <p:cNvSpPr>
-            <a:spLocks noGrp="1"/>
-          </p:cNvSpPr>
+          <p:cNvGraphicFramePr>
+            <a:graphicFrameLocks noGrp="1"/>
+          </p:cNvGraphicFramePr>
           <p:nvPr>
             <p:ph idx="1"/>
+            <p:extLst>
+              <p:ext uri="{D42A27DB-BD31-4B8C-83A1-F6EECF244321}">
+                <p14:modId xmlns:p14="http://schemas.microsoft.com/office/powerpoint/2010/main" val="778935642"/>
+              </p:ext>
+            </p:extLst>
           </p:nvPr>
-        </p:nvSpPr>
-        <p:spPr/>
-        <p:txBody>
-          <a:bodyPr/>
-          <a:lstStyle/>
-          <a:p>
-            <a:r>
-              <a:rPr lang="en-US" dirty="0"/>
-              <a:t>Background: The business has observed rising customer churn rates and wants to understand </a:t>
-            </a:r>
-            <a:r>
-              <a:rPr lang="en-US" b="1" dirty="0"/>
-              <a:t>which factors (e.g., contract type, service usage, billing method, demographics)</a:t>
-            </a:r>
-            <a:r>
-              <a:rPr lang="en-US" dirty="0"/>
-              <a:t> are most associated with customers leaving. By identifying high-risk groups through a logistic regression model, the business can better prioritize retention strategies, such as offering discounts, improving service quality, or modifying contract terms.</a:t>
-            </a:r>
-          </a:p>
-          <a:p>
-            <a:r>
-              <a:rPr lang="en-US" dirty="0"/>
-              <a:t>Business Question: Which customer characteristics are most predictive of churn, and how can the business target interventions to reduce churn risk among at-risk customers?</a:t>
-            </a:r>
-          </a:p>
-          <a:p>
-            <a:endParaRPr lang="en-US" dirty="0"/>
-          </a:p>
-          <a:p>
-            <a:endParaRPr lang="en-US" dirty="0"/>
-          </a:p>
-        </p:txBody>
-      </p:sp>
+        </p:nvGraphicFramePr>
+        <p:xfrm>
+          <a:off x="930876" y="2037806"/>
+          <a:ext cx="10335350" cy="4066431"/>
+        </p:xfrm>
+        <a:graphic>
+          <a:graphicData uri="http://schemas.openxmlformats.org/drawingml/2006/diagram">
+            <dgm:relIds xmlns:dgm="http://schemas.openxmlformats.org/drawingml/2006/diagram" xmlns:r="http://schemas.openxmlformats.org/officeDocument/2006/relationships" r:dm="rId3" r:lo="rId4" r:qs="rId5" r:cs="rId6"/>
+          </a:graphicData>
+        </a:graphic>
+      </p:graphicFrame>
     </p:spTree>
     <p:extLst>
       <p:ext uri="{BB962C8B-B14F-4D97-AF65-F5344CB8AC3E}">
@@ -3912,7 +7562,7 @@
     </p:extLst>
   </p:cSld>
   <p:clrMapOvr>
-    <a:overrideClrMapping bg1="dk1" tx1="lt1" bg2="dk2" tx2="lt2" accent1="accent1" accent2="accent2" accent3="accent3" accent4="accent4" accent5="accent5" accent6="accent6" hlink="hlink" folHlink="folHlink"/>
+    <a:masterClrMapping/>
   </p:clrMapOvr>
 </p:sld>
 </file>
@@ -3948,6 +7598,82 @@
           <a:chExt cx="0" cy="0"/>
         </a:xfrm>
       </p:grpSpPr>
+      <p:sp useBgFill="1">
+        <p:nvSpPr>
+          <p:cNvPr id="13" name="Rectangle 12">
+            <a:extLst>
+              <a:ext uri="{FF2B5EF4-FFF2-40B4-BE49-F238E27FC236}">
+                <a16:creationId xmlns:a16="http://schemas.microsoft.com/office/drawing/2014/main" id="{92CC1E4F-F1F0-B945-BE50-C72A7103E8AC}"/>
+              </a:ext>
+              <a:ext uri="{C183D7F6-B498-43B3-948B-1728B52AA6E4}">
+                <adec:decorative xmlns:adec="http://schemas.microsoft.com/office/drawing/2017/decorative" val="1"/>
+              </a:ext>
+            </a:extLst>
+          </p:cNvPr>
+          <p:cNvSpPr>
+            <a:spLocks noGrp="1" noRot="1" noChangeAspect="1" noMove="1" noResize="1" noEditPoints="1" noAdjustHandles="1" noChangeArrowheads="1" noChangeShapeType="1" noTextEdit="1"/>
+          </p:cNvSpPr>
+          <p:nvPr>
+            <p:extLst>
+              <p:ext uri="{386F3935-93C4-4BCD-93E2-E3B085C9AB24}">
+                <p16:designElem xmlns:p16="http://schemas.microsoft.com/office/powerpoint/2015/main" val="1"/>
+              </p:ext>
+            </p:extLst>
+          </p:nvPr>
+        </p:nvSpPr>
+        <p:spPr>
+          <a:xfrm>
+            <a:off x="0" y="0"/>
+            <a:ext cx="12192000" cy="6858000"/>
+          </a:xfrm>
+          <a:prstGeom prst="rect">
+            <a:avLst/>
+          </a:prstGeom>
+          <a:ln w="12700" cap="flat" cmpd="sng" algn="ctr">
+            <a:noFill/>
+            <a:prstDash val="solid"/>
+            <a:miter lim="800000"/>
+          </a:ln>
+          <a:effectLst/>
+          <a:extLst>
+            <a:ext uri="{91240B29-F687-4F45-9708-019B960494DF}">
+              <a14:hiddenLine xmlns:a14="http://schemas.microsoft.com/office/drawing/2010/main" w="12700" cap="flat" cmpd="sng" algn="ctr">
+                <a:solidFill>
+                  <a:schemeClr val="accent1">
+                    <a:shade val="15000"/>
+                  </a:schemeClr>
+                </a:solidFill>
+                <a:prstDash val="solid"/>
+                <a:miter lim="800000"/>
+              </a14:hiddenLine>
+            </a:ext>
+          </a:extLst>
+        </p:spPr>
+        <p:style>
+          <a:lnRef idx="2">
+            <a:schemeClr val="accent1">
+              <a:shade val="15000"/>
+            </a:schemeClr>
+          </a:lnRef>
+          <a:fillRef idx="1">
+            <a:schemeClr val="accent1"/>
+          </a:fillRef>
+          <a:effectRef idx="0">
+            <a:schemeClr val="accent1"/>
+          </a:effectRef>
+          <a:fontRef idx="minor">
+            <a:schemeClr val="lt1"/>
+          </a:fontRef>
+        </p:style>
+        <p:txBody>
+          <a:bodyPr rtlCol="0" anchor="ctr"/>
+          <a:lstStyle/>
+          <a:p>
+            <a:pPr algn="ctr"/>
+            <a:endParaRPr lang="en-US"/>
+          </a:p>
+        </p:txBody>
+      </p:sp>
       <p:sp>
         <p:nvSpPr>
           <p:cNvPr id="2" name="Title 1">
@@ -3964,23 +7690,54 @@
             <p:ph type="title"/>
           </p:nvPr>
         </p:nvSpPr>
-        <p:spPr/>
+        <p:spPr>
+          <a:xfrm>
+            <a:off x="7123007" y="603501"/>
+            <a:ext cx="4361693" cy="1527049"/>
+          </a:xfrm>
+        </p:spPr>
         <p:txBody>
-          <a:bodyPr/>
+          <a:bodyPr anchor="b">
+            <a:normAutofit/>
+          </a:bodyPr>
           <a:lstStyle/>
           <a:p>
             <a:r>
               <a:rPr lang="en-US" dirty="0"/>
-              <a:t> Data Set </a:t>
-            </a:r>
-            <a:r>
-              <a:rPr lang="en-US" dirty="0" err="1"/>
-              <a:t>Descption</a:t>
-            </a:r>
-            <a:endParaRPr lang="en-US" dirty="0"/>
+              <a:t> Data Set Description</a:t>
+            </a:r>
           </a:p>
         </p:txBody>
       </p:sp>
+      <p:pic>
+        <p:nvPicPr>
+          <p:cNvPr id="4" name="Picture 3">
+            <a:extLst>
+              <a:ext uri="{FF2B5EF4-FFF2-40B4-BE49-F238E27FC236}">
+                <a16:creationId xmlns:a16="http://schemas.microsoft.com/office/drawing/2014/main" id="{04A0C918-9F57-C28F-3DD7-A8FBD30A53BD}"/>
+              </a:ext>
+            </a:extLst>
+          </p:cNvPr>
+          <p:cNvPicPr>
+            <a:picLocks noChangeAspect="1"/>
+          </p:cNvPicPr>
+          <p:nvPr/>
+        </p:nvPicPr>
+        <p:blipFill>
+          <a:blip r:embed="rId3"/>
+          <a:srcRect l="3379" r="3687"/>
+          <a:stretch/>
+        </p:blipFill>
+        <p:spPr>
+          <a:xfrm>
+            <a:off x="1" y="10"/>
+            <a:ext cx="6373368" cy="6857990"/>
+          </a:xfrm>
+          <a:prstGeom prst="rect">
+            <a:avLst/>
+          </a:prstGeom>
+        </p:spPr>
+      </p:pic>
       <p:sp>
         <p:nvSpPr>
           <p:cNvPr id="3" name="Content Placeholder 2">
@@ -3997,150 +7754,192 @@
             <p:ph idx="1"/>
           </p:nvPr>
         </p:nvSpPr>
-        <p:spPr/>
+        <p:spPr>
+          <a:xfrm>
+            <a:off x="7123007" y="2212846"/>
+            <a:ext cx="4361693" cy="4096514"/>
+          </a:xfrm>
+        </p:spPr>
         <p:txBody>
           <a:bodyPr>
-            <a:normAutofit fontScale="92500" lnSpcReduction="20000"/>
+            <a:normAutofit/>
           </a:bodyPr>
           <a:lstStyle/>
           <a:p>
             <a:pPr>
+              <a:lnSpc>
+                <a:spcPct val="110000"/>
+              </a:lnSpc>
               <a:buNone/>
             </a:pPr>
             <a:r>
-              <a:rPr lang="en-US" b="1" dirty="0"/>
+              <a:rPr lang="en-US" sz="1000" b="1"/>
               <a:t>Dataset Size:</a:t>
             </a:r>
             <a:r>
-              <a:rPr lang="en-US" dirty="0"/>
+              <a:rPr lang="en-US" sz="1000"/>
               <a:t> 7,032 customer records with 21 variables</a:t>
             </a:r>
           </a:p>
           <a:p>
             <a:pPr>
+              <a:lnSpc>
+                <a:spcPct val="110000"/>
+              </a:lnSpc>
               <a:buNone/>
             </a:pPr>
             <a:r>
-              <a:rPr lang="en-US" b="1" dirty="0"/>
+              <a:rPr lang="en-US" sz="1000" b="1"/>
               <a:t>Target Variable:</a:t>
             </a:r>
             <a:r>
-              <a:rPr lang="en-US" dirty="0"/>
+              <a:rPr lang="en-US" sz="1000"/>
               <a:t> Churn (Yes/No) — whether a customer left the company</a:t>
             </a:r>
           </a:p>
           <a:p>
             <a:pPr>
+              <a:lnSpc>
+                <a:spcPct val="110000"/>
+              </a:lnSpc>
               <a:buNone/>
             </a:pPr>
             <a:r>
-              <a:rPr lang="en-US" b="1" dirty="0"/>
+              <a:rPr lang="en-US" sz="1000" b="1"/>
               <a:t>Variable Types:</a:t>
             </a:r>
-            <a:endParaRPr lang="en-US" dirty="0"/>
+            <a:endParaRPr lang="en-US" sz="1000"/>
           </a:p>
           <a:p>
             <a:pPr>
+              <a:lnSpc>
+                <a:spcPct val="110000"/>
+              </a:lnSpc>
               <a:buFont typeface="Arial" panose="020B0604020202020204" pitchFamily="34" charset="0"/>
               <a:buChar char="•"/>
             </a:pPr>
             <a:r>
-              <a:rPr lang="en-US" dirty="0"/>
+              <a:rPr lang="en-US" sz="1000"/>
               <a:t>17 categorical (e.g., gender, contract type, payment method)</a:t>
             </a:r>
           </a:p>
           <a:p>
             <a:pPr>
+              <a:lnSpc>
+                <a:spcPct val="110000"/>
+              </a:lnSpc>
               <a:buFont typeface="Arial" panose="020B0604020202020204" pitchFamily="34" charset="0"/>
               <a:buChar char="•"/>
             </a:pPr>
             <a:r>
-              <a:rPr lang="en-US" dirty="0"/>
+              <a:rPr lang="en-US" sz="1000"/>
               <a:t>4 numeric (tenure, monthly charges, total charges, senior citizen indicator)</a:t>
             </a:r>
           </a:p>
           <a:p>
             <a:pPr>
+              <a:lnSpc>
+                <a:spcPct val="110000"/>
+              </a:lnSpc>
               <a:buNone/>
             </a:pPr>
             <a:r>
-              <a:rPr lang="en-US" b="1" dirty="0"/>
+              <a:rPr lang="en-US" sz="1000" b="1"/>
               <a:t>Churn Distribution:</a:t>
             </a:r>
             <a:r>
-              <a:rPr lang="en-US" dirty="0"/>
+              <a:rPr lang="en-US" sz="1000"/>
               <a:t> Imbalanced — fewer customers churned than stayed</a:t>
             </a:r>
           </a:p>
           <a:p>
             <a:pPr>
+              <a:lnSpc>
+                <a:spcPct val="110000"/>
+              </a:lnSpc>
               <a:buNone/>
             </a:pPr>
             <a:r>
-              <a:rPr lang="en-US" b="1" dirty="0"/>
+              <a:rPr lang="en-US" sz="1000" b="1"/>
               <a:t>Notable Predictors (based on EDA and modeling):</a:t>
             </a:r>
-            <a:endParaRPr lang="en-US" dirty="0"/>
+            <a:endParaRPr lang="en-US" sz="1000"/>
           </a:p>
           <a:p>
             <a:pPr>
+              <a:lnSpc>
+                <a:spcPct val="110000"/>
+              </a:lnSpc>
               <a:buFont typeface="Arial" panose="020B0604020202020204" pitchFamily="34" charset="0"/>
               <a:buChar char="•"/>
             </a:pPr>
             <a:r>
-              <a:rPr lang="en-US" b="1" dirty="0"/>
+              <a:rPr lang="en-US" sz="1000" b="1"/>
               <a:t>Contract Type:</a:t>
             </a:r>
             <a:r>
-              <a:rPr lang="en-US" dirty="0"/>
+              <a:rPr lang="en-US" sz="1000"/>
               <a:t> Month-to-month customers churn more</a:t>
             </a:r>
           </a:p>
           <a:p>
             <a:pPr>
+              <a:lnSpc>
+                <a:spcPct val="110000"/>
+              </a:lnSpc>
               <a:buFont typeface="Arial" panose="020B0604020202020204" pitchFamily="34" charset="0"/>
               <a:buChar char="•"/>
             </a:pPr>
             <a:r>
-              <a:rPr lang="en-US" b="1" dirty="0"/>
+              <a:rPr lang="en-US" sz="1000" b="1"/>
               <a:t>Payment Method:</a:t>
             </a:r>
             <a:r>
-              <a:rPr lang="en-US" dirty="0"/>
+              <a:rPr lang="en-US" sz="1000"/>
               <a:t> Electronic check associated with higher churn</a:t>
             </a:r>
           </a:p>
           <a:p>
             <a:pPr>
+              <a:lnSpc>
+                <a:spcPct val="110000"/>
+              </a:lnSpc>
               <a:buFont typeface="Arial" panose="020B0604020202020204" pitchFamily="34" charset="0"/>
               <a:buChar char="•"/>
             </a:pPr>
             <a:r>
-              <a:rPr lang="en-US" b="1" dirty="0"/>
+              <a:rPr lang="en-US" sz="1000" b="1"/>
               <a:t>Internet Service:</a:t>
             </a:r>
             <a:r>
-              <a:rPr lang="en-US" dirty="0"/>
+              <a:rPr lang="en-US" sz="1000"/>
               <a:t> Fiber optic users churn at higher rates</a:t>
             </a:r>
           </a:p>
           <a:p>
             <a:pPr>
+              <a:lnSpc>
+                <a:spcPct val="110000"/>
+              </a:lnSpc>
               <a:buFont typeface="Arial" panose="020B0604020202020204" pitchFamily="34" charset="0"/>
               <a:buChar char="•"/>
             </a:pPr>
             <a:r>
-              <a:rPr lang="en-US" b="1" dirty="0"/>
+              <a:rPr lang="en-US" sz="1000" b="1"/>
               <a:t>Tenure and Charges:</a:t>
             </a:r>
             <a:r>
-              <a:rPr lang="en-US" dirty="0"/>
+              <a:rPr lang="en-US" sz="1000"/>
               <a:t> Shorter tenure and higher charges linked to churn</a:t>
             </a:r>
-            <a:endParaRPr lang="en-US" sz="1700" dirty="0"/>
-          </a:p>
-          <a:p>
-            <a:endParaRPr lang="en-US" dirty="0"/>
+          </a:p>
+          <a:p>
+            <a:pPr>
+              <a:lnSpc>
+                <a:spcPct val="110000"/>
+              </a:lnSpc>
+            </a:pPr>
+            <a:endParaRPr lang="en-US" sz="1000"/>
           </a:p>
         </p:txBody>
       </p:sp>
@@ -4152,7 +7951,7 @@
     </p:extLst>
   </p:cSld>
   <p:clrMapOvr>
-    <a:overrideClrMapping bg1="dk1" tx1="lt1" bg2="dk2" tx2="lt2" accent1="accent1" accent2="accent2" accent3="accent3" accent4="accent4" accent5="accent5" accent6="accent6" hlink="hlink" folHlink="folHlink"/>
+    <a:masterClrMapping/>
   </p:clrMapOvr>
 </p:sld>
 </file>
@@ -4190,6 +7989,85 @@
       </p:grpSpPr>
       <p:sp>
         <p:nvSpPr>
+          <p:cNvPr id="14" name="Rectangle 13">
+            <a:extLst>
+              <a:ext uri="{FF2B5EF4-FFF2-40B4-BE49-F238E27FC236}">
+                <a16:creationId xmlns:a16="http://schemas.microsoft.com/office/drawing/2014/main" id="{EC54A0C3-5130-F256-D151-030A909A4B88}"/>
+              </a:ext>
+              <a:ext uri="{C183D7F6-B498-43B3-948B-1728B52AA6E4}">
+                <adec:decorative xmlns:adec="http://schemas.microsoft.com/office/drawing/2017/decorative" val="1"/>
+              </a:ext>
+            </a:extLst>
+          </p:cNvPr>
+          <p:cNvSpPr>
+            <a:spLocks noGrp="1" noRot="1" noChangeAspect="1" noMove="1" noResize="1" noEditPoints="1" noAdjustHandles="1" noChangeArrowheads="1" noChangeShapeType="1" noTextEdit="1"/>
+          </p:cNvSpPr>
+          <p:nvPr>
+            <p:extLst>
+              <p:ext uri="{386F3935-93C4-4BCD-93E2-E3B085C9AB24}">
+                <p16:designElem xmlns:p16="http://schemas.microsoft.com/office/powerpoint/2015/main" val="1"/>
+              </p:ext>
+            </p:extLst>
+          </p:nvPr>
+        </p:nvSpPr>
+        <p:spPr>
+          <a:xfrm>
+            <a:off x="0" y="0"/>
+            <a:ext cx="12192000" cy="6858000"/>
+          </a:xfrm>
+          <a:prstGeom prst="rect">
+            <a:avLst/>
+          </a:prstGeom>
+          <a:solidFill>
+            <a:schemeClr val="bg1"/>
+          </a:solidFill>
+          <a:ln w="12700" cap="flat" cmpd="sng" algn="ctr">
+            <a:noFill/>
+            <a:prstDash val="solid"/>
+            <a:miter lim="800000"/>
+          </a:ln>
+          <a:effectLst/>
+          <a:extLst>
+            <a:ext uri="{91240B29-F687-4F45-9708-019B960494DF}">
+              <a14:hiddenLine xmlns:a14="http://schemas.microsoft.com/office/drawing/2010/main" w="12700" cap="flat" cmpd="sng" algn="ctr">
+                <a:solidFill>
+                  <a:schemeClr val="accent1">
+                    <a:shade val="15000"/>
+                  </a:schemeClr>
+                </a:solidFill>
+                <a:prstDash val="solid"/>
+                <a:miter lim="800000"/>
+              </a14:hiddenLine>
+            </a:ext>
+          </a:extLst>
+        </p:spPr>
+        <p:style>
+          <a:lnRef idx="2">
+            <a:schemeClr val="accent1">
+              <a:shade val="15000"/>
+            </a:schemeClr>
+          </a:lnRef>
+          <a:fillRef idx="1">
+            <a:schemeClr val="accent1"/>
+          </a:fillRef>
+          <a:effectRef idx="0">
+            <a:schemeClr val="accent1"/>
+          </a:effectRef>
+          <a:fontRef idx="minor">
+            <a:schemeClr val="lt1"/>
+          </a:fontRef>
+        </p:style>
+        <p:txBody>
+          <a:bodyPr rtlCol="0" anchor="ctr"/>
+          <a:lstStyle/>
+          <a:p>
+            <a:pPr algn="ctr"/>
+            <a:endParaRPr lang="en-US"/>
+          </a:p>
+        </p:txBody>
+      </p:sp>
+      <p:sp>
+        <p:nvSpPr>
           <p:cNvPr id="2" name="Title 1">
             <a:extLst>
               <a:ext uri="{FF2B5EF4-FFF2-40B4-BE49-F238E27FC236}">
@@ -4204,9 +8082,16 @@
             <p:ph type="title"/>
           </p:nvPr>
         </p:nvSpPr>
-        <p:spPr/>
+        <p:spPr>
+          <a:xfrm>
+            <a:off x="5997791" y="603504"/>
+            <a:ext cx="5490436" cy="1527048"/>
+          </a:xfrm>
+        </p:spPr>
         <p:txBody>
-          <a:bodyPr/>
+          <a:bodyPr anchor="b">
+            <a:normAutofit/>
+          </a:bodyPr>
           <a:lstStyle/>
           <a:p>
             <a:r>
@@ -4216,6 +8101,66 @@
           </a:p>
         </p:txBody>
       </p:sp>
+      <p:pic>
+        <p:nvPicPr>
+          <p:cNvPr id="5" name="Picture 4">
+            <a:extLst>
+              <a:ext uri="{FF2B5EF4-FFF2-40B4-BE49-F238E27FC236}">
+                <a16:creationId xmlns:a16="http://schemas.microsoft.com/office/drawing/2014/main" id="{CE148E86-4B1B-B5A2-0DCF-2C89ACDF6E45}"/>
+              </a:ext>
+            </a:extLst>
+          </p:cNvPr>
+          <p:cNvPicPr>
+            <a:picLocks noChangeAspect="1"/>
+          </p:cNvPicPr>
+          <p:nvPr/>
+        </p:nvPicPr>
+        <p:blipFill>
+          <a:blip r:embed="rId3"/>
+          <a:stretch>
+            <a:fillRect/>
+          </a:stretch>
+        </p:blipFill>
+        <p:spPr>
+          <a:xfrm>
+            <a:off x="2064399" y="415376"/>
+            <a:ext cx="3103948" cy="2902192"/>
+          </a:xfrm>
+          <a:prstGeom prst="rect">
+            <a:avLst/>
+          </a:prstGeom>
+        </p:spPr>
+      </p:pic>
+      <p:pic>
+        <p:nvPicPr>
+          <p:cNvPr id="4" name="Picture 3">
+            <a:extLst>
+              <a:ext uri="{FF2B5EF4-FFF2-40B4-BE49-F238E27FC236}">
+                <a16:creationId xmlns:a16="http://schemas.microsoft.com/office/drawing/2014/main" id="{22752BE7-3778-3321-E2B3-4757E866CF5A}"/>
+              </a:ext>
+            </a:extLst>
+          </p:cNvPr>
+          <p:cNvPicPr>
+            <a:picLocks noChangeAspect="1"/>
+          </p:cNvPicPr>
+          <p:nvPr/>
+        </p:nvPicPr>
+        <p:blipFill>
+          <a:blip r:embed="rId4"/>
+          <a:stretch>
+            <a:fillRect/>
+          </a:stretch>
+        </p:blipFill>
+        <p:spPr>
+          <a:xfrm>
+            <a:off x="419101" y="3553637"/>
+            <a:ext cx="4749247" cy="2707070"/>
+          </a:xfrm>
+          <a:prstGeom prst="rect">
+            <a:avLst/>
+          </a:prstGeom>
+        </p:spPr>
+      </p:pic>
       <p:sp>
         <p:nvSpPr>
           <p:cNvPr id="3" name="Content Placeholder 2">
@@ -4234,144 +8179,137 @@
         </p:nvSpPr>
         <p:spPr>
           <a:xfrm>
-            <a:off x="612647" y="1263587"/>
-            <a:ext cx="10653579" cy="4593828"/>
+            <a:off x="6003234" y="2212848"/>
+            <a:ext cx="5490436" cy="4096512"/>
           </a:xfrm>
         </p:spPr>
         <p:txBody>
           <a:bodyPr>
-            <a:normAutofit fontScale="62500" lnSpcReduction="20000"/>
+            <a:normAutofit/>
           </a:bodyPr>
           <a:lstStyle/>
           <a:p>
             <a:pPr>
+              <a:lnSpc>
+                <a:spcPct val="110000"/>
+              </a:lnSpc>
               <a:buFont typeface="Arial" panose="020B0604020202020204" pitchFamily="34" charset="0"/>
               <a:buChar char="•"/>
             </a:pPr>
             <a:r>
-              <a:rPr lang="en-US" sz="3600" b="1" dirty="0"/>
-              <a:t>Removed </a:t>
-            </a:r>
-            <a:r>
-              <a:rPr lang="en-US" sz="3600" b="1" dirty="0" err="1"/>
-              <a:t>customerID</a:t>
-            </a:r>
-            <a:r>
-              <a:rPr lang="en-US" sz="3600" b="1" dirty="0"/>
-              <a:t> </a:t>
-            </a:r>
-            <a:r>
-              <a:rPr lang="en-US" sz="3600" dirty="0"/>
-              <a:t>- </a:t>
-            </a:r>
-            <a:r>
-              <a:rPr lang="en-US" sz="3400" dirty="0"/>
-              <a:t>It was an identifier with no predictive value for churn.</a:t>
+              <a:rPr lang="en-US" sz="1300" b="1"/>
+              <a:t>Removed customerID </a:t>
+            </a:r>
+            <a:r>
+              <a:rPr lang="en-US" sz="1300"/>
+              <a:t>- It was an identifier with no predictive value for churn.</a:t>
             </a:r>
           </a:p>
           <a:p>
             <a:pPr>
+              <a:lnSpc>
+                <a:spcPct val="110000"/>
+              </a:lnSpc>
               <a:buFont typeface="Arial" panose="020B0604020202020204" pitchFamily="34" charset="0"/>
               <a:buChar char="•"/>
             </a:pPr>
             <a:r>
-              <a:rPr lang="en-US" sz="3600" b="1" dirty="0"/>
-              <a:t>Converted </a:t>
-            </a:r>
-            <a:r>
-              <a:rPr lang="en-US" sz="3600" b="1" dirty="0" err="1"/>
-              <a:t>SeniorCitizen</a:t>
-            </a:r>
-            <a:r>
-              <a:rPr lang="en-US" sz="3600" b="1" dirty="0"/>
-              <a:t> from numeric (0/1) to categorical</a:t>
-            </a:r>
-            <a:endParaRPr lang="en-US" sz="3600" dirty="0"/>
+              <a:rPr lang="en-US" sz="1300" b="1"/>
+              <a:t>Converted SeniorCitizen from numeric (0/1) to categorical</a:t>
+            </a:r>
+            <a:endParaRPr lang="en-US" sz="1300"/>
           </a:p>
           <a:p>
             <a:pPr>
+              <a:lnSpc>
+                <a:spcPct val="110000"/>
+              </a:lnSpc>
               <a:buFont typeface="Arial" panose="020B0604020202020204" pitchFamily="34" charset="0"/>
               <a:buChar char="•"/>
             </a:pPr>
             <a:r>
-              <a:rPr lang="en-US" sz="3600" b="1" dirty="0"/>
+              <a:rPr lang="en-US" sz="1300" b="1"/>
               <a:t>Converted all character variables to factors</a:t>
             </a:r>
           </a:p>
           <a:p>
             <a:pPr>
+              <a:lnSpc>
+                <a:spcPct val="110000"/>
+              </a:lnSpc>
               <a:buFont typeface="Arial" panose="020B0604020202020204" pitchFamily="34" charset="0"/>
               <a:buChar char="•"/>
             </a:pPr>
             <a:r>
-              <a:rPr lang="en-US" sz="3600" b="1" dirty="0"/>
+              <a:rPr lang="en-US" sz="1300" b="1"/>
               <a:t>Addressed perfect correlations between service variables</a:t>
             </a:r>
           </a:p>
           <a:p>
-            <a:pPr lvl="2"/>
-            <a:r>
-              <a:rPr lang="en-US" sz="2600" dirty="0"/>
-              <a:t>Created dummy variables for services (e.g., </a:t>
-            </a:r>
-            <a:r>
-              <a:rPr lang="en-US" sz="2600" dirty="0" err="1"/>
-              <a:t>OnlineSecurity</a:t>
-            </a:r>
-            <a:r>
-              <a:rPr lang="en-US" sz="2600" dirty="0"/>
-              <a:t>, </a:t>
-            </a:r>
-            <a:r>
-              <a:rPr lang="en-US" sz="2600" dirty="0" err="1"/>
-              <a:t>DeviceProtection</a:t>
-            </a:r>
-            <a:r>
-              <a:rPr lang="en-US" sz="2600" dirty="0"/>
-              <a:t>) and dropped levels perfectly correlated with not having internet or phone service (avoided perfect separation errors).</a:t>
+            <a:pPr lvl="2">
+              <a:lnSpc>
+                <a:spcPct val="110000"/>
+              </a:lnSpc>
+            </a:pPr>
+            <a:r>
+              <a:rPr lang="en-US" sz="1300"/>
+              <a:t>Created dummy variables for services (e.g., OnlineSecurity, DeviceProtection) and dropped levels perfectly correlated with not having internet or phone service (avoided perfect separation errors).</a:t>
             </a:r>
           </a:p>
           <a:p>
             <a:pPr>
+              <a:lnSpc>
+                <a:spcPct val="110000"/>
+              </a:lnSpc>
               <a:buFont typeface="Arial" panose="020B0604020202020204" pitchFamily="34" charset="0"/>
               <a:buChar char="•"/>
             </a:pPr>
             <a:r>
-              <a:rPr lang="en-US" sz="3600" b="1" dirty="0"/>
+              <a:rPr lang="en-US" sz="1300" b="1"/>
               <a:t>Dropped redundant variables before modeling</a:t>
             </a:r>
           </a:p>
           <a:p>
-            <a:pPr lvl="2"/>
-            <a:r>
-              <a:rPr lang="en-US" sz="2600" dirty="0"/>
-              <a:t> </a:t>
-            </a:r>
-            <a:r>
-              <a:rPr lang="en-US" sz="2600" dirty="0" err="1"/>
-              <a:t>TotalCharges</a:t>
-            </a:r>
-            <a:r>
-              <a:rPr lang="en-US" sz="2600" dirty="0"/>
-              <a:t> initially dropped (due to high correlation with tenure), but reintroduced later as part of an interaction with tenure based on exploratory findings.</a:t>
+            <a:pPr lvl="2">
+              <a:lnSpc>
+                <a:spcPct val="110000"/>
+              </a:lnSpc>
+            </a:pPr>
+            <a:r>
+              <a:rPr lang="en-US" sz="1300"/>
+              <a:t> TotalCharges initially dropped (due to high correlation with tenure), but reintroduced later as part of an interaction with tenure based on exploratory findings.</a:t>
             </a:r>
           </a:p>
           <a:p>
             <a:pPr>
+              <a:lnSpc>
+                <a:spcPct val="110000"/>
+              </a:lnSpc>
               <a:buFont typeface="Arial" panose="020B0604020202020204" pitchFamily="34" charset="0"/>
               <a:buChar char="•"/>
             </a:pPr>
             <a:r>
-              <a:rPr lang="en-US" sz="3600" b="1" dirty="0"/>
+              <a:rPr lang="en-US" sz="1300" b="1"/>
               <a:t>Split data into training (70%) and test (30%) sets</a:t>
             </a:r>
-            <a:endParaRPr lang="en-US" sz="3600" dirty="0"/>
-          </a:p>
-          <a:p>
-            <a:endParaRPr lang="en-US" sz="3600" dirty="0"/>
-          </a:p>
-          <a:p>
-            <a:endParaRPr lang="en-US" dirty="0"/>
+            <a:endParaRPr lang="en-US" sz="1300"/>
+          </a:p>
+          <a:p>
+            <a:pPr marL="0" indent="0">
+              <a:lnSpc>
+                <a:spcPct val="110000"/>
+              </a:lnSpc>
+              <a:buNone/>
+            </a:pPr>
+            <a:endParaRPr lang="en-US" sz="1300"/>
+          </a:p>
+          <a:p>
+            <a:pPr>
+              <a:lnSpc>
+                <a:spcPct val="110000"/>
+              </a:lnSpc>
+            </a:pPr>
+            <a:endParaRPr lang="en-US" sz="1300"/>
           </a:p>
         </p:txBody>
       </p:sp>
@@ -4383,7 +8321,7 @@
     </p:extLst>
   </p:cSld>
   <p:clrMapOvr>
-    <a:overrideClrMapping bg1="dk1" tx1="lt1" bg2="dk2" tx2="lt2" accent1="accent1" accent2="accent2" accent3="accent3" accent4="accent4" accent5="accent5" accent6="accent6" hlink="hlink" folHlink="folHlink"/>
+    <a:masterClrMapping/>
   </p:clrMapOvr>
 </p:sld>
 </file>
@@ -4425,7 +8363,7 @@
         </p:nvSpPr>
         <p:spPr>
           <a:xfrm>
-            <a:off x="609600" y="0"/>
+            <a:off x="489679" y="179882"/>
             <a:ext cx="10972800" cy="1143000"/>
           </a:xfrm>
         </p:spPr>
@@ -4442,8 +8380,8 @@
           </a:p>
         </p:txBody>
       </p:sp>
-      <mc:AlternateContent xmlns:mc="http://schemas.openxmlformats.org/markup-compatibility/2006" xmlns:a14="http://schemas.microsoft.com/office/drawing/2010/main">
-        <mc:Choice Requires="a14">
+      <mc:AlternateContent xmlns:mc="http://schemas.openxmlformats.org/markup-compatibility/2006">
+        <mc:Choice xmlns:a14="http://schemas.microsoft.com/office/drawing/2010/main" Requires="a14">
           <p:sp>
             <p:nvSpPr>
               <p:cNvPr id="3" name="Content Placeholder 2"/>
@@ -4456,7 +8394,7 @@
             </p:nvSpPr>
             <p:spPr>
               <a:xfrm>
-                <a:off x="609600" y="732867"/>
+                <a:off x="314793" y="873650"/>
                 <a:ext cx="10972800" cy="5110700"/>
               </a:xfrm>
             </p:spPr>
@@ -4982,7 +8920,7 @@
             </p:txBody>
           </p:sp>
         </mc:Choice>
-        <mc:Fallback xmlns="">
+        <mc:Fallback>
           <p:sp>
             <p:nvSpPr>
               <p:cNvPr id="3" name="Content Placeholder 2"/>
@@ -4995,7 +8933,7 @@
             </p:nvSpPr>
             <p:spPr>
               <a:xfrm>
-                <a:off x="609600" y="732867"/>
+                <a:off x="314793" y="873650"/>
                 <a:ext cx="10972800" cy="5110700"/>
               </a:xfrm>
               <a:blipFill>
@@ -5023,7 +8961,7 @@
     </p:spTree>
   </p:cSld>
   <p:clrMapOvr>
-    <a:overrideClrMapping bg1="dk1" tx1="lt1" bg2="dk2" tx2="lt2" accent1="accent1" accent2="accent2" accent3="accent3" accent4="accent4" accent5="accent5" accent6="accent6" hlink="hlink" folHlink="folHlink"/>
+    <a:overrideClrMapping bg1="lt1" tx1="dk1" bg2="lt2" tx2="dk2" accent1="accent1" accent2="accent2" accent3="accent3" accent4="accent4" accent5="accent5" accent6="accent6" hlink="hlink" folHlink="folHlink"/>
   </p:clrMapOvr>
 </p:sld>
 </file>
@@ -5053,6 +8991,82 @@
           <a:chExt cx="0" cy="0"/>
         </a:xfrm>
       </p:grpSpPr>
+      <p:sp useBgFill="1">
+        <p:nvSpPr>
+          <p:cNvPr id="11" name="Rectangle 10">
+            <a:extLst>
+              <a:ext uri="{FF2B5EF4-FFF2-40B4-BE49-F238E27FC236}">
+                <a16:creationId xmlns:a16="http://schemas.microsoft.com/office/drawing/2014/main" id="{6ACA6F80-D392-A64E-3CF8-F28F1CCEE67B}"/>
+              </a:ext>
+              <a:ext uri="{C183D7F6-B498-43B3-948B-1728B52AA6E4}">
+                <adec:decorative xmlns:adec="http://schemas.microsoft.com/office/drawing/2017/decorative" val="1"/>
+              </a:ext>
+            </a:extLst>
+          </p:cNvPr>
+          <p:cNvSpPr>
+            <a:spLocks noGrp="1" noRot="1" noChangeAspect="1" noMove="1" noResize="1" noEditPoints="1" noAdjustHandles="1" noChangeArrowheads="1" noChangeShapeType="1" noTextEdit="1"/>
+          </p:cNvSpPr>
+          <p:nvPr>
+            <p:extLst>
+              <p:ext uri="{386F3935-93C4-4BCD-93E2-E3B085C9AB24}">
+                <p16:designElem xmlns:p16="http://schemas.microsoft.com/office/powerpoint/2015/main" val="1"/>
+              </p:ext>
+            </p:extLst>
+          </p:nvPr>
+        </p:nvSpPr>
+        <p:spPr>
+          <a:xfrm>
+            <a:off x="0" y="0"/>
+            <a:ext cx="12192000" cy="6858000"/>
+          </a:xfrm>
+          <a:prstGeom prst="rect">
+            <a:avLst/>
+          </a:prstGeom>
+          <a:ln w="12700" cap="flat" cmpd="sng" algn="ctr">
+            <a:noFill/>
+            <a:prstDash val="solid"/>
+            <a:miter lim="800000"/>
+          </a:ln>
+          <a:effectLst/>
+          <a:extLst>
+            <a:ext uri="{91240B29-F687-4F45-9708-019B960494DF}">
+              <a14:hiddenLine xmlns:a14="http://schemas.microsoft.com/office/drawing/2010/main" w="12700" cap="flat" cmpd="sng" algn="ctr">
+                <a:solidFill>
+                  <a:schemeClr val="accent1">
+                    <a:shade val="15000"/>
+                  </a:schemeClr>
+                </a:solidFill>
+                <a:prstDash val="solid"/>
+                <a:miter lim="800000"/>
+              </a14:hiddenLine>
+            </a:ext>
+          </a:extLst>
+        </p:spPr>
+        <p:style>
+          <a:lnRef idx="2">
+            <a:schemeClr val="accent1">
+              <a:shade val="15000"/>
+            </a:schemeClr>
+          </a:lnRef>
+          <a:fillRef idx="1">
+            <a:schemeClr val="accent1"/>
+          </a:fillRef>
+          <a:effectRef idx="0">
+            <a:schemeClr val="accent1"/>
+          </a:effectRef>
+          <a:fontRef idx="minor">
+            <a:schemeClr val="lt1"/>
+          </a:fontRef>
+        </p:style>
+        <p:txBody>
+          <a:bodyPr rtlCol="0" anchor="ctr"/>
+          <a:lstStyle/>
+          <a:p>
+            <a:pPr algn="ctr"/>
+            <a:endParaRPr lang="en-US"/>
+          </a:p>
+        </p:txBody>
+      </p:sp>
       <p:sp>
         <p:nvSpPr>
           <p:cNvPr id="2" name="Title 1"/>
@@ -5065,25 +9079,61 @@
         </p:nvSpPr>
         <p:spPr>
           <a:xfrm>
-            <a:off x="539075" y="96695"/>
-            <a:ext cx="10653578" cy="1132258"/>
+            <a:off x="614679" y="548640"/>
+            <a:ext cx="4779572" cy="2067705"/>
           </a:xfrm>
         </p:spPr>
         <p:txBody>
-          <a:bodyPr>
+          <a:bodyPr anchor="t">
             <a:normAutofit/>
           </a:bodyPr>
           <a:lstStyle/>
           <a:p>
             <a:r>
-              <a:rPr sz="2800" dirty="0"/>
+              <a:rPr lang="en-US"/>
               <a:t>Predictive Modeling: Logistic Regression</a:t>
             </a:r>
           </a:p>
         </p:txBody>
       </p:sp>
-      <mc:AlternateContent xmlns:mc="http://schemas.openxmlformats.org/markup-compatibility/2006" xmlns:a14="http://schemas.microsoft.com/office/drawing/2010/main">
-        <mc:Choice Requires="a14">
+      <p:pic>
+        <p:nvPicPr>
+          <p:cNvPr id="4" name="Graphic 3">
+            <a:extLst>
+              <a:ext uri="{FF2B5EF4-FFF2-40B4-BE49-F238E27FC236}">
+                <a16:creationId xmlns:a16="http://schemas.microsoft.com/office/drawing/2014/main" id="{AB7C3A26-E693-01FE-C85F-5AED9A046BCF}"/>
+              </a:ext>
+            </a:extLst>
+          </p:cNvPr>
+          <p:cNvPicPr>
+            <a:picLocks noChangeAspect="1"/>
+          </p:cNvPicPr>
+          <p:nvPr/>
+        </p:nvPicPr>
+        <p:blipFill>
+          <a:blip r:embed="rId3">
+            <a:extLst>
+              <a:ext uri="{96DAC541-7B7A-43D3-8B79-37D633B846F1}">
+                <asvg:svgBlip xmlns:asvg="http://schemas.microsoft.com/office/drawing/2016/SVG/main" r:embed="rId4"/>
+              </a:ext>
+            </a:extLst>
+          </a:blip>
+          <a:stretch>
+            <a:fillRect/>
+          </a:stretch>
+        </p:blipFill>
+        <p:spPr>
+          <a:xfrm>
+            <a:off x="6096000" y="548640"/>
+            <a:ext cx="5761726" cy="2182014"/>
+          </a:xfrm>
+          <a:prstGeom prst="rect">
+            <a:avLst/>
+          </a:prstGeom>
+        </p:spPr>
+      </p:pic>
+      <mc:AlternateContent xmlns:mc="http://schemas.openxmlformats.org/markup-compatibility/2006">
+        <mc:Choice xmlns:a14="http://schemas.microsoft.com/office/drawing/2010/main" Requires="a14">
           <p:sp>
             <p:nvSpPr>
               <p:cNvPr id="3" name="Content Placeholder 2"/>
@@ -5096,33 +9146,41 @@
             </p:nvSpPr>
             <p:spPr>
               <a:xfrm>
-                <a:off x="378373" y="536028"/>
-                <a:ext cx="10887854" cy="5773332"/>
+                <a:off x="514931" y="2076813"/>
+                <a:ext cx="5733727" cy="3108962"/>
               </a:xfrm>
             </p:spPr>
             <p:txBody>
-              <a:bodyPr>
-                <a:normAutofit lnSpcReduction="10000"/>
+              <a:bodyPr anchor="t">
+                <a:normAutofit/>
               </a:bodyPr>
               <a:lstStyle/>
               <a:p>
-                <a:pPr lvl="0"/>
+                <a:pPr lvl="0">
+                  <a:lnSpc>
+                    <a:spcPct val="110000"/>
+                  </a:lnSpc>
+                </a:pPr>
                 <a:r>
-                  <a:rPr sz="1600" b="1" dirty="0"/>
+                  <a:rPr lang="en-US" sz="1300" b="1" dirty="0"/>
                   <a:t>Purpose:</a:t>
                 </a:r>
                 <a:br>
-                  <a:rPr sz="1600" dirty="0"/>
+                  <a:rPr lang="en-US" sz="1300" dirty="0"/>
                 </a:br>
                 <a:r>
-                  <a:rPr sz="1600" dirty="0"/>
+                  <a:rPr lang="en-US" sz="1300" dirty="0"/>
                   <a:t>Model the probability that a customer churns based on customer demographics, account information, and service usage.</a:t>
                 </a:r>
               </a:p>
               <a:p>
-                <a:pPr lvl="0"/>
+                <a:pPr lvl="0">
+                  <a:lnSpc>
+                    <a:spcPct val="110000"/>
+                  </a:lnSpc>
+                </a:pPr>
                 <a:r>
-                  <a:rPr sz="1600" b="1" dirty="0"/>
+                  <a:rPr lang="en-US" sz="1300" b="1" dirty="0"/>
                   <a:t>Null Hypothesis (</a:t>
                 </a:r>
                 <a14:m>
@@ -5130,14 +9188,14 @@
                     <m:sSub>
                       <m:sSubPr>
                         <m:ctrlPr>
-                          <a:rPr sz="1600" i="1">
+                          <a:rPr lang="ar-AE" sz="1300" i="1">
                             <a:latin typeface="Cambria Math" panose="02040503050406030204" pitchFamily="18" charset="0"/>
                           </a:rPr>
                         </m:ctrlPr>
                       </m:sSubPr>
                       <m:e>
                         <m:r>
-                          <a:rPr sz="1600">
+                          <a:rPr lang="ar-AE" sz="1300">
                             <a:latin typeface="Cambria Math" panose="02040503050406030204" pitchFamily="18" charset="0"/>
                           </a:rPr>
                           <m:t>𝐻</m:t>
@@ -5145,7 +9203,7 @@
                       </m:e>
                       <m:sub>
                         <m:r>
-                          <a:rPr sz="1600">
+                          <a:rPr lang="ar-AE" sz="1300">
                             <a:latin typeface="Cambria Math" panose="02040503050406030204" pitchFamily="18" charset="0"/>
                           </a:rPr>
                           <m:t>0</m:t>
@@ -5155,14 +9213,14 @@
                   </m:oMath>
                 </a14:m>
                 <a:r>
-                  <a:rPr sz="1600" b="1" dirty="0"/>
+                  <a:rPr lang="ar-AE" sz="1300" b="1" dirty="0"/>
                   <a:t>):</a:t>
                 </a:r>
                 <a:br>
-                  <a:rPr sz="1600" dirty="0"/>
+                  <a:rPr lang="ar-AE" sz="1300" dirty="0"/>
                 </a:br>
                 <a:r>
-                  <a:rPr sz="1600" dirty="0"/>
+                  <a:rPr lang="en-US" sz="1300" dirty="0"/>
                   <a:t>None of the predictors are significantly associated with customer churn (all regression coefficients </a:t>
                 </a:r>
                 <a14:m>
@@ -5170,14 +9228,14 @@
                     <m:sSub>
                       <m:sSubPr>
                         <m:ctrlPr>
-                          <a:rPr sz="1600" i="1">
+                          <a:rPr lang="ar-AE" sz="1300" i="1">
                             <a:latin typeface="Cambria Math" panose="02040503050406030204" pitchFamily="18" charset="0"/>
                           </a:rPr>
                         </m:ctrlPr>
                       </m:sSubPr>
                       <m:e>
                         <m:r>
-                          <a:rPr sz="1600">
+                          <a:rPr lang="ar-AE" sz="1300">
                             <a:latin typeface="Cambria Math" panose="02040503050406030204" pitchFamily="18" charset="0"/>
                           </a:rPr>
                           <m:t>𝛽</m:t>
@@ -5185,7 +9243,7 @@
                       </m:e>
                       <m:sub>
                         <m:r>
-                          <a:rPr sz="1600">
+                          <a:rPr lang="ar-AE" sz="1300">
                             <a:latin typeface="Cambria Math" panose="02040503050406030204" pitchFamily="18" charset="0"/>
                           </a:rPr>
                           <m:t>𝑗</m:t>
@@ -5193,7 +9251,7 @@
                       </m:sub>
                     </m:sSub>
                     <m:r>
-                      <a:rPr sz="1600">
+                      <a:rPr lang="ar-AE" sz="1300">
                         <a:latin typeface="Cambria Math" panose="02040503050406030204" pitchFamily="18" charset="0"/>
                       </a:rPr>
                       <m:t>=0</m:t>
@@ -5201,14 +9259,18 @@
                   </m:oMath>
                 </a14:m>
                 <a:r>
-                  <a:rPr sz="1600" dirty="0"/>
+                  <a:rPr lang="ar-AE" sz="1300" dirty="0"/>
                   <a:t>).</a:t>
                 </a:r>
               </a:p>
               <a:p>
-                <a:pPr lvl="0"/>
+                <a:pPr lvl="0">
+                  <a:lnSpc>
+                    <a:spcPct val="110000"/>
+                  </a:lnSpc>
+                </a:pPr>
                 <a:r>
-                  <a:rPr sz="1600" b="1" dirty="0"/>
+                  <a:rPr lang="en-US" sz="1300" b="1" dirty="0"/>
                   <a:t>Alternative Hypothesis (</a:t>
                 </a:r>
                 <a14:m>
@@ -5216,14 +9278,14 @@
                     <m:sSub>
                       <m:sSubPr>
                         <m:ctrlPr>
-                          <a:rPr sz="1600" i="1">
+                          <a:rPr lang="ar-AE" sz="1300" i="1">
                             <a:latin typeface="Cambria Math" panose="02040503050406030204" pitchFamily="18" charset="0"/>
                           </a:rPr>
                         </m:ctrlPr>
                       </m:sSubPr>
                       <m:e>
                         <m:r>
-                          <a:rPr sz="1600">
+                          <a:rPr lang="ar-AE" sz="1300">
                             <a:latin typeface="Cambria Math" panose="02040503050406030204" pitchFamily="18" charset="0"/>
                           </a:rPr>
                           <m:t>𝐻</m:t>
@@ -5231,7 +9293,7 @@
                       </m:e>
                       <m:sub>
                         <m:r>
-                          <a:rPr sz="1600">
+                          <a:rPr lang="ar-AE" sz="1300">
                             <a:latin typeface="Cambria Math" panose="02040503050406030204" pitchFamily="18" charset="0"/>
                           </a:rPr>
                           <m:t>1</m:t>
@@ -5241,14 +9303,14 @@
                   </m:oMath>
                 </a14:m>
                 <a:r>
-                  <a:rPr sz="1600" b="1" dirty="0"/>
+                  <a:rPr lang="ar-AE" sz="1300" b="1" dirty="0"/>
                   <a:t>):</a:t>
                 </a:r>
                 <a:br>
-                  <a:rPr sz="1600" dirty="0"/>
+                  <a:rPr lang="ar-AE" sz="1300" dirty="0"/>
                 </a:br>
                 <a:r>
-                  <a:rPr sz="1600" dirty="0"/>
+                  <a:rPr lang="en-US" sz="1300" dirty="0"/>
                   <a:t>At least one predictor is significantly associated with customer churn (at least one </a:t>
                 </a:r>
                 <a14:m>
@@ -5256,14 +9318,14 @@
                     <m:sSub>
                       <m:sSubPr>
                         <m:ctrlPr>
-                          <a:rPr sz="1600" i="1">
+                          <a:rPr lang="ar-AE" sz="1300" i="1">
                             <a:latin typeface="Cambria Math" panose="02040503050406030204" pitchFamily="18" charset="0"/>
                           </a:rPr>
                         </m:ctrlPr>
                       </m:sSubPr>
                       <m:e>
                         <m:r>
-                          <a:rPr sz="1600">
+                          <a:rPr lang="ar-AE" sz="1300">
                             <a:latin typeface="Cambria Math" panose="02040503050406030204" pitchFamily="18" charset="0"/>
                           </a:rPr>
                           <m:t>𝛽</m:t>
@@ -5271,7 +9333,7 @@
                       </m:e>
                       <m:sub>
                         <m:r>
-                          <a:rPr sz="1600">
+                          <a:rPr lang="ar-AE" sz="1300">
                             <a:latin typeface="Cambria Math" panose="02040503050406030204" pitchFamily="18" charset="0"/>
                           </a:rPr>
                           <m:t>𝑗</m:t>
@@ -5279,7 +9341,7 @@
                       </m:sub>
                     </m:sSub>
                     <m:r>
-                      <a:rPr sz="1600">
+                      <a:rPr lang="ar-AE" sz="1300">
                         <a:latin typeface="Cambria Math" panose="02040503050406030204" pitchFamily="18" charset="0"/>
                       </a:rPr>
                       <m:t>≠0</m:t>
@@ -5287,198 +9349,15 @@
                   </m:oMath>
                 </a14:m>
                 <a:r>
-                  <a:rPr sz="1600" dirty="0"/>
-                  <a:t>).</a:t>
-                </a:r>
-              </a:p>
-              <a:p>
-                <a:pPr lvl="0"/>
-                <a:r>
-                  <a:rPr sz="1600" b="1" dirty="0"/>
-                  <a:t>Type I Error (</a:t>
-                </a:r>
-                <a14:m>
-                  <m:oMath xmlns:m="http://schemas.openxmlformats.org/officeDocument/2006/math">
-                    <m:r>
-                      <a:rPr sz="1600">
-                        <a:latin typeface="Cambria Math" panose="02040503050406030204" pitchFamily="18" charset="0"/>
-                      </a:rPr>
-                      <m:t>𝛼</m:t>
-                    </m:r>
-                  </m:oMath>
-                </a14:m>
-                <a:r>
-                  <a:rPr sz="1600" b="1" dirty="0"/>
-                  <a:t>):</a:t>
-                </a:r>
-                <a:br>
-                  <a:rPr sz="1600" dirty="0"/>
-                </a:br>
-                <a:r>
-                  <a:rPr sz="1600" dirty="0"/>
-                  <a:t>Rejecting </a:t>
-                </a:r>
-                <a14:m>
-                  <m:oMath xmlns:m="http://schemas.openxmlformats.org/officeDocument/2006/math">
-                    <m:sSub>
-                      <m:sSubPr>
-                        <m:ctrlPr>
-                          <a:rPr sz="1600" i="1">
-                            <a:latin typeface="Cambria Math" panose="02040503050406030204" pitchFamily="18" charset="0"/>
-                          </a:rPr>
-                        </m:ctrlPr>
-                      </m:sSubPr>
-                      <m:e>
-                        <m:r>
-                          <a:rPr sz="1600">
-                            <a:latin typeface="Cambria Math" panose="02040503050406030204" pitchFamily="18" charset="0"/>
-                          </a:rPr>
-                          <m:t>𝐻</m:t>
-                        </m:r>
-                      </m:e>
-                      <m:sub>
-                        <m:r>
-                          <a:rPr sz="1600">
-                            <a:latin typeface="Cambria Math" panose="02040503050406030204" pitchFamily="18" charset="0"/>
-                          </a:rPr>
-                          <m:t>0</m:t>
-                        </m:r>
-                      </m:sub>
-                    </m:sSub>
-                  </m:oMath>
-                </a14:m>
-                <a:r>
-                  <a:rPr sz="1600" dirty="0"/>
-                  <a:t> when it is actually true; set at </a:t>
-                </a:r>
-                <a14:m>
-                  <m:oMath xmlns:m="http://schemas.openxmlformats.org/officeDocument/2006/math">
-                    <m:r>
-                      <a:rPr sz="1600">
-                        <a:latin typeface="Cambria Math" panose="02040503050406030204" pitchFamily="18" charset="0"/>
-                      </a:rPr>
-                      <m:t>𝛼</m:t>
-                    </m:r>
-                    <m:r>
-                      <a:rPr sz="1600">
-                        <a:latin typeface="Cambria Math" panose="02040503050406030204" pitchFamily="18" charset="0"/>
-                      </a:rPr>
-                      <m:t>=0.05</m:t>
-                    </m:r>
-                  </m:oMath>
-                </a14:m>
-                <a:r>
-                  <a:rPr sz="1600" dirty="0"/>
+                  <a:rPr lang="en-US" sz="1300" dirty="0"/>
                   <a:t>.</a:t>
                 </a:r>
-              </a:p>
-              <a:p>
-                <a:pPr lvl="0"/>
-                <a:r>
-                  <a:rPr sz="1600" b="1" dirty="0"/>
-                  <a:t>Test Statistic:</a:t>
-                </a:r>
-                <a:br>
-                  <a:rPr sz="1600" dirty="0"/>
-                </a:br>
-                <a:r>
-                  <a:rPr sz="1600" dirty="0"/>
-                  <a:t>Wald </a:t>
-                </a:r>
-                <a14:m>
-                  <m:oMath xmlns:m="http://schemas.openxmlformats.org/officeDocument/2006/math">
-                    <m:r>
-                      <a:rPr sz="1600">
-                        <a:latin typeface="Cambria Math" panose="02040503050406030204" pitchFamily="18" charset="0"/>
-                      </a:rPr>
-                      <m:t>𝑧</m:t>
-                    </m:r>
-                  </m:oMath>
-                </a14:m>
-                <a:r>
-                  <a:rPr sz="1600" dirty="0"/>
-                  <a:t>-test for each coefficient (</a:t>
-                </a:r>
-                <a14:m>
-                  <m:oMath xmlns:m="http://schemas.openxmlformats.org/officeDocument/2006/math">
-                    <m:sSub>
-                      <m:sSubPr>
-                        <m:ctrlPr>
-                          <a:rPr sz="1600" i="1">
-                            <a:latin typeface="Cambria Math" panose="02040503050406030204" pitchFamily="18" charset="0"/>
-                          </a:rPr>
-                        </m:ctrlPr>
-                      </m:sSubPr>
-                      <m:e>
-                        <m:r>
-                          <a:rPr sz="1600">
-                            <a:latin typeface="Cambria Math" panose="02040503050406030204" pitchFamily="18" charset="0"/>
-                          </a:rPr>
-                          <m:t>𝛽</m:t>
-                        </m:r>
-                      </m:e>
-                      <m:sub>
-                        <m:r>
-                          <a:rPr sz="1600">
-                            <a:latin typeface="Cambria Math" panose="02040503050406030204" pitchFamily="18" charset="0"/>
-                          </a:rPr>
-                          <m:t>𝑗</m:t>
-                        </m:r>
-                      </m:sub>
-                    </m:sSub>
-                  </m:oMath>
-                </a14:m>
-                <a:r>
-                  <a:rPr sz="1600" dirty="0"/>
-                  <a:t>) and overall model deviance reduction (likelihood ratio test).</a:t>
-                </a:r>
-              </a:p>
-              <a:p>
-                <a:pPr lvl="0"/>
-                <a:r>
-                  <a:rPr sz="1600" b="1" dirty="0"/>
-                  <a:t>Assumptions:</a:t>
-                </a:r>
-              </a:p>
-              <a:p>
-                <a:pPr lvl="1"/>
-                <a:r>
-                  <a:rPr sz="1600" dirty="0"/>
-                  <a:t>Binary outcome variable</a:t>
-                </a:r>
-              </a:p>
-              <a:p>
-                <a:pPr lvl="1"/>
-                <a:r>
-                  <a:rPr sz="1600" dirty="0"/>
-                  <a:t>Independence of observations</a:t>
-                </a:r>
-              </a:p>
-              <a:p>
-                <a:pPr lvl="1"/>
-                <a:r>
-                  <a:rPr sz="1600" dirty="0"/>
-                  <a:t>Linearity of continuous predictors with log-odds</a:t>
-                </a:r>
-              </a:p>
-              <a:p>
-                <a:pPr lvl="1"/>
-                <a:r>
-                  <a:rPr sz="1600" dirty="0"/>
-                  <a:t>No perfect multicollinearity among predictors</a:t>
-                </a:r>
-              </a:p>
-              <a:p>
-                <a:pPr lvl="1"/>
-                <a:r>
-                  <a:rPr sz="1600" dirty="0"/>
-                  <a:t>Large sample size for reliable Wald tests</a:t>
-                </a:r>
+                <a:endParaRPr lang="ar-AE" sz="1300" dirty="0"/>
               </a:p>
             </p:txBody>
           </p:sp>
         </mc:Choice>
-        <mc:Fallback xmlns="">
+        <mc:Fallback>
           <p:sp>
             <p:nvSpPr>
               <p:cNvPr id="3" name="Content Placeholder 2"/>
@@ -5491,13 +9370,317 @@
             </p:nvSpPr>
             <p:spPr>
               <a:xfrm>
-                <a:off x="378373" y="536028"/>
-                <a:ext cx="10887854" cy="5773332"/>
+                <a:off x="514931" y="2076813"/>
+                <a:ext cx="5733727" cy="3108962"/>
               </a:xfrm>
               <a:blipFill>
-                <a:blip r:embed="rId3"/>
+                <a:blip r:embed="rId5"/>
                 <a:stretch>
-                  <a:fillRect l="-233" t="-220"/>
+                  <a:fillRect l="-221"/>
+                </a:stretch>
+              </a:blipFill>
+            </p:spPr>
+            <p:txBody>
+              <a:bodyPr/>
+              <a:lstStyle/>
+              <a:p>
+                <a:r>
+                  <a:rPr lang="en-US">
+                    <a:noFill/>
+                  </a:rPr>
+                  <a:t> </a:t>
+                </a:r>
+              </a:p>
+            </p:txBody>
+          </p:sp>
+        </mc:Fallback>
+      </mc:AlternateContent>
+      <mc:AlternateContent xmlns:mc="http://schemas.openxmlformats.org/markup-compatibility/2006">
+        <mc:Choice xmlns:a14="http://schemas.microsoft.com/office/drawing/2010/main" Requires="a14">
+          <p:sp>
+            <p:nvSpPr>
+              <p:cNvPr id="5" name="TextBox 4">
+                <a:extLst>
+                  <a:ext uri="{FF2B5EF4-FFF2-40B4-BE49-F238E27FC236}">
+                    <a16:creationId xmlns:a16="http://schemas.microsoft.com/office/drawing/2014/main" id="{504A692A-C04B-0794-C2F2-066BA88C35F2}"/>
+                  </a:ext>
+                </a:extLst>
+              </p:cNvPr>
+              <p:cNvSpPr txBox="1"/>
+              <p:nvPr/>
+            </p:nvSpPr>
+            <p:spPr>
+              <a:xfrm>
+                <a:off x="6729288" y="2076813"/>
+                <a:ext cx="5283172" cy="2807692"/>
+              </a:xfrm>
+              <a:prstGeom prst="rect">
+                <a:avLst/>
+              </a:prstGeom>
+              <a:noFill/>
+            </p:spPr>
+            <p:txBody>
+              <a:bodyPr wrap="square" rtlCol="0">
+                <a:spAutoFit/>
+              </a:bodyPr>
+              <a:lstStyle/>
+              <a:p>
+                <a:pPr lvl="0">
+                  <a:lnSpc>
+                    <a:spcPct val="110000"/>
+                  </a:lnSpc>
+                </a:pPr>
+                <a:r>
+                  <a:rPr lang="en-US" sz="1300" b="1" dirty="0"/>
+                  <a:t>Type I Error (</a:t>
+                </a:r>
+                <a14:m>
+                  <m:oMath xmlns:m="http://schemas.openxmlformats.org/officeDocument/2006/math">
+                    <m:r>
+                      <a:rPr lang="en-US" sz="1300">
+                        <a:latin typeface="Cambria Math" panose="02040503050406030204" pitchFamily="18" charset="0"/>
+                      </a:rPr>
+                      <m:t>𝛼</m:t>
+                    </m:r>
+                  </m:oMath>
+                </a14:m>
+                <a:r>
+                  <a:rPr lang="en-US" sz="1300" b="1" dirty="0"/>
+                  <a:t>):</a:t>
+                </a:r>
+                <a:br>
+                  <a:rPr lang="en-US" sz="1300" dirty="0"/>
+                </a:br>
+                <a:r>
+                  <a:rPr lang="en-US" sz="1300" dirty="0"/>
+                  <a:t>Rejecting </a:t>
+                </a:r>
+                <a14:m>
+                  <m:oMath xmlns:m="http://schemas.openxmlformats.org/officeDocument/2006/math">
+                    <m:sSub>
+                      <m:sSubPr>
+                        <m:ctrlPr>
+                          <a:rPr lang="ar-AE" sz="1300" i="1">
+                            <a:latin typeface="Cambria Math" panose="02040503050406030204" pitchFamily="18" charset="0"/>
+                          </a:rPr>
+                        </m:ctrlPr>
+                      </m:sSubPr>
+                      <m:e>
+                        <m:r>
+                          <a:rPr lang="ar-AE" sz="1300">
+                            <a:latin typeface="Cambria Math" panose="02040503050406030204" pitchFamily="18" charset="0"/>
+                          </a:rPr>
+                          <m:t>𝐻</m:t>
+                        </m:r>
+                      </m:e>
+                      <m:sub>
+                        <m:r>
+                          <a:rPr lang="ar-AE" sz="1300">
+                            <a:latin typeface="Cambria Math" panose="02040503050406030204" pitchFamily="18" charset="0"/>
+                          </a:rPr>
+                          <m:t>0</m:t>
+                        </m:r>
+                      </m:sub>
+                    </m:sSub>
+                  </m:oMath>
+                </a14:m>
+                <a:r>
+                  <a:rPr lang="ar-AE" sz="1300" dirty="0"/>
+                  <a:t> </a:t>
+                </a:r>
+                <a:r>
+                  <a:rPr lang="en-US" sz="1300" dirty="0"/>
+                  <a:t>when it is actually true; set at </a:t>
+                </a:r>
+                <a14:m>
+                  <m:oMath xmlns:m="http://schemas.openxmlformats.org/officeDocument/2006/math">
+                    <m:r>
+                      <a:rPr lang="en-US" sz="1300">
+                        <a:latin typeface="Cambria Math" panose="02040503050406030204" pitchFamily="18" charset="0"/>
+                      </a:rPr>
+                      <m:t>𝛼</m:t>
+                    </m:r>
+                    <m:r>
+                      <a:rPr lang="en-US" sz="1300">
+                        <a:latin typeface="Cambria Math" panose="02040503050406030204" pitchFamily="18" charset="0"/>
+                      </a:rPr>
+                      <m:t>=0.05</m:t>
+                    </m:r>
+                  </m:oMath>
+                </a14:m>
+                <a:r>
+                  <a:rPr lang="en-US" sz="1300" dirty="0"/>
+                  <a:t>.</a:t>
+                </a:r>
+              </a:p>
+              <a:p>
+                <a:pPr lvl="0">
+                  <a:lnSpc>
+                    <a:spcPct val="110000"/>
+                  </a:lnSpc>
+                </a:pPr>
+                <a:r>
+                  <a:rPr lang="en-US" sz="1300" b="1" dirty="0"/>
+                  <a:t>Test Statistic:</a:t>
+                </a:r>
+                <a:br>
+                  <a:rPr lang="en-US" sz="1300" dirty="0"/>
+                </a:br>
+                <a:r>
+                  <a:rPr lang="en-US" sz="1300" dirty="0"/>
+                  <a:t>Wald </a:t>
+                </a:r>
+                <a14:m>
+                  <m:oMath xmlns:m="http://schemas.openxmlformats.org/officeDocument/2006/math">
+                    <m:r>
+                      <a:rPr lang="en-US" sz="1300">
+                        <a:latin typeface="Cambria Math" panose="02040503050406030204" pitchFamily="18" charset="0"/>
+                      </a:rPr>
+                      <m:t>𝑧</m:t>
+                    </m:r>
+                  </m:oMath>
+                </a14:m>
+                <a:r>
+                  <a:rPr lang="en-US" sz="1300" dirty="0"/>
+                  <a:t>-test for each coefficient (</a:t>
+                </a:r>
+                <a14:m>
+                  <m:oMath xmlns:m="http://schemas.openxmlformats.org/officeDocument/2006/math">
+                    <m:sSub>
+                      <m:sSubPr>
+                        <m:ctrlPr>
+                          <a:rPr lang="ar-AE" sz="1300" i="1">
+                            <a:latin typeface="Cambria Math" panose="02040503050406030204" pitchFamily="18" charset="0"/>
+                          </a:rPr>
+                        </m:ctrlPr>
+                      </m:sSubPr>
+                      <m:e>
+                        <m:r>
+                          <a:rPr lang="ar-AE" sz="1300">
+                            <a:latin typeface="Cambria Math" panose="02040503050406030204" pitchFamily="18" charset="0"/>
+                          </a:rPr>
+                          <m:t>𝛽</m:t>
+                        </m:r>
+                      </m:e>
+                      <m:sub>
+                        <m:r>
+                          <a:rPr lang="ar-AE" sz="1300">
+                            <a:latin typeface="Cambria Math" panose="02040503050406030204" pitchFamily="18" charset="0"/>
+                          </a:rPr>
+                          <m:t>𝑗</m:t>
+                        </m:r>
+                      </m:sub>
+                    </m:sSub>
+                  </m:oMath>
+                </a14:m>
+                <a:r>
+                  <a:rPr lang="ar-AE" sz="1300" dirty="0"/>
+                  <a:t>) </a:t>
+                </a:r>
+                <a:r>
+                  <a:rPr lang="en-US" sz="1300" dirty="0"/>
+                  <a:t>and overall model deviance reduction (likelihood ratio test).</a:t>
+                </a:r>
+              </a:p>
+              <a:p>
+                <a:pPr lvl="0">
+                  <a:lnSpc>
+                    <a:spcPct val="110000"/>
+                  </a:lnSpc>
+                </a:pPr>
+                <a:r>
+                  <a:rPr lang="en-US" sz="1300" b="1" dirty="0"/>
+                  <a:t>Assumptions:</a:t>
+                </a:r>
+              </a:p>
+              <a:p>
+                <a:pPr lvl="1">
+                  <a:lnSpc>
+                    <a:spcPct val="110000"/>
+                  </a:lnSpc>
+                </a:pPr>
+                <a:r>
+                  <a:rPr lang="en-US" sz="1300" dirty="0"/>
+                  <a:t>Binary outcome variable (Bernoulli Distribution)</a:t>
+                </a:r>
+              </a:p>
+              <a:p>
+                <a:pPr lvl="1">
+                  <a:lnSpc>
+                    <a:spcPct val="110000"/>
+                  </a:lnSpc>
+                </a:pPr>
+                <a:r>
+                  <a:rPr lang="en-US" sz="1300" dirty="0"/>
+                  <a:t>Independence of observations</a:t>
+                </a:r>
+              </a:p>
+              <a:p>
+                <a:pPr lvl="1">
+                  <a:lnSpc>
+                    <a:spcPct val="110000"/>
+                  </a:lnSpc>
+                </a:pPr>
+                <a:r>
+                  <a:rPr lang="en-US" sz="1300" dirty="0"/>
+                  <a:t>Linearity of continuous predictors with log-odds</a:t>
+                </a:r>
+              </a:p>
+              <a:p>
+                <a:pPr lvl="1">
+                  <a:lnSpc>
+                    <a:spcPct val="110000"/>
+                  </a:lnSpc>
+                </a:pPr>
+                <a:r>
+                  <a:rPr lang="en-US" sz="1300" dirty="0"/>
+                  <a:t>No perfect multicollinearity among predictors</a:t>
+                </a:r>
+              </a:p>
+              <a:p>
+                <a:pPr lvl="1">
+                  <a:lnSpc>
+                    <a:spcPct val="110000"/>
+                  </a:lnSpc>
+                </a:pPr>
+                <a:r>
+                  <a:rPr lang="en-US" sz="1300" dirty="0"/>
+                  <a:t>Large sample size for reliable Wald tests</a:t>
+                </a:r>
+              </a:p>
+              <a:p>
+                <a:endParaRPr lang="en-US" dirty="0"/>
+              </a:p>
+            </p:txBody>
+          </p:sp>
+        </mc:Choice>
+        <mc:Fallback>
+          <p:sp>
+            <p:nvSpPr>
+              <p:cNvPr id="5" name="TextBox 4">
+                <a:extLst>
+                  <a:ext uri="{FF2B5EF4-FFF2-40B4-BE49-F238E27FC236}">
+                    <a16:creationId xmlns:a16="http://schemas.microsoft.com/office/drawing/2014/main" id="{504A692A-C04B-0794-C2F2-066BA88C35F2}"/>
+                  </a:ext>
+                </a:extLst>
+              </p:cNvPr>
+              <p:cNvSpPr txBox="1">
+                <a:spLocks noRot="1" noChangeAspect="1" noMove="1" noResize="1" noEditPoints="1" noAdjustHandles="1" noChangeArrowheads="1" noChangeShapeType="1" noTextEdit="1"/>
+              </p:cNvSpPr>
+              <p:nvPr/>
+            </p:nvSpPr>
+            <p:spPr>
+              <a:xfrm>
+                <a:off x="6729288" y="2076813"/>
+                <a:ext cx="5283172" cy="2807692"/>
+              </a:xfrm>
+              <a:prstGeom prst="rect">
+                <a:avLst/>
+              </a:prstGeom>
+              <a:blipFill>
+                <a:blip r:embed="rId6"/>
+                <a:stretch>
+                  <a:fillRect l="-239"/>
                 </a:stretch>
               </a:blipFill>
             </p:spPr>
@@ -5519,7 +9702,7 @@
     </p:spTree>
   </p:cSld>
   <p:clrMapOvr>
-    <a:overrideClrMapping bg1="dk1" tx1="lt1" bg2="dk2" tx2="lt2" accent1="accent1" accent2="accent2" accent3="accent3" accent4="accent4" accent5="accent5" accent6="accent6" hlink="hlink" folHlink="folHlink"/>
+    <a:masterClrMapping/>
   </p:clrMapOvr>
 </p:sld>
 </file>
@@ -5549,6 +9732,82 @@
           <a:chExt cx="0" cy="0"/>
         </a:xfrm>
       </p:grpSpPr>
+      <p:sp useBgFill="1">
+        <p:nvSpPr>
+          <p:cNvPr id="10" name="Rectangle 9">
+            <a:extLst>
+              <a:ext uri="{FF2B5EF4-FFF2-40B4-BE49-F238E27FC236}">
+                <a16:creationId xmlns:a16="http://schemas.microsoft.com/office/drawing/2014/main" id="{43867147-1C83-BF71-39B0-B590EE7F349F}"/>
+              </a:ext>
+              <a:ext uri="{C183D7F6-B498-43B3-948B-1728B52AA6E4}">
+                <adec:decorative xmlns:adec="http://schemas.microsoft.com/office/drawing/2017/decorative" val="1"/>
+              </a:ext>
+            </a:extLst>
+          </p:cNvPr>
+          <p:cNvSpPr>
+            <a:spLocks noGrp="1" noRot="1" noChangeAspect="1" noMove="1" noResize="1" noEditPoints="1" noAdjustHandles="1" noChangeArrowheads="1" noChangeShapeType="1" noTextEdit="1"/>
+          </p:cNvSpPr>
+          <p:nvPr>
+            <p:extLst>
+              <p:ext uri="{386F3935-93C4-4BCD-93E2-E3B085C9AB24}">
+                <p16:designElem xmlns:p16="http://schemas.microsoft.com/office/powerpoint/2015/main" val="1"/>
+              </p:ext>
+            </p:extLst>
+          </p:nvPr>
+        </p:nvSpPr>
+        <p:spPr>
+          <a:xfrm>
+            <a:off x="0" y="0"/>
+            <a:ext cx="12192000" cy="6858000"/>
+          </a:xfrm>
+          <a:prstGeom prst="rect">
+            <a:avLst/>
+          </a:prstGeom>
+          <a:ln w="12700" cap="flat" cmpd="sng" algn="ctr">
+            <a:noFill/>
+            <a:prstDash val="solid"/>
+            <a:miter lim="800000"/>
+          </a:ln>
+          <a:effectLst/>
+          <a:extLst>
+            <a:ext uri="{91240B29-F687-4F45-9708-019B960494DF}">
+              <a14:hiddenLine xmlns:a14="http://schemas.microsoft.com/office/drawing/2010/main" w="12700" cap="flat" cmpd="sng" algn="ctr">
+                <a:solidFill>
+                  <a:schemeClr val="accent1">
+                    <a:shade val="15000"/>
+                  </a:schemeClr>
+                </a:solidFill>
+                <a:prstDash val="solid"/>
+                <a:miter lim="800000"/>
+              </a14:hiddenLine>
+            </a:ext>
+          </a:extLst>
+        </p:spPr>
+        <p:style>
+          <a:lnRef idx="2">
+            <a:schemeClr val="accent1">
+              <a:shade val="15000"/>
+            </a:schemeClr>
+          </a:lnRef>
+          <a:fillRef idx="1">
+            <a:schemeClr val="accent1"/>
+          </a:fillRef>
+          <a:effectRef idx="0">
+            <a:schemeClr val="accent1"/>
+          </a:effectRef>
+          <a:fontRef idx="minor">
+            <a:schemeClr val="lt1"/>
+          </a:fontRef>
+        </p:style>
+        <p:txBody>
+          <a:bodyPr rtlCol="0" anchor="ctr"/>
+          <a:lstStyle/>
+          <a:p>
+            <a:pPr algn="ctr"/>
+            <a:endParaRPr lang="en-US"/>
+          </a:p>
+        </p:txBody>
+      </p:sp>
       <p:sp>
         <p:nvSpPr>
           <p:cNvPr id="2" name="Title 1">
@@ -5567,22 +9826,54 @@
         </p:nvSpPr>
         <p:spPr>
           <a:xfrm>
-            <a:off x="507545" y="212309"/>
-            <a:ext cx="10653578" cy="1132258"/>
+            <a:off x="614678" y="548640"/>
+            <a:ext cx="10872216" cy="1133856"/>
           </a:xfrm>
         </p:spPr>
         <p:txBody>
-          <a:bodyPr/>
+          <a:bodyPr anchor="t">
+            <a:normAutofit/>
+          </a:bodyPr>
           <a:lstStyle/>
           <a:p>
             <a:r>
-              <a:rPr lang="en-US" sz="3600" dirty="0"/>
+              <a:rPr lang="en-US"/>
               <a:t>Predictive Modeling: Logistic Regression</a:t>
             </a:r>
             <a:endParaRPr lang="en-US" dirty="0"/>
           </a:p>
         </p:txBody>
       </p:sp>
+      <p:pic>
+        <p:nvPicPr>
+          <p:cNvPr id="5" name="Picture 4" descr="A screenshot of a test&#10;&#10;AI-generated content may be incorrect.">
+            <a:extLst>
+              <a:ext uri="{FF2B5EF4-FFF2-40B4-BE49-F238E27FC236}">
+                <a16:creationId xmlns:a16="http://schemas.microsoft.com/office/drawing/2014/main" id="{779C86BD-94A5-EBB7-F122-3AA05D637C6A}"/>
+              </a:ext>
+            </a:extLst>
+          </p:cNvPr>
+          <p:cNvPicPr>
+            <a:picLocks noChangeAspect="1"/>
+          </p:cNvPicPr>
+          <p:nvPr/>
+        </p:nvPicPr>
+        <p:blipFill>
+          <a:blip r:embed="rId4"/>
+          <a:stretch>
+            <a:fillRect/>
+          </a:stretch>
+        </p:blipFill>
+        <p:spPr>
+          <a:xfrm>
+            <a:off x="731520" y="1792223"/>
+            <a:ext cx="6113926" cy="3775349"/>
+          </a:xfrm>
+          <a:prstGeom prst="rect">
+            <a:avLst/>
+          </a:prstGeom>
+        </p:spPr>
+      </p:pic>
       <p:sp>
         <p:nvSpPr>
           <p:cNvPr id="3" name="Content Placeholder 2">
@@ -5601,143 +9892,215 @@
         </p:nvSpPr>
         <p:spPr>
           <a:xfrm>
-            <a:off x="507544" y="937766"/>
-            <a:ext cx="10653579" cy="4593828"/>
+            <a:off x="7177176" y="1792224"/>
+            <a:ext cx="4307527" cy="4517136"/>
           </a:xfrm>
         </p:spPr>
         <p:txBody>
-          <a:bodyPr/>
+          <a:bodyPr anchor="t">
+            <a:normAutofit/>
+          </a:bodyPr>
           <a:lstStyle/>
           <a:p>
-            <a:pPr lvl="0"/>
-            <a:r>
-              <a:rPr lang="en-US" sz="1600" b="1" dirty="0"/>
+            <a:pPr lvl="0">
+              <a:lnSpc>
+                <a:spcPct val="110000"/>
+              </a:lnSpc>
+            </a:pPr>
+            <a:r>
+              <a:rPr lang="en-US" sz="1500" b="1"/>
               <a:t>Results:</a:t>
             </a:r>
           </a:p>
           <a:p>
-            <a:pPr lvl="1"/>
-            <a:r>
-              <a:rPr lang="en-US" sz="1600" dirty="0"/>
+            <a:pPr lvl="1">
+              <a:lnSpc>
+                <a:spcPct val="110000"/>
+              </a:lnSpc>
+            </a:pPr>
+            <a:r>
+              <a:rPr lang="en-US" sz="1500"/>
               <a:t>Accuracy on test data: </a:t>
             </a:r>
             <a:r>
-              <a:rPr lang="en-US" sz="1600" b="1" dirty="0"/>
+              <a:rPr lang="en-US" sz="1500" b="1"/>
               <a:t>81.9%</a:t>
             </a:r>
-            <a:endParaRPr lang="en-US" sz="1600" dirty="0"/>
-          </a:p>
-          <a:p>
-            <a:pPr lvl="1"/>
-            <a:r>
-              <a:rPr lang="en-US" sz="1600" dirty="0"/>
+            <a:endParaRPr lang="en-US" sz="1500"/>
+          </a:p>
+          <a:p>
+            <a:pPr lvl="1">
+              <a:lnSpc>
+                <a:spcPct val="110000"/>
+              </a:lnSpc>
+            </a:pPr>
+            <a:r>
+              <a:rPr lang="en-US" sz="1500"/>
               <a:t>Sensitivity (Recall): </a:t>
             </a:r>
             <a:r>
-              <a:rPr lang="en-US" sz="1600" b="1" dirty="0"/>
+              <a:rPr lang="en-US" sz="1500" b="1"/>
               <a:t>54.6%</a:t>
             </a:r>
-            <a:endParaRPr lang="en-US" sz="1600" dirty="0"/>
-          </a:p>
-          <a:p>
-            <a:pPr lvl="1"/>
-            <a:r>
-              <a:rPr lang="en-US" sz="1600" dirty="0"/>
+            <a:endParaRPr lang="en-US" sz="1500"/>
+          </a:p>
+          <a:p>
+            <a:pPr lvl="1">
+              <a:lnSpc>
+                <a:spcPct val="110000"/>
+              </a:lnSpc>
+            </a:pPr>
+            <a:r>
+              <a:rPr lang="en-US" sz="1500"/>
               <a:t>Specificity: </a:t>
             </a:r>
             <a:r>
-              <a:rPr lang="en-US" sz="1600" b="1" dirty="0"/>
+              <a:rPr lang="en-US" sz="1500" b="1"/>
               <a:t>91.8%</a:t>
             </a:r>
-            <a:endParaRPr lang="en-US" sz="1600" dirty="0"/>
-          </a:p>
-          <a:p>
-            <a:pPr lvl="1"/>
-            <a:r>
-              <a:rPr lang="en-US" sz="1600" dirty="0"/>
+            <a:endParaRPr lang="en-US" sz="1500"/>
+          </a:p>
+          <a:p>
+            <a:pPr lvl="1">
+              <a:lnSpc>
+                <a:spcPct val="110000"/>
+              </a:lnSpc>
+            </a:pPr>
+            <a:r>
+              <a:rPr lang="en-US" sz="1500"/>
               <a:t>Significant predictors included:</a:t>
             </a:r>
           </a:p>
           <a:p>
-            <a:pPr lvl="2"/>
-            <a:r>
-              <a:rPr lang="en-US" b="1" dirty="0"/>
+            <a:pPr lvl="2">
+              <a:lnSpc>
+                <a:spcPct val="110000"/>
+              </a:lnSpc>
+            </a:pPr>
+            <a:r>
+              <a:rPr lang="en-US" sz="1500" b="1"/>
               <a:t>Contract Type</a:t>
             </a:r>
             <a:r>
-              <a:rPr lang="en-US" dirty="0"/>
-              <a:t> (Month-to-month vs. yearly contracts)</a:t>
-            </a:r>
-          </a:p>
-          <a:p>
-            <a:pPr lvl="2"/>
-            <a:r>
-              <a:rPr lang="en-US" b="1" dirty="0"/>
+              <a:rPr lang="en-US" sz="1500"/>
+              <a:t> (One/Two Year)</a:t>
+            </a:r>
+          </a:p>
+          <a:p>
+            <a:pPr lvl="2">
+              <a:lnSpc>
+                <a:spcPct val="110000"/>
+              </a:lnSpc>
+            </a:pPr>
+            <a:r>
+              <a:rPr lang="en-US" sz="1500" b="1"/>
               <a:t>Internet Service Type</a:t>
             </a:r>
             <a:r>
-              <a:rPr lang="en-US" dirty="0"/>
+              <a:rPr lang="en-US" sz="1500"/>
               <a:t> (Fiber optic vs DSL)</a:t>
             </a:r>
           </a:p>
           <a:p>
-            <a:pPr lvl="2"/>
-            <a:r>
-              <a:rPr lang="en-US" b="1" dirty="0"/>
+            <a:pPr lvl="2">
+              <a:lnSpc>
+                <a:spcPct val="110000"/>
+              </a:lnSpc>
+            </a:pPr>
+            <a:r>
+              <a:rPr lang="en-US" sz="1500" b="1"/>
               <a:t>Payment Method</a:t>
             </a:r>
             <a:r>
-              <a:rPr lang="en-US" dirty="0"/>
+              <a:rPr lang="en-US" sz="1500"/>
               <a:t> (Electronic check)</a:t>
             </a:r>
           </a:p>
           <a:p>
-            <a:pPr lvl="2"/>
-            <a:r>
-              <a:rPr lang="en-US" b="1" dirty="0"/>
+            <a:pPr lvl="2">
+              <a:lnSpc>
+                <a:spcPct val="110000"/>
+              </a:lnSpc>
+            </a:pPr>
+            <a:r>
+              <a:rPr lang="en-US" sz="1500" b="1"/>
               <a:t>Monthly Charges</a:t>
             </a:r>
             <a:r>
-              <a:rPr lang="en-US" dirty="0"/>
-              <a:t> and </a:t>
-            </a:r>
-            <a:r>
-              <a:rPr lang="en-US" b="1" dirty="0"/>
-              <a:t>Tenure</a:t>
-            </a:r>
-          </a:p>
-          <a:p>
-            <a:pPr lvl="2"/>
-            <a:r>
-              <a:rPr lang="en-US" b="1" dirty="0"/>
-              <a:t>Streaming services, Online Backup, Device Protection</a:t>
-            </a:r>
-          </a:p>
-          <a:p>
-            <a:pPr lvl="1"/>
-            <a:r>
-              <a:rPr lang="en-US" sz="1600" dirty="0"/>
-              <a:t>Odds ratios indicated that customers with </a:t>
-            </a:r>
-            <a:r>
-              <a:rPr lang="en-US" sz="1600" b="1" dirty="0"/>
+              <a:rPr lang="en-US" sz="1500"/>
+              <a:t> </a:t>
+            </a:r>
+          </a:p>
+          <a:p>
+            <a:pPr lvl="2">
+              <a:lnSpc>
+                <a:spcPct val="110000"/>
+              </a:lnSpc>
+            </a:pPr>
+            <a:r>
+              <a:rPr lang="en-US" sz="1500"/>
+              <a:t>Odds ratios indicated that customers</a:t>
+            </a:r>
+          </a:p>
+          <a:p>
+            <a:pPr marL="457200" lvl="2" indent="0">
+              <a:lnSpc>
+                <a:spcPct val="110000"/>
+              </a:lnSpc>
+              <a:buNone/>
+            </a:pPr>
+            <a:r>
+              <a:rPr lang="en-US" sz="1500"/>
+              <a:t>     with </a:t>
+            </a:r>
+            <a:r>
+              <a:rPr lang="en-US" sz="1500" b="1"/>
               <a:t>month-to-month contracts</a:t>
             </a:r>
             <a:r>
-              <a:rPr lang="en-US" sz="1600" dirty="0"/>
-              <a:t> and </a:t>
-            </a:r>
-            <a:r>
-              <a:rPr lang="en-US" sz="1600" b="1" dirty="0"/>
+              <a:rPr lang="en-US" sz="1500"/>
+              <a:t> </a:t>
+            </a:r>
+          </a:p>
+          <a:p>
+            <a:pPr marL="457200" lvl="2" indent="0">
+              <a:lnSpc>
+                <a:spcPct val="110000"/>
+              </a:lnSpc>
+              <a:buNone/>
+            </a:pPr>
+            <a:r>
+              <a:rPr lang="en-US" sz="1500"/>
+              <a:t>    and </a:t>
+            </a:r>
+            <a:r>
+              <a:rPr lang="en-US" sz="1500" b="1"/>
               <a:t>fiber optic service</a:t>
             </a:r>
             <a:r>
-              <a:rPr lang="en-US" sz="1600" dirty="0"/>
-              <a:t> were significantly more likely to churn.</a:t>
-            </a:r>
-          </a:p>
-          <a:p>
-            <a:endParaRPr lang="en-US" dirty="0"/>
+              <a:rPr lang="en-US" sz="1500"/>
+              <a:t> </a:t>
+            </a:r>
+          </a:p>
+          <a:p>
+            <a:pPr marL="457200" lvl="2" indent="0">
+              <a:lnSpc>
+                <a:spcPct val="110000"/>
+              </a:lnSpc>
+              <a:buNone/>
+            </a:pPr>
+            <a:r>
+              <a:rPr lang="en-US" sz="1500"/>
+              <a:t>    were significantly more likely to churn.</a:t>
+            </a:r>
+          </a:p>
+          <a:p>
+            <a:pPr>
+              <a:lnSpc>
+                <a:spcPct val="110000"/>
+              </a:lnSpc>
+            </a:pPr>
+            <a:endParaRPr lang="en-US" sz="1500"/>
           </a:p>
         </p:txBody>
       </p:sp>
@@ -5749,7 +10112,7 @@
     </p:extLst>
   </p:cSld>
   <p:clrMapOvr>
-    <a:overrideClrMapping bg1="dk1" tx1="lt1" bg2="dk2" tx2="lt2" accent1="accent1" accent2="accent2" accent3="accent3" accent4="accent4" accent5="accent5" accent6="accent6" hlink="hlink" folHlink="folHlink"/>
+    <a:masterClrMapping/>
   </p:clrMapOvr>
 </p:sld>
 </file>
@@ -5781,6 +10144,85 @@
       </p:grpSpPr>
       <p:sp>
         <p:nvSpPr>
+          <p:cNvPr id="11" name="Rectangle 10">
+            <a:extLst>
+              <a:ext uri="{FF2B5EF4-FFF2-40B4-BE49-F238E27FC236}">
+                <a16:creationId xmlns:a16="http://schemas.microsoft.com/office/drawing/2014/main" id="{353CF00F-82D0-0DBA-75D5-1D01B4526C68}"/>
+              </a:ext>
+              <a:ext uri="{C183D7F6-B498-43B3-948B-1728B52AA6E4}">
+                <adec:decorative xmlns:adec="http://schemas.microsoft.com/office/drawing/2017/decorative" val="1"/>
+              </a:ext>
+            </a:extLst>
+          </p:cNvPr>
+          <p:cNvSpPr>
+            <a:spLocks noGrp="1" noRot="1" noChangeAspect="1" noMove="1" noResize="1" noEditPoints="1" noAdjustHandles="1" noChangeArrowheads="1" noChangeShapeType="1" noTextEdit="1"/>
+          </p:cNvSpPr>
+          <p:nvPr>
+            <p:extLst>
+              <p:ext uri="{386F3935-93C4-4BCD-93E2-E3B085C9AB24}">
+                <p16:designElem xmlns:p16="http://schemas.microsoft.com/office/powerpoint/2015/main" val="1"/>
+              </p:ext>
+            </p:extLst>
+          </p:nvPr>
+        </p:nvSpPr>
+        <p:spPr>
+          <a:xfrm>
+            <a:off x="0" y="0"/>
+            <a:ext cx="12192000" cy="6858000"/>
+          </a:xfrm>
+          <a:prstGeom prst="rect">
+            <a:avLst/>
+          </a:prstGeom>
+          <a:solidFill>
+            <a:schemeClr val="bg1"/>
+          </a:solidFill>
+          <a:ln w="12700" cap="flat" cmpd="sng" algn="ctr">
+            <a:noFill/>
+            <a:prstDash val="solid"/>
+            <a:miter lim="800000"/>
+          </a:ln>
+          <a:effectLst/>
+          <a:extLst>
+            <a:ext uri="{91240B29-F687-4F45-9708-019B960494DF}">
+              <a14:hiddenLine xmlns:a14="http://schemas.microsoft.com/office/drawing/2010/main" w="12700" cap="flat" cmpd="sng" algn="ctr">
+                <a:solidFill>
+                  <a:schemeClr val="accent1">
+                    <a:shade val="15000"/>
+                  </a:schemeClr>
+                </a:solidFill>
+                <a:prstDash val="solid"/>
+                <a:miter lim="800000"/>
+              </a14:hiddenLine>
+            </a:ext>
+          </a:extLst>
+        </p:spPr>
+        <p:style>
+          <a:lnRef idx="2">
+            <a:schemeClr val="accent1">
+              <a:shade val="15000"/>
+            </a:schemeClr>
+          </a:lnRef>
+          <a:fillRef idx="1">
+            <a:schemeClr val="accent1"/>
+          </a:fillRef>
+          <a:effectRef idx="0">
+            <a:schemeClr val="accent1"/>
+          </a:effectRef>
+          <a:fontRef idx="minor">
+            <a:schemeClr val="lt1"/>
+          </a:fontRef>
+        </p:style>
+        <p:txBody>
+          <a:bodyPr rtlCol="0" anchor="ctr"/>
+          <a:lstStyle/>
+          <a:p>
+            <a:pPr algn="ctr"/>
+            <a:endParaRPr lang="en-US"/>
+          </a:p>
+        </p:txBody>
+      </p:sp>
+      <p:sp>
+        <p:nvSpPr>
           <p:cNvPr id="2" name="Title 1"/>
           <p:cNvSpPr>
             <a:spLocks noGrp="1"/>
@@ -5791,12 +10233,14 @@
         </p:nvSpPr>
         <p:spPr>
           <a:xfrm>
-            <a:off x="299522" y="144367"/>
-            <a:ext cx="10653578" cy="1132258"/>
+            <a:off x="612648" y="548640"/>
+            <a:ext cx="10945037" cy="1133856"/>
           </a:xfrm>
         </p:spPr>
         <p:txBody>
-          <a:bodyPr/>
+          <a:bodyPr anchor="t">
+            <a:normAutofit/>
+          </a:bodyPr>
           <a:lstStyle/>
           <a:p>
             <a:r>
@@ -5815,14 +10259,14 @@
             <p:ph idx="1"/>
             <p:extLst>
               <p:ext uri="{D42A27DB-BD31-4B8C-83A1-F6EECF244321}">
-                <p14:modId xmlns:p14="http://schemas.microsoft.com/office/powerpoint/2010/main" val="1179767777"/>
+                <p14:modId xmlns:p14="http://schemas.microsoft.com/office/powerpoint/2010/main" val="3475926503"/>
               </p:ext>
             </p:extLst>
           </p:nvPr>
         </p:nvGraphicFramePr>
         <p:xfrm>
-          <a:off x="612648" y="710496"/>
-          <a:ext cx="10966704" cy="6084753"/>
+          <a:off x="674979" y="1881051"/>
+          <a:ext cx="10820376" cy="4587153"/>
         </p:xfrm>
         <a:graphic>
           <a:graphicData uri="http://schemas.openxmlformats.org/drawingml/2006/table">
@@ -5831,21 +10275,21 @@
                 <a:tableStyleId>{5C22544A-7EE6-4342-B048-85BDC9FD1C3A}</a:tableStyleId>
               </a:tblPr>
               <a:tblGrid>
-                <a:gridCol w="3655568">
+                <a:gridCol w="3268076">
                   <a:extLst>
                     <a:ext uri="{9D8B030D-6E8A-4147-A177-3AD203B41FA5}">
                       <a16:colId xmlns:a16="http://schemas.microsoft.com/office/drawing/2014/main" val="20000"/>
                     </a:ext>
                   </a:extLst>
                 </a:gridCol>
-                <a:gridCol w="3655568">
+                <a:gridCol w="3131701">
                   <a:extLst>
                     <a:ext uri="{9D8B030D-6E8A-4147-A177-3AD203B41FA5}">
                       <a16:colId xmlns:a16="http://schemas.microsoft.com/office/drawing/2014/main" val="20001"/>
                     </a:ext>
                   </a:extLst>
                 </a:gridCol>
-                <a:gridCol w="3655568">
+                <a:gridCol w="4420599">
                   <a:extLst>
                     <a:ext uri="{9D8B030D-6E8A-4147-A177-3AD203B41FA5}">
                       <a16:colId xmlns:a16="http://schemas.microsoft.com/office/drawing/2014/main" val="20002"/>
@@ -5853,7 +10297,7 @@
                   </a:extLst>
                 </a:gridCol>
               </a:tblGrid>
-              <a:tr h="474756">
+              <a:tr h="468685">
                 <a:tc>
                   <a:txBody>
                     <a:bodyPr/>
@@ -5863,12 +10307,12 @@
                         <a:buNone/>
                       </a:pPr>
                       <a:r>
-                        <a:rPr sz="2400"/>
+                        <a:rPr lang="en-US" sz="2100"/>
                         <a:t>Predictor</a:t>
                       </a:r>
                     </a:p>
                   </a:txBody>
-                  <a:tcPr marL="121920" marR="121920" marT="60960" marB="60960"/>
+                  <a:tcPr marL="108996" marR="108996" marT="54498" marB="54498"/>
                 </a:tc>
                 <a:tc>
                   <a:txBody>
@@ -5879,12 +10323,12 @@
                         <a:buNone/>
                       </a:pPr>
                       <a:r>
-                        <a:rPr sz="2400"/>
+                        <a:rPr lang="en-US" sz="2100"/>
                         <a:t>Odds Effect</a:t>
                       </a:r>
                     </a:p>
                   </a:txBody>
-                  <a:tcPr marL="121920" marR="121920" marT="60960" marB="60960"/>
+                  <a:tcPr marL="108996" marR="108996" marT="54498" marB="54498"/>
                 </a:tc>
                 <a:tc>
                   <a:txBody>
@@ -5895,12 +10339,12 @@
                         <a:buNone/>
                       </a:pPr>
                       <a:r>
-                        <a:rPr sz="2400"/>
+                        <a:rPr lang="en-US" sz="2100"/>
                         <a:t>Interpretation</a:t>
                       </a:r>
                     </a:p>
                   </a:txBody>
-                  <a:tcPr marL="121920" marR="121920" marT="60960" marB="60960"/>
+                  <a:tcPr marL="108996" marR="108996" marT="54498" marB="54498"/>
                 </a:tc>
                 <a:extLst>
                   <a:ext uri="{0D108BD9-81ED-4DB2-BD59-A6C34878D82A}">
@@ -5908,7 +10352,7 @@
                   </a:ext>
                 </a:extLst>
               </a:tr>
-              <a:tr h="534101">
+              <a:tr h="332439">
                 <a:tc>
                   <a:txBody>
                     <a:bodyPr/>
@@ -5918,12 +10362,12 @@
                         <a:buNone/>
                       </a:pPr>
                       <a:r>
-                        <a:rPr sz="1400"/>
+                        <a:rPr lang="en-US" sz="1300"/>
                         <a:t>MultipleLinesYes</a:t>
                       </a:r>
                     </a:p>
                   </a:txBody>
-                  <a:tcPr marL="121920" marR="121920" marT="60960" marB="60960"/>
+                  <a:tcPr marL="108996" marR="108996" marT="54498" marB="54498"/>
                 </a:tc>
                 <a:tc>
                   <a:txBody>
@@ -5934,12 +10378,12 @@
                         <a:buNone/>
                       </a:pPr>
                       <a:r>
-                        <a:rPr sz="1400"/>
+                        <a:rPr lang="en-US" sz="1300"/>
                         <a:t>1.99</a:t>
                       </a:r>
                     </a:p>
                   </a:txBody>
-                  <a:tcPr marL="121920" marR="121920" marT="60960" marB="60960"/>
+                  <a:tcPr marL="108996" marR="108996" marT="54498" marB="54498"/>
                 </a:tc>
                 <a:tc>
                   <a:txBody>
@@ -5950,20 +10394,20 @@
                         <a:buNone/>
                       </a:pPr>
                       <a:r>
-                        <a:rPr sz="1400"/>
+                        <a:rPr lang="en-US" sz="1300"/>
                         <a:t>Having multiple lines nearly </a:t>
                       </a:r>
                       <a:r>
-                        <a:rPr sz="1400" b="1"/>
+                        <a:rPr lang="en-US" sz="1300" b="1"/>
                         <a:t>doubles</a:t>
                       </a:r>
                       <a:r>
-                        <a:rPr sz="1400"/>
+                        <a:rPr lang="en-US" sz="1300"/>
                         <a:t> churn odds.</a:t>
                       </a:r>
                     </a:p>
                   </a:txBody>
-                  <a:tcPr marL="121920" marR="121920" marT="60960" marB="60960"/>
+                  <a:tcPr marL="108996" marR="108996" marT="54498" marB="54498"/>
                 </a:tc>
                 <a:extLst>
                   <a:ext uri="{0D108BD9-81ED-4DB2-BD59-A6C34878D82A}">
@@ -5971,7 +10415,7 @@
                   </a:ext>
                 </a:extLst>
               </a:tr>
-              <a:tr h="741807">
+              <a:tr h="523183">
                 <a:tc>
                   <a:txBody>
                     <a:bodyPr/>
@@ -5981,16 +10425,12 @@
                         <a:buNone/>
                       </a:pPr>
                       <a:r>
-                        <a:rPr sz="1400" dirty="0" err="1"/>
-                        <a:t>InternetServiceFiber</a:t>
-                      </a:r>
-                      <a:r>
-                        <a:rPr sz="1400" dirty="0"/>
-                        <a:t> optic</a:t>
+                        <a:rPr lang="en-US" sz="1300"/>
+                        <a:t>InternetServiceFiber optic</a:t>
                       </a:r>
                     </a:p>
                   </a:txBody>
-                  <a:tcPr marL="121920" marR="121920" marT="60960" marB="60960"/>
+                  <a:tcPr marL="108996" marR="108996" marT="54498" marB="54498"/>
                 </a:tc>
                 <a:tc>
                   <a:txBody>
@@ -6001,12 +10441,12 @@
                         <a:buNone/>
                       </a:pPr>
                       <a:r>
-                        <a:rPr sz="1400" dirty="0"/>
+                        <a:rPr lang="en-US" sz="1300"/>
                         <a:t>11.63</a:t>
                       </a:r>
                     </a:p>
                   </a:txBody>
-                  <a:tcPr marL="121920" marR="121920" marT="60960" marB="60960"/>
+                  <a:tcPr marL="108996" marR="108996" marT="54498" marB="54498"/>
                 </a:tc>
                 <a:tc>
                   <a:txBody>
@@ -6017,20 +10457,20 @@
                         <a:buNone/>
                       </a:pPr>
                       <a:r>
-                        <a:rPr sz="1400"/>
+                        <a:rPr lang="en-US" sz="1300"/>
                         <a:t>Fiber optic users are nearly </a:t>
                       </a:r>
                       <a:r>
-                        <a:rPr sz="1400" b="1"/>
+                        <a:rPr lang="en-US" sz="1300" b="1"/>
                         <a:t>12x more likely</a:t>
                       </a:r>
                       <a:r>
-                        <a:rPr sz="1400"/>
+                        <a:rPr lang="en-US" sz="1300"/>
                         <a:t> to churn than those with DSL.</a:t>
                       </a:r>
                     </a:p>
                   </a:txBody>
-                  <a:tcPr marL="121920" marR="121920" marT="60960" marB="60960"/>
+                  <a:tcPr marL="108996" marR="108996" marT="54498" marB="54498"/>
                 </a:tc>
                 <a:extLst>
                   <a:ext uri="{0D108BD9-81ED-4DB2-BD59-A6C34878D82A}">
@@ -6038,7 +10478,7 @@
                   </a:ext>
                 </a:extLst>
               </a:tr>
-              <a:tr h="534101">
+              <a:tr h="523183">
                 <a:tc>
                   <a:txBody>
                     <a:bodyPr/>
@@ -6048,12 +10488,12 @@
                         <a:buNone/>
                       </a:pPr>
                       <a:r>
-                        <a:rPr sz="1400"/>
+                        <a:rPr lang="en-US" sz="1300"/>
                         <a:t>OnlineBackupYes</a:t>
                       </a:r>
                     </a:p>
                   </a:txBody>
-                  <a:tcPr marL="121920" marR="121920" marT="60960" marB="60960"/>
+                  <a:tcPr marL="108996" marR="108996" marT="54498" marB="54498"/>
                 </a:tc>
                 <a:tc>
                   <a:txBody>
@@ -6064,12 +10504,12 @@
                         <a:buNone/>
                       </a:pPr>
                       <a:r>
-                        <a:rPr sz="1400"/>
+                        <a:rPr lang="en-US" sz="1300"/>
                         <a:t>1.26</a:t>
                       </a:r>
                     </a:p>
                   </a:txBody>
-                  <a:tcPr marL="121920" marR="121920" marT="60960" marB="60960"/>
+                  <a:tcPr marL="108996" marR="108996" marT="54498" marB="54498"/>
                 </a:tc>
                 <a:tc>
                   <a:txBody>
@@ -6080,20 +10520,20 @@
                         <a:buNone/>
                       </a:pPr>
                       <a:r>
-                        <a:rPr sz="1400" dirty="0"/>
+                        <a:rPr lang="en-US" sz="1300"/>
                         <a:t>Customers with online backup are </a:t>
                       </a:r>
                       <a:r>
-                        <a:rPr sz="1400" b="1" dirty="0"/>
+                        <a:rPr lang="en-US" sz="1300" b="1"/>
                         <a:t>26% more likely</a:t>
                       </a:r>
                       <a:r>
-                        <a:rPr sz="1400" dirty="0"/>
+                        <a:rPr lang="en-US" sz="1300"/>
                         <a:t> to churn.</a:t>
                       </a:r>
                     </a:p>
                   </a:txBody>
-                  <a:tcPr marL="121920" marR="121920" marT="60960" marB="60960"/>
+                  <a:tcPr marL="108996" marR="108996" marT="54498" marB="54498"/>
                 </a:tc>
                 <a:extLst>
                   <a:ext uri="{0D108BD9-81ED-4DB2-BD59-A6C34878D82A}">
@@ -6101,7 +10541,7 @@
                   </a:ext>
                 </a:extLst>
               </a:tr>
-              <a:tr h="534101">
+              <a:tr h="523183">
                 <a:tc>
                   <a:txBody>
                     <a:bodyPr/>
@@ -6111,12 +10551,12 @@
                         <a:buNone/>
                       </a:pPr>
                       <a:r>
-                        <a:rPr sz="1400"/>
+                        <a:rPr lang="en-US" sz="1300"/>
                         <a:t>DeviceProtectionYes</a:t>
                       </a:r>
                     </a:p>
                   </a:txBody>
-                  <a:tcPr marL="121920" marR="121920" marT="60960" marB="60960"/>
+                  <a:tcPr marL="108996" marR="108996" marT="54498" marB="54498"/>
                 </a:tc>
                 <a:tc>
                   <a:txBody>
@@ -6127,12 +10567,12 @@
                         <a:buNone/>
                       </a:pPr>
                       <a:r>
-                        <a:rPr sz="1400"/>
+                        <a:rPr lang="en-US" sz="1300"/>
                         <a:t>1.38</a:t>
                       </a:r>
                     </a:p>
                   </a:txBody>
-                  <a:tcPr marL="121920" marR="121920" marT="60960" marB="60960"/>
+                  <a:tcPr marL="108996" marR="108996" marT="54498" marB="54498"/>
                 </a:tc>
                 <a:tc>
                   <a:txBody>
@@ -6143,20 +10583,20 @@
                         <a:buNone/>
                       </a:pPr>
                       <a:r>
-                        <a:rPr sz="1400"/>
+                        <a:rPr lang="en-US" sz="1300"/>
                         <a:t>Customers with device protection are </a:t>
                       </a:r>
                       <a:r>
-                        <a:rPr sz="1400" b="1"/>
+                        <a:rPr lang="en-US" sz="1300" b="1"/>
                         <a:t>38% more likely</a:t>
                       </a:r>
                       <a:r>
-                        <a:rPr sz="1400"/>
+                        <a:rPr lang="en-US" sz="1300"/>
                         <a:t> to churn.</a:t>
                       </a:r>
                     </a:p>
                   </a:txBody>
-                  <a:tcPr marL="121920" marR="121920" marT="60960" marB="60960"/>
+                  <a:tcPr marL="108996" marR="108996" marT="54498" marB="54498"/>
                 </a:tc>
                 <a:extLst>
                   <a:ext uri="{0D108BD9-81ED-4DB2-BD59-A6C34878D82A}">
@@ -6164,7 +10604,7 @@
                   </a:ext>
                 </a:extLst>
               </a:tr>
-              <a:tr h="534101">
+              <a:tr h="332439">
                 <a:tc>
                   <a:txBody>
                     <a:bodyPr/>
@@ -6174,12 +10614,12 @@
                         <a:buNone/>
                       </a:pPr>
                       <a:r>
-                        <a:rPr sz="1400"/>
+                        <a:rPr lang="en-US" sz="1300"/>
                         <a:t>StreamingTVYes</a:t>
                       </a:r>
                     </a:p>
                   </a:txBody>
-                  <a:tcPr marL="121920" marR="121920" marT="60960" marB="60960"/>
+                  <a:tcPr marL="108996" marR="108996" marT="54498" marB="54498"/>
                 </a:tc>
                 <a:tc>
                   <a:txBody>
@@ -6190,12 +10630,12 @@
                         <a:buNone/>
                       </a:pPr>
                       <a:r>
-                        <a:rPr sz="1400"/>
+                        <a:rPr lang="en-US" sz="1300"/>
                         <a:t>2.47</a:t>
                       </a:r>
                     </a:p>
                   </a:txBody>
-                  <a:tcPr marL="121920" marR="121920" marT="60960" marB="60960"/>
+                  <a:tcPr marL="108996" marR="108996" marT="54498" marB="54498"/>
                 </a:tc>
                 <a:tc>
                   <a:txBody>
@@ -6206,20 +10646,20 @@
                         <a:buNone/>
                       </a:pPr>
                       <a:r>
-                        <a:rPr sz="1400"/>
+                        <a:rPr lang="en-US" sz="1300"/>
                         <a:t>Streaming TV users are </a:t>
                       </a:r>
                       <a:r>
-                        <a:rPr sz="1400" b="1"/>
+                        <a:rPr lang="en-US" sz="1300" b="1"/>
                         <a:t>2.5x more likely</a:t>
                       </a:r>
                       <a:r>
-                        <a:rPr sz="1400"/>
+                        <a:rPr lang="en-US" sz="1300"/>
                         <a:t> to churn.</a:t>
                       </a:r>
                     </a:p>
                   </a:txBody>
-                  <a:tcPr marL="121920" marR="121920" marT="60960" marB="60960"/>
+                  <a:tcPr marL="108996" marR="108996" marT="54498" marB="54498"/>
                 </a:tc>
                 <a:extLst>
                   <a:ext uri="{0D108BD9-81ED-4DB2-BD59-A6C34878D82A}">
@@ -6227,7 +10667,7 @@
                   </a:ext>
                 </a:extLst>
               </a:tr>
-              <a:tr h="534101">
+              <a:tr h="332439">
                 <a:tc>
                   <a:txBody>
                     <a:bodyPr/>
@@ -6237,12 +10677,12 @@
                         <a:buNone/>
                       </a:pPr>
                       <a:r>
-                        <a:rPr sz="1400"/>
+                        <a:rPr lang="en-US" sz="1300"/>
                         <a:t>StreamingMoviesYes</a:t>
                       </a:r>
                     </a:p>
                   </a:txBody>
-                  <a:tcPr marL="121920" marR="121920" marT="60960" marB="60960"/>
+                  <a:tcPr marL="108996" marR="108996" marT="54498" marB="54498"/>
                 </a:tc>
                 <a:tc>
                   <a:txBody>
@@ -6253,12 +10693,12 @@
                         <a:buNone/>
                       </a:pPr>
                       <a:r>
-                        <a:rPr sz="1400"/>
+                        <a:rPr lang="en-US" sz="1300"/>
                         <a:t>2.55</a:t>
                       </a:r>
                     </a:p>
                   </a:txBody>
-                  <a:tcPr marL="121920" marR="121920" marT="60960" marB="60960"/>
+                  <a:tcPr marL="108996" marR="108996" marT="54498" marB="54498"/>
                 </a:tc>
                 <a:tc>
                   <a:txBody>
@@ -6269,20 +10709,20 @@
                         <a:buNone/>
                       </a:pPr>
                       <a:r>
-                        <a:rPr sz="1400"/>
+                        <a:rPr lang="en-US" sz="1300"/>
                         <a:t>Streaming Movies users are </a:t>
                       </a:r>
                       <a:r>
-                        <a:rPr sz="1400" b="1"/>
+                        <a:rPr lang="en-US" sz="1300" b="1"/>
                         <a:t>2.6x more likely</a:t>
                       </a:r>
                       <a:r>
-                        <a:rPr sz="1400"/>
+                        <a:rPr lang="en-US" sz="1300"/>
                         <a:t> to churn.</a:t>
                       </a:r>
                     </a:p>
                   </a:txBody>
-                  <a:tcPr marL="121920" marR="121920" marT="60960" marB="60960"/>
+                  <a:tcPr marL="108996" marR="108996" marT="54498" marB="54498"/>
                 </a:tc>
                 <a:extLst>
                   <a:ext uri="{0D108BD9-81ED-4DB2-BD59-A6C34878D82A}">
@@ -6290,7 +10730,7 @@
                   </a:ext>
                 </a:extLst>
               </a:tr>
-              <a:tr h="534101">
+              <a:tr h="332439">
                 <a:tc>
                   <a:txBody>
                     <a:bodyPr/>
@@ -6300,12 +10740,12 @@
                         <a:buNone/>
                       </a:pPr>
                       <a:r>
-                        <a:rPr sz="1400"/>
+                        <a:rPr lang="en-US" sz="1300"/>
                         <a:t>PaperlessBillingYes</a:t>
                       </a:r>
                     </a:p>
                   </a:txBody>
-                  <a:tcPr marL="121920" marR="121920" marT="60960" marB="60960"/>
+                  <a:tcPr marL="108996" marR="108996" marT="54498" marB="54498"/>
                 </a:tc>
                 <a:tc>
                   <a:txBody>
@@ -6316,12 +10756,12 @@
                         <a:buNone/>
                       </a:pPr>
                       <a:r>
-                        <a:rPr sz="1400"/>
+                        <a:rPr lang="en-US" sz="1300"/>
                         <a:t>1.34</a:t>
                       </a:r>
                     </a:p>
                   </a:txBody>
-                  <a:tcPr marL="121920" marR="121920" marT="60960" marB="60960"/>
+                  <a:tcPr marL="108996" marR="108996" marT="54498" marB="54498"/>
                 </a:tc>
                 <a:tc>
                   <a:txBody>
@@ -6332,20 +10772,20 @@
                         <a:buNone/>
                       </a:pPr>
                       <a:r>
-                        <a:rPr sz="1400"/>
+                        <a:rPr lang="en-US" sz="1300"/>
                         <a:t>Paperless billing customers are </a:t>
                       </a:r>
                       <a:r>
-                        <a:rPr sz="1400" b="1"/>
+                        <a:rPr lang="en-US" sz="1300" b="1"/>
                         <a:t>34% more likely</a:t>
                       </a:r>
                       <a:r>
-                        <a:rPr sz="1400"/>
+                        <a:rPr lang="en-US" sz="1300"/>
                         <a:t> to churn.</a:t>
                       </a:r>
                     </a:p>
                   </a:txBody>
-                  <a:tcPr marL="121920" marR="121920" marT="60960" marB="60960"/>
+                  <a:tcPr marL="108996" marR="108996" marT="54498" marB="54498"/>
                 </a:tc>
                 <a:extLst>
                   <a:ext uri="{0D108BD9-81ED-4DB2-BD59-A6C34878D82A}">
@@ -6353,7 +10793,7 @@
                   </a:ext>
                 </a:extLst>
               </a:tr>
-              <a:tr h="781713">
+              <a:tr h="523183">
                 <a:tc>
                   <a:txBody>
                     <a:bodyPr/>
@@ -6363,12 +10803,12 @@
                         <a:buNone/>
                       </a:pPr>
                       <a:r>
-                        <a:rPr sz="1400"/>
+                        <a:rPr lang="en-US" sz="1300"/>
                         <a:t>PaymentMethodElectronic check</a:t>
                       </a:r>
                     </a:p>
                   </a:txBody>
-                  <a:tcPr marL="121920" marR="121920" marT="60960" marB="60960"/>
+                  <a:tcPr marL="108996" marR="108996" marT="54498" marB="54498"/>
                 </a:tc>
                 <a:tc>
                   <a:txBody>
@@ -6379,12 +10819,12 @@
                         <a:buNone/>
                       </a:pPr>
                       <a:r>
-                        <a:rPr sz="1400"/>
+                        <a:rPr lang="en-US" sz="1300"/>
                         <a:t>1.26</a:t>
                       </a:r>
                     </a:p>
                   </a:txBody>
-                  <a:tcPr marL="121920" marR="121920" marT="60960" marB="60960"/>
+                  <a:tcPr marL="108996" marR="108996" marT="54498" marB="54498"/>
                 </a:tc>
                 <a:tc>
                   <a:txBody>
@@ -6395,20 +10835,20 @@
                         <a:buNone/>
                       </a:pPr>
                       <a:r>
-                        <a:rPr sz="1400"/>
+                        <a:rPr lang="en-US" sz="1300"/>
                         <a:t>Paying by electronic check increases churn odds by over </a:t>
                       </a:r>
                       <a:r>
-                        <a:rPr sz="1400" b="1"/>
+                        <a:rPr lang="en-US" sz="1300" b="1"/>
                         <a:t>25%</a:t>
                       </a:r>
                       <a:r>
-                        <a:rPr sz="1400"/>
+                        <a:rPr lang="en-US" sz="1300"/>
                         <a:t> compared to Bank Transfer.</a:t>
                       </a:r>
                     </a:p>
                   </a:txBody>
-                  <a:tcPr marL="121920" marR="121920" marT="60960" marB="60960"/>
+                  <a:tcPr marL="108996" marR="108996" marT="54498" marB="54498"/>
                 </a:tc>
                 <a:extLst>
                   <a:ext uri="{0D108BD9-81ED-4DB2-BD59-A6C34878D82A}">
@@ -6416,7 +10856,7 @@
                   </a:ext>
                 </a:extLst>
               </a:tr>
-              <a:tr h="781713">
+              <a:tr h="523183">
                 <a:tc>
                   <a:txBody>
                     <a:bodyPr/>
@@ -6426,13 +10866,12 @@
                         <a:buNone/>
                       </a:pPr>
                       <a:r>
-                        <a:rPr sz="1400" dirty="0" err="1"/>
+                        <a:rPr lang="en-US" sz="1300"/>
                         <a:t>tenure:TotalCharges</a:t>
                       </a:r>
-                      <a:endParaRPr sz="1400" dirty="0"/>
                     </a:p>
                   </a:txBody>
-                  <a:tcPr marL="121920" marR="121920" marT="60960" marB="60960"/>
+                  <a:tcPr marL="108996" marR="108996" marT="54498" marB="54498"/>
                 </a:tc>
                 <a:tc>
                   <a:txBody>
@@ -6443,12 +10882,12 @@
                         <a:buNone/>
                       </a:pPr>
                       <a:r>
-                        <a:rPr sz="1400"/>
+                        <a:rPr lang="en-US" sz="1300"/>
                         <a:t>1 + 3.87e-06</a:t>
                       </a:r>
                     </a:p>
                   </a:txBody>
-                  <a:tcPr marL="121920" marR="121920" marT="60960" marB="60960"/>
+                  <a:tcPr marL="108996" marR="108996" marT="54498" marB="54498"/>
                 </a:tc>
                 <a:tc>
                   <a:txBody>
@@ -6459,12 +10898,12 @@
                         <a:buNone/>
                       </a:pPr>
                       <a:r>
-                        <a:rPr sz="1400" dirty="0"/>
+                        <a:rPr lang="en-US" sz="1300"/>
                         <a:t>As both tenure and Total Charges increase, the odds of churn increase by a small amount.</a:t>
                       </a:r>
                     </a:p>
                   </a:txBody>
-                  <a:tcPr marL="121920" marR="121920" marT="60960" marB="60960"/>
+                  <a:tcPr marL="108996" marR="108996" marT="54498" marB="54498"/>
                 </a:tc>
                 <a:extLst>
                   <a:ext uri="{0D108BD9-81ED-4DB2-BD59-A6C34878D82A}">
@@ -6476,10 +10915,40 @@
           </a:graphicData>
         </a:graphic>
       </p:graphicFrame>
+      <p:pic>
+        <p:nvPicPr>
+          <p:cNvPr id="3" name="Picture 2">
+            <a:extLst>
+              <a:ext uri="{FF2B5EF4-FFF2-40B4-BE49-F238E27FC236}">
+                <a16:creationId xmlns:a16="http://schemas.microsoft.com/office/drawing/2014/main" id="{9A6902E8-AC60-5E61-6CEA-151D691C78DC}"/>
+              </a:ext>
+            </a:extLst>
+          </p:cNvPr>
+          <p:cNvPicPr>
+            <a:picLocks noChangeAspect="1"/>
+          </p:cNvPicPr>
+          <p:nvPr/>
+        </p:nvPicPr>
+        <p:blipFill>
+          <a:blip r:embed="rId3"/>
+          <a:stretch>
+            <a:fillRect/>
+          </a:stretch>
+        </p:blipFill>
+        <p:spPr>
+          <a:xfrm>
+            <a:off x="4165605" y="275910"/>
+            <a:ext cx="2100284" cy="1505864"/>
+          </a:xfrm>
+          <a:prstGeom prst="rect">
+            <a:avLst/>
+          </a:prstGeom>
+        </p:spPr>
+      </p:pic>
     </p:spTree>
   </p:cSld>
   <p:clrMapOvr>
-    <a:overrideClrMapping bg1="dk1" tx1="lt1" bg2="dk2" tx2="lt2" accent1="accent1" accent2="accent2" accent3="accent3" accent4="accent4" accent5="accent5" accent6="accent6" hlink="hlink" folHlink="folHlink"/>
+    <a:masterClrMapping/>
   </p:clrMapOvr>
 </p:sld>
 </file>
@@ -6509,496 +10978,85 @@
           <a:chExt cx="0" cy="0"/>
         </a:xfrm>
       </p:grpSpPr>
-      <p:graphicFrame>
-        <p:nvGraphicFramePr>
-          <p:cNvPr id="6" name="Content Placeholder 5"/>
-          <p:cNvGraphicFramePr>
-            <a:graphicFrameLocks noGrp="1"/>
-          </p:cNvGraphicFramePr>
+      <p:sp>
+        <p:nvSpPr>
+          <p:cNvPr id="11" name="Rectangle 10">
+            <a:extLst>
+              <a:ext uri="{FF2B5EF4-FFF2-40B4-BE49-F238E27FC236}">
+                <a16:creationId xmlns:a16="http://schemas.microsoft.com/office/drawing/2014/main" id="{353CF00F-82D0-0DBA-75D5-1D01B4526C68}"/>
+              </a:ext>
+              <a:ext uri="{C183D7F6-B498-43B3-948B-1728B52AA6E4}">
+                <adec:decorative xmlns:adec="http://schemas.microsoft.com/office/drawing/2017/decorative" val="1"/>
+              </a:ext>
+            </a:extLst>
+          </p:cNvPr>
+          <p:cNvSpPr>
+            <a:spLocks noGrp="1" noRot="1" noChangeAspect="1" noMove="1" noResize="1" noEditPoints="1" noAdjustHandles="1" noChangeArrowheads="1" noChangeShapeType="1" noTextEdit="1"/>
+          </p:cNvSpPr>
           <p:nvPr>
-            <p:ph idx="1"/>
             <p:extLst>
-              <p:ext uri="{D42A27DB-BD31-4B8C-83A1-F6EECF244321}">
-                <p14:modId xmlns:p14="http://schemas.microsoft.com/office/powerpoint/2010/main" val="1906773398"/>
+              <p:ext uri="{386F3935-93C4-4BCD-93E2-E3B085C9AB24}">
+                <p16:designElem xmlns:p16="http://schemas.microsoft.com/office/powerpoint/2015/main" val="1"/>
               </p:ext>
             </p:extLst>
           </p:nvPr>
-        </p:nvGraphicFramePr>
-        <p:xfrm>
-          <a:off x="299522" y="710496"/>
-          <a:ext cx="11077902" cy="4472298"/>
-        </p:xfrm>
-        <a:graphic>
-          <a:graphicData uri="http://schemas.openxmlformats.org/drawingml/2006/table">
-            <a:tbl>
-              <a:tblPr firstRow="1" bandRow="1">
-                <a:tableStyleId>{5C22544A-7EE6-4342-B048-85BDC9FD1C3A}</a:tableStyleId>
-              </a:tblPr>
-              <a:tblGrid>
-                <a:gridCol w="3692634">
-                  <a:extLst>
-                    <a:ext uri="{9D8B030D-6E8A-4147-A177-3AD203B41FA5}">
-                      <a16:colId xmlns:a16="http://schemas.microsoft.com/office/drawing/2014/main" val="20000"/>
-                    </a:ext>
-                  </a:extLst>
-                </a:gridCol>
-                <a:gridCol w="3692634">
-                  <a:extLst>
-                    <a:ext uri="{9D8B030D-6E8A-4147-A177-3AD203B41FA5}">
-                      <a16:colId xmlns:a16="http://schemas.microsoft.com/office/drawing/2014/main" val="20001"/>
-                    </a:ext>
-                  </a:extLst>
-                </a:gridCol>
-                <a:gridCol w="3692634">
-                  <a:extLst>
-                    <a:ext uri="{9D8B030D-6E8A-4147-A177-3AD203B41FA5}">
-                      <a16:colId xmlns:a16="http://schemas.microsoft.com/office/drawing/2014/main" val="20002"/>
-                    </a:ext>
-                  </a:extLst>
-                </a:gridCol>
-              </a:tblGrid>
-              <a:tr h="204339">
-                <a:tc>
-                  <a:txBody>
-                    <a:bodyPr/>
-                    <a:lstStyle/>
-                    <a:p>
-                      <a:pPr marL="0" lvl="0" indent="0" algn="l">
-                        <a:buNone/>
-                      </a:pPr>
-                      <a:r>
-                        <a:rPr sz="2400" dirty="0"/>
-                        <a:t>Predictor</a:t>
-                      </a:r>
-                    </a:p>
-                  </a:txBody>
-                  <a:tcPr marL="121920" marR="121920" marT="60960" marB="60960"/>
-                </a:tc>
-                <a:tc>
-                  <a:txBody>
-                    <a:bodyPr/>
-                    <a:lstStyle/>
-                    <a:p>
-                      <a:pPr marL="0" lvl="0" indent="0" algn="l">
-                        <a:buNone/>
-                      </a:pPr>
-                      <a:r>
-                        <a:rPr sz="2400"/>
-                        <a:t>Odds Effect</a:t>
-                      </a:r>
-                    </a:p>
-                  </a:txBody>
-                  <a:tcPr marL="121920" marR="121920" marT="60960" marB="60960"/>
-                </a:tc>
-                <a:tc>
-                  <a:txBody>
-                    <a:bodyPr/>
-                    <a:lstStyle/>
-                    <a:p>
-                      <a:pPr marL="0" lvl="0" indent="0" algn="l">
-                        <a:buNone/>
-                      </a:pPr>
-                      <a:r>
-                        <a:rPr sz="2400"/>
-                        <a:t>Interpretation</a:t>
-                      </a:r>
-                    </a:p>
-                  </a:txBody>
-                  <a:tcPr marL="121920" marR="121920" marT="60960" marB="60960"/>
-                </a:tc>
-                <a:extLst>
-                  <a:ext uri="{0D108BD9-81ED-4DB2-BD59-A6C34878D82A}">
-                    <a16:rowId xmlns:a16="http://schemas.microsoft.com/office/drawing/2014/main" val="10000"/>
-                  </a:ext>
-                </a:extLst>
-              </a:tr>
-              <a:tr h="664103">
-                <a:tc>
-                  <a:txBody>
-                    <a:bodyPr/>
-                    <a:lstStyle/>
-                    <a:p>
-                      <a:pPr marL="0" lvl="0" indent="0" algn="l">
-                        <a:buNone/>
-                      </a:pPr>
-                      <a:r>
-                        <a:rPr sz="1400"/>
-                        <a:t>DependentsYes</a:t>
-                      </a:r>
-                    </a:p>
-                  </a:txBody>
-                  <a:tcPr marL="121920" marR="121920" marT="60960" marB="60960"/>
-                </a:tc>
-                <a:tc>
-                  <a:txBody>
-                    <a:bodyPr/>
-                    <a:lstStyle/>
-                    <a:p>
-                      <a:pPr marL="0" lvl="0" indent="0" algn="l">
-                        <a:buNone/>
-                      </a:pPr>
-                      <a:r>
-                        <a:rPr sz="1400"/>
-                        <a:t>0.81</a:t>
-                      </a:r>
-                    </a:p>
-                  </a:txBody>
-                  <a:tcPr marL="121920" marR="121920" marT="60960" marB="60960"/>
-                </a:tc>
-                <a:tc>
-                  <a:txBody>
-                    <a:bodyPr/>
-                    <a:lstStyle/>
-                    <a:p>
-                      <a:pPr marL="0" lvl="0" indent="0" algn="l">
-                        <a:buNone/>
-                      </a:pPr>
-                      <a:r>
-                        <a:rPr sz="1400"/>
-                        <a:t>Customers with dependents are </a:t>
-                      </a:r>
-                      <a:r>
-                        <a:rPr sz="1400" b="1"/>
-                        <a:t>19% less likely</a:t>
-                      </a:r>
-                      <a:r>
-                        <a:rPr sz="1400"/>
-                        <a:t> to churn than those without.</a:t>
-                      </a:r>
-                    </a:p>
-                  </a:txBody>
-                  <a:tcPr marL="121920" marR="121920" marT="60960" marB="60960"/>
-                </a:tc>
-                <a:extLst>
-                  <a:ext uri="{0D108BD9-81ED-4DB2-BD59-A6C34878D82A}">
-                    <a16:rowId xmlns:a16="http://schemas.microsoft.com/office/drawing/2014/main" val="10001"/>
-                  </a:ext>
-                </a:extLst>
-              </a:tr>
-              <a:tr h="664103">
-                <a:tc>
-                  <a:txBody>
-                    <a:bodyPr/>
-                    <a:lstStyle/>
-                    <a:p>
-                      <a:pPr marL="0" lvl="0" indent="0" algn="l">
-                        <a:buNone/>
-                      </a:pPr>
-                      <a:r>
-                        <a:rPr sz="1400"/>
-                        <a:t>InternetServiceNo</a:t>
-                      </a:r>
-                    </a:p>
-                  </a:txBody>
-                  <a:tcPr marL="121920" marR="121920" marT="60960" marB="60960"/>
-                </a:tc>
-                <a:tc>
-                  <a:txBody>
-                    <a:bodyPr/>
-                    <a:lstStyle/>
-                    <a:p>
-                      <a:pPr marL="0" lvl="0" indent="0" algn="l">
-                        <a:buNone/>
-                      </a:pPr>
-                      <a:r>
-                        <a:rPr sz="1400"/>
-                        <a:t>0.10</a:t>
-                      </a:r>
-                    </a:p>
-                  </a:txBody>
-                  <a:tcPr marL="121920" marR="121920" marT="60960" marB="60960"/>
-                </a:tc>
-                <a:tc>
-                  <a:txBody>
-                    <a:bodyPr/>
-                    <a:lstStyle/>
-                    <a:p>
-                      <a:pPr marL="0" lvl="0" indent="0" algn="l">
-                        <a:buNone/>
-                      </a:pPr>
-                      <a:r>
-                        <a:rPr sz="1400"/>
-                        <a:t>Customers with no internet service are </a:t>
-                      </a:r>
-                      <a:r>
-                        <a:rPr sz="1400" b="1"/>
-                        <a:t>much less likely</a:t>
-                      </a:r>
-                      <a:r>
-                        <a:rPr sz="1400"/>
-                        <a:t> to churn than those with.</a:t>
-                      </a:r>
-                    </a:p>
-                  </a:txBody>
-                  <a:tcPr marL="121920" marR="121920" marT="60960" marB="60960"/>
-                </a:tc>
-                <a:extLst>
-                  <a:ext uri="{0D108BD9-81ED-4DB2-BD59-A6C34878D82A}">
-                    <a16:rowId xmlns:a16="http://schemas.microsoft.com/office/drawing/2014/main" val="10002"/>
-                  </a:ext>
-                </a:extLst>
-              </a:tr>
-              <a:tr h="664103">
-                <a:tc>
-                  <a:txBody>
-                    <a:bodyPr/>
-                    <a:lstStyle/>
-                    <a:p>
-                      <a:pPr marL="0" lvl="0" indent="0" algn="l">
-                        <a:buNone/>
-                      </a:pPr>
-                      <a:r>
-                        <a:rPr sz="1400" dirty="0" err="1"/>
-                        <a:t>ContractOne</a:t>
-                      </a:r>
-                      <a:r>
-                        <a:rPr sz="1400" dirty="0"/>
-                        <a:t> year</a:t>
-                      </a:r>
-                    </a:p>
-                  </a:txBody>
-                  <a:tcPr marL="121920" marR="121920" marT="60960" marB="60960"/>
-                </a:tc>
-                <a:tc>
-                  <a:txBody>
-                    <a:bodyPr/>
-                    <a:lstStyle/>
-                    <a:p>
-                      <a:pPr marL="0" lvl="0" indent="0" algn="l">
-                        <a:buNone/>
-                      </a:pPr>
-                      <a:r>
-                        <a:rPr sz="1400"/>
-                        <a:t>0.45</a:t>
-                      </a:r>
-                    </a:p>
-                  </a:txBody>
-                  <a:tcPr marL="121920" marR="121920" marT="60960" marB="60960"/>
-                </a:tc>
-                <a:tc>
-                  <a:txBody>
-                    <a:bodyPr/>
-                    <a:lstStyle/>
-                    <a:p>
-                      <a:pPr marL="0" lvl="0" indent="0" algn="l">
-                        <a:buNone/>
-                      </a:pPr>
-                      <a:r>
-                        <a:rPr sz="1400"/>
-                        <a:t>One-year contract customers are </a:t>
-                      </a:r>
-                      <a:r>
-                        <a:rPr sz="1400" b="1"/>
-                        <a:t>55% less likely</a:t>
-                      </a:r>
-                      <a:r>
-                        <a:rPr sz="1400"/>
-                        <a:t> to churn than month to month.</a:t>
-                      </a:r>
-                    </a:p>
-                  </a:txBody>
-                  <a:tcPr marL="121920" marR="121920" marT="60960" marB="60960"/>
-                </a:tc>
-                <a:extLst>
-                  <a:ext uri="{0D108BD9-81ED-4DB2-BD59-A6C34878D82A}">
-                    <a16:rowId xmlns:a16="http://schemas.microsoft.com/office/drawing/2014/main" val="10003"/>
-                  </a:ext>
-                </a:extLst>
-              </a:tr>
-              <a:tr h="664103">
-                <a:tc>
-                  <a:txBody>
-                    <a:bodyPr/>
-                    <a:lstStyle/>
-                    <a:p>
-                      <a:pPr marL="0" lvl="0" indent="0" algn="l">
-                        <a:buNone/>
-                      </a:pPr>
-                      <a:r>
-                        <a:rPr sz="1400"/>
-                        <a:t>ContractTwo year</a:t>
-                      </a:r>
-                    </a:p>
-                  </a:txBody>
-                  <a:tcPr marL="121920" marR="121920" marT="60960" marB="60960"/>
-                </a:tc>
-                <a:tc>
-                  <a:txBody>
-                    <a:bodyPr/>
-                    <a:lstStyle/>
-                    <a:p>
-                      <a:pPr marL="0" lvl="0" indent="0" algn="l">
-                        <a:buNone/>
-                      </a:pPr>
-                      <a:r>
-                        <a:rPr sz="1400"/>
-                        <a:t>0.19</a:t>
-                      </a:r>
-                    </a:p>
-                  </a:txBody>
-                  <a:tcPr marL="121920" marR="121920" marT="60960" marB="60960"/>
-                </a:tc>
-                <a:tc>
-                  <a:txBody>
-                    <a:bodyPr/>
-                    <a:lstStyle/>
-                    <a:p>
-                      <a:pPr marL="0" lvl="0" indent="0" algn="l">
-                        <a:buNone/>
-                      </a:pPr>
-                      <a:r>
-                        <a:rPr sz="1400"/>
-                        <a:t>Two-year contract customers are </a:t>
-                      </a:r>
-                      <a:r>
-                        <a:rPr sz="1400" b="1"/>
-                        <a:t>81% less likely</a:t>
-                      </a:r>
-                      <a:r>
-                        <a:rPr sz="1400"/>
-                        <a:t> to churn than month to month.</a:t>
-                      </a:r>
-                    </a:p>
-                  </a:txBody>
-                  <a:tcPr marL="121920" marR="121920" marT="60960" marB="60960"/>
-                </a:tc>
-                <a:extLst>
-                  <a:ext uri="{0D108BD9-81ED-4DB2-BD59-A6C34878D82A}">
-                    <a16:rowId xmlns:a16="http://schemas.microsoft.com/office/drawing/2014/main" val="10004"/>
-                  </a:ext>
-                </a:extLst>
-              </a:tr>
-              <a:tr h="664103">
-                <a:tc>
-                  <a:txBody>
-                    <a:bodyPr/>
-                    <a:lstStyle/>
-                    <a:p>
-                      <a:pPr marL="0" lvl="0" indent="0" algn="l">
-                        <a:buNone/>
-                      </a:pPr>
-                      <a:r>
-                        <a:rPr sz="1400"/>
-                        <a:t>PaymentMethodMailed check</a:t>
-                      </a:r>
-                    </a:p>
-                  </a:txBody>
-                  <a:tcPr marL="121920" marR="121920" marT="60960" marB="60960"/>
-                </a:tc>
-                <a:tc>
-                  <a:txBody>
-                    <a:bodyPr/>
-                    <a:lstStyle/>
-                    <a:p>
-                      <a:pPr marL="0" lvl="0" indent="0" algn="l">
-                        <a:buNone/>
-                      </a:pPr>
-                      <a:r>
-                        <a:rPr sz="1400"/>
-                        <a:t>0.83</a:t>
-                      </a:r>
-                    </a:p>
-                  </a:txBody>
-                  <a:tcPr marL="121920" marR="121920" marT="60960" marB="60960"/>
-                </a:tc>
-                <a:tc>
-                  <a:txBody>
-                    <a:bodyPr/>
-                    <a:lstStyle/>
-                    <a:p>
-                      <a:pPr marL="0" lvl="0" indent="0" algn="l">
-                        <a:buNone/>
-                      </a:pPr>
-                      <a:r>
-                        <a:rPr sz="1400"/>
-                        <a:t>Paying by mailed check slightly </a:t>
-                      </a:r>
-                      <a:r>
-                        <a:rPr sz="1400" b="1"/>
-                        <a:t>reduces</a:t>
-                      </a:r>
-                      <a:r>
-                        <a:rPr sz="1400"/>
-                        <a:t> churn risk compared to Bank Transfer.</a:t>
-                      </a:r>
-                    </a:p>
-                  </a:txBody>
-                  <a:tcPr marL="121920" marR="121920" marT="60960" marB="60960"/>
-                </a:tc>
-                <a:extLst>
-                  <a:ext uri="{0D108BD9-81ED-4DB2-BD59-A6C34878D82A}">
-                    <a16:rowId xmlns:a16="http://schemas.microsoft.com/office/drawing/2014/main" val="10005"/>
-                  </a:ext>
-                </a:extLst>
-              </a:tr>
-              <a:tr h="664103">
-                <a:tc>
-                  <a:txBody>
-                    <a:bodyPr/>
-                    <a:lstStyle/>
-                    <a:p>
-                      <a:pPr marL="0" lvl="0" indent="0" algn="l">
-                        <a:buNone/>
-                      </a:pPr>
-                      <a:r>
-                        <a:rPr sz="1400" dirty="0" err="1"/>
-                        <a:t>MonthlyCharges</a:t>
-                      </a:r>
-                      <a:endParaRPr sz="1400" dirty="0"/>
-                    </a:p>
-                  </a:txBody>
-                  <a:tcPr marL="121920" marR="121920" marT="60960" marB="60960"/>
-                </a:tc>
-                <a:tc>
-                  <a:txBody>
-                    <a:bodyPr/>
-                    <a:lstStyle/>
-                    <a:p>
-                      <a:pPr marL="0" lvl="0" indent="0" algn="l">
-                        <a:buNone/>
-                      </a:pPr>
-                      <a:r>
-                        <a:rPr sz="1400"/>
-                        <a:t>0.94</a:t>
-                      </a:r>
-                    </a:p>
-                  </a:txBody>
-                  <a:tcPr marL="121920" marR="121920" marT="60960" marB="60960"/>
-                </a:tc>
-                <a:tc>
-                  <a:txBody>
-                    <a:bodyPr/>
-                    <a:lstStyle/>
-                    <a:p>
-                      <a:pPr marL="0" lvl="0" indent="0" algn="l">
-                        <a:buNone/>
-                      </a:pPr>
-                      <a:r>
-                        <a:rPr sz="1400" dirty="0"/>
-                        <a:t>Slight effect — higher monthly charges very slightly </a:t>
-                      </a:r>
-                      <a:r>
-                        <a:rPr sz="1400" b="1" dirty="0"/>
-                        <a:t>decrease</a:t>
-                      </a:r>
-                      <a:r>
-                        <a:rPr sz="1400" dirty="0"/>
-                        <a:t> churn risk.</a:t>
-                      </a:r>
-                    </a:p>
-                  </a:txBody>
-                  <a:tcPr marL="121920" marR="121920" marT="60960" marB="60960"/>
-                </a:tc>
-                <a:extLst>
-                  <a:ext uri="{0D108BD9-81ED-4DB2-BD59-A6C34878D82A}">
-                    <a16:rowId xmlns:a16="http://schemas.microsoft.com/office/drawing/2014/main" val="10006"/>
-                  </a:ext>
-                </a:extLst>
-              </a:tr>
-            </a:tbl>
-          </a:graphicData>
-        </a:graphic>
-      </p:graphicFrame>
+        </p:nvSpPr>
+        <p:spPr>
+          <a:xfrm>
+            <a:off x="0" y="0"/>
+            <a:ext cx="12192000" cy="6858000"/>
+          </a:xfrm>
+          <a:prstGeom prst="rect">
+            <a:avLst/>
+          </a:prstGeom>
+          <a:solidFill>
+            <a:schemeClr val="bg1"/>
+          </a:solidFill>
+          <a:ln w="12700" cap="flat" cmpd="sng" algn="ctr">
+            <a:noFill/>
+            <a:prstDash val="solid"/>
+            <a:miter lim="800000"/>
+          </a:ln>
+          <a:effectLst/>
+          <a:extLst>
+            <a:ext uri="{91240B29-F687-4F45-9708-019B960494DF}">
+              <a14:hiddenLine xmlns:a14="http://schemas.microsoft.com/office/drawing/2010/main" w="12700" cap="flat" cmpd="sng" algn="ctr">
+                <a:solidFill>
+                  <a:schemeClr val="accent1">
+                    <a:shade val="15000"/>
+                  </a:schemeClr>
+                </a:solidFill>
+                <a:prstDash val="solid"/>
+                <a:miter lim="800000"/>
+              </a14:hiddenLine>
+            </a:ext>
+          </a:extLst>
+        </p:spPr>
+        <p:style>
+          <a:lnRef idx="2">
+            <a:schemeClr val="accent1">
+              <a:shade val="15000"/>
+            </a:schemeClr>
+          </a:lnRef>
+          <a:fillRef idx="1">
+            <a:schemeClr val="accent1"/>
+          </a:fillRef>
+          <a:effectRef idx="0">
+            <a:schemeClr val="accent1"/>
+          </a:effectRef>
+          <a:fontRef idx="minor">
+            <a:schemeClr val="lt1"/>
+          </a:fontRef>
+        </p:style>
+        <p:txBody>
+          <a:bodyPr rtlCol="0" anchor="ctr"/>
+          <a:lstStyle/>
+          <a:p>
+            <a:pPr algn="ctr"/>
+            <a:endParaRPr lang="en-US"/>
+          </a:p>
+        </p:txBody>
+      </p:sp>
       <p:sp>
         <p:nvSpPr>
           <p:cNvPr id="3" name="Title 1">
@@ -7015,8 +11073,8 @@
         </p:nvSpPr>
         <p:spPr>
           <a:xfrm>
-            <a:off x="299522" y="144367"/>
-            <a:ext cx="10653578" cy="1132258"/>
+            <a:off x="612648" y="548640"/>
+            <a:ext cx="10945037" cy="1133856"/>
           </a:xfrm>
           <a:prstGeom prst="rect">
             <a:avLst/>
@@ -7046,17 +11104,549 @@
             </a:lvl1pPr>
           </a:lstStyle>
           <a:p>
-            <a:r>
-              <a:rPr lang="en-US"/>
+            <a:pPr>
+              <a:spcAft>
+                <a:spcPts val="600"/>
+              </a:spcAft>
+            </a:pPr>
+            <a:r>
+              <a:rPr lang="en-US" b="1" kern="1200">
+                <a:solidFill>
+                  <a:schemeClr val="tx1"/>
+                </a:solidFill>
+                <a:latin typeface="+mj-lt"/>
+                <a:ea typeface="+mj-ea"/>
+                <a:cs typeface="+mj-cs"/>
+              </a:rPr>
               <a:t>Odds Ratio</a:t>
             </a:r>
           </a:p>
         </p:txBody>
       </p:sp>
+      <p:graphicFrame>
+        <p:nvGraphicFramePr>
+          <p:cNvPr id="6" name="Content Placeholder 5"/>
+          <p:cNvGraphicFramePr>
+            <a:graphicFrameLocks noGrp="1"/>
+          </p:cNvGraphicFramePr>
+          <p:nvPr>
+            <p:ph idx="1"/>
+            <p:extLst>
+              <p:ext uri="{D42A27DB-BD31-4B8C-83A1-F6EECF244321}">
+                <p14:modId xmlns:p14="http://schemas.microsoft.com/office/powerpoint/2010/main" val="432171748"/>
+              </p:ext>
+            </p:extLst>
+          </p:nvPr>
+        </p:nvGraphicFramePr>
+        <p:xfrm>
+          <a:off x="612648" y="2080929"/>
+          <a:ext cx="10945037" cy="4014602"/>
+        </p:xfrm>
+        <a:graphic>
+          <a:graphicData uri="http://schemas.openxmlformats.org/drawingml/2006/table">
+            <a:tbl>
+              <a:tblPr firstRow="1" bandRow="1">
+                <a:tableStyleId>{5C22544A-7EE6-4342-B048-85BDC9FD1C3A}</a:tableStyleId>
+              </a:tblPr>
+              <a:tblGrid>
+                <a:gridCol w="3673460">
+                  <a:extLst>
+                    <a:ext uri="{9D8B030D-6E8A-4147-A177-3AD203B41FA5}">
+                      <a16:colId xmlns:a16="http://schemas.microsoft.com/office/drawing/2014/main" val="20000"/>
+                    </a:ext>
+                  </a:extLst>
+                </a:gridCol>
+                <a:gridCol w="3484834">
+                  <a:extLst>
+                    <a:ext uri="{9D8B030D-6E8A-4147-A177-3AD203B41FA5}">
+                      <a16:colId xmlns:a16="http://schemas.microsoft.com/office/drawing/2014/main" val="20001"/>
+                    </a:ext>
+                  </a:extLst>
+                </a:gridCol>
+                <a:gridCol w="3786743">
+                  <a:extLst>
+                    <a:ext uri="{9D8B030D-6E8A-4147-A177-3AD203B41FA5}">
+                      <a16:colId xmlns:a16="http://schemas.microsoft.com/office/drawing/2014/main" val="20002"/>
+                    </a:ext>
+                  </a:extLst>
+                </a:gridCol>
+              </a:tblGrid>
+              <a:tr h="521534">
+                <a:tc>
+                  <a:txBody>
+                    <a:bodyPr/>
+                    <a:lstStyle/>
+                    <a:p>
+                      <a:pPr marL="0" lvl="0" indent="0" algn="l">
+                        <a:buNone/>
+                      </a:pPr>
+                      <a:r>
+                        <a:rPr sz="2400" dirty="0"/>
+                        <a:t>Predictor</a:t>
+                      </a:r>
+                    </a:p>
+                  </a:txBody>
+                  <a:tcPr marL="121287" marR="121287" marT="60643" marB="60643"/>
+                </a:tc>
+                <a:tc>
+                  <a:txBody>
+                    <a:bodyPr/>
+                    <a:lstStyle/>
+                    <a:p>
+                      <a:pPr marL="0" lvl="0" indent="0" algn="l">
+                        <a:buNone/>
+                      </a:pPr>
+                      <a:r>
+                        <a:rPr sz="2400"/>
+                        <a:t>Odds Effect</a:t>
+                      </a:r>
+                    </a:p>
+                  </a:txBody>
+                  <a:tcPr marL="121287" marR="121287" marT="60643" marB="60643"/>
+                </a:tc>
+                <a:tc>
+                  <a:txBody>
+                    <a:bodyPr/>
+                    <a:lstStyle/>
+                    <a:p>
+                      <a:pPr marL="0" lvl="0" indent="0" algn="l">
+                        <a:buNone/>
+                      </a:pPr>
+                      <a:r>
+                        <a:rPr sz="2400"/>
+                        <a:t>Interpretation</a:t>
+                      </a:r>
+                    </a:p>
+                  </a:txBody>
+                  <a:tcPr marL="121287" marR="121287" marT="60643" marB="60643"/>
+                </a:tc>
+                <a:extLst>
+                  <a:ext uri="{0D108BD9-81ED-4DB2-BD59-A6C34878D82A}">
+                    <a16:rowId xmlns:a16="http://schemas.microsoft.com/office/drawing/2014/main" val="10000"/>
+                  </a:ext>
+                </a:extLst>
+              </a:tr>
+              <a:tr h="582178">
+                <a:tc>
+                  <a:txBody>
+                    <a:bodyPr/>
+                    <a:lstStyle/>
+                    <a:p>
+                      <a:pPr marL="0" lvl="0" indent="0" algn="l">
+                        <a:buNone/>
+                      </a:pPr>
+                      <a:r>
+                        <a:rPr sz="1400"/>
+                        <a:t>DependentsYes</a:t>
+                      </a:r>
+                    </a:p>
+                  </a:txBody>
+                  <a:tcPr marL="121287" marR="121287" marT="60643" marB="60643"/>
+                </a:tc>
+                <a:tc>
+                  <a:txBody>
+                    <a:bodyPr/>
+                    <a:lstStyle/>
+                    <a:p>
+                      <a:pPr marL="0" lvl="0" indent="0" algn="l">
+                        <a:buNone/>
+                      </a:pPr>
+                      <a:r>
+                        <a:rPr sz="1400"/>
+                        <a:t>0.81</a:t>
+                      </a:r>
+                    </a:p>
+                  </a:txBody>
+                  <a:tcPr marL="121287" marR="121287" marT="60643" marB="60643"/>
+                </a:tc>
+                <a:tc>
+                  <a:txBody>
+                    <a:bodyPr/>
+                    <a:lstStyle/>
+                    <a:p>
+                      <a:pPr marL="0" lvl="0" indent="0" algn="l">
+                        <a:buNone/>
+                      </a:pPr>
+                      <a:r>
+                        <a:rPr sz="1400"/>
+                        <a:t>Customers with dependents are </a:t>
+                      </a:r>
+                      <a:r>
+                        <a:rPr sz="1400" b="1"/>
+                        <a:t>19% less likely</a:t>
+                      </a:r>
+                      <a:r>
+                        <a:rPr sz="1400"/>
+                        <a:t> to churn than those without.</a:t>
+                      </a:r>
+                    </a:p>
+                  </a:txBody>
+                  <a:tcPr marL="121287" marR="121287" marT="60643" marB="60643"/>
+                </a:tc>
+                <a:extLst>
+                  <a:ext uri="{0D108BD9-81ED-4DB2-BD59-A6C34878D82A}">
+                    <a16:rowId xmlns:a16="http://schemas.microsoft.com/office/drawing/2014/main" val="10001"/>
+                  </a:ext>
+                </a:extLst>
+              </a:tr>
+              <a:tr h="582178">
+                <a:tc>
+                  <a:txBody>
+                    <a:bodyPr/>
+                    <a:lstStyle/>
+                    <a:p>
+                      <a:pPr marL="0" lvl="0" indent="0" algn="l">
+                        <a:buNone/>
+                      </a:pPr>
+                      <a:r>
+                        <a:rPr sz="1400"/>
+                        <a:t>InternetServiceNo</a:t>
+                      </a:r>
+                    </a:p>
+                  </a:txBody>
+                  <a:tcPr marL="121287" marR="121287" marT="60643" marB="60643"/>
+                </a:tc>
+                <a:tc>
+                  <a:txBody>
+                    <a:bodyPr/>
+                    <a:lstStyle/>
+                    <a:p>
+                      <a:pPr marL="0" lvl="0" indent="0" algn="l">
+                        <a:buNone/>
+                      </a:pPr>
+                      <a:r>
+                        <a:rPr sz="1400"/>
+                        <a:t>0.10</a:t>
+                      </a:r>
+                    </a:p>
+                  </a:txBody>
+                  <a:tcPr marL="121287" marR="121287" marT="60643" marB="60643"/>
+                </a:tc>
+                <a:tc>
+                  <a:txBody>
+                    <a:bodyPr/>
+                    <a:lstStyle/>
+                    <a:p>
+                      <a:pPr marL="0" lvl="0" indent="0" algn="l">
+                        <a:buNone/>
+                      </a:pPr>
+                      <a:r>
+                        <a:rPr sz="1400"/>
+                        <a:t>Customers with no internet service are </a:t>
+                      </a:r>
+                      <a:r>
+                        <a:rPr sz="1400" b="1"/>
+                        <a:t>much less likely</a:t>
+                      </a:r>
+                      <a:r>
+                        <a:rPr sz="1400"/>
+                        <a:t> to churn than those with.</a:t>
+                      </a:r>
+                    </a:p>
+                  </a:txBody>
+                  <a:tcPr marL="121287" marR="121287" marT="60643" marB="60643"/>
+                </a:tc>
+                <a:extLst>
+                  <a:ext uri="{0D108BD9-81ED-4DB2-BD59-A6C34878D82A}">
+                    <a16:rowId xmlns:a16="http://schemas.microsoft.com/office/drawing/2014/main" val="10002"/>
+                  </a:ext>
+                </a:extLst>
+              </a:tr>
+              <a:tr h="582178">
+                <a:tc>
+                  <a:txBody>
+                    <a:bodyPr/>
+                    <a:lstStyle/>
+                    <a:p>
+                      <a:pPr marL="0" lvl="0" indent="0" algn="l">
+                        <a:buNone/>
+                      </a:pPr>
+                      <a:r>
+                        <a:rPr sz="1400" dirty="0" err="1"/>
+                        <a:t>ContractOne</a:t>
+                      </a:r>
+                      <a:r>
+                        <a:rPr sz="1400" dirty="0"/>
+                        <a:t> year</a:t>
+                      </a:r>
+                    </a:p>
+                  </a:txBody>
+                  <a:tcPr marL="121287" marR="121287" marT="60643" marB="60643"/>
+                </a:tc>
+                <a:tc>
+                  <a:txBody>
+                    <a:bodyPr/>
+                    <a:lstStyle/>
+                    <a:p>
+                      <a:pPr marL="0" lvl="0" indent="0" algn="l">
+                        <a:buNone/>
+                      </a:pPr>
+                      <a:r>
+                        <a:rPr sz="1400"/>
+                        <a:t>0.45</a:t>
+                      </a:r>
+                    </a:p>
+                  </a:txBody>
+                  <a:tcPr marL="121287" marR="121287" marT="60643" marB="60643"/>
+                </a:tc>
+                <a:tc>
+                  <a:txBody>
+                    <a:bodyPr/>
+                    <a:lstStyle/>
+                    <a:p>
+                      <a:pPr marL="0" lvl="0" indent="0" algn="l">
+                        <a:buNone/>
+                      </a:pPr>
+                      <a:r>
+                        <a:rPr sz="1400"/>
+                        <a:t>One-year contract customers are </a:t>
+                      </a:r>
+                      <a:r>
+                        <a:rPr sz="1400" b="1"/>
+                        <a:t>55% less likely</a:t>
+                      </a:r>
+                      <a:r>
+                        <a:rPr sz="1400"/>
+                        <a:t> to churn than month to month.</a:t>
+                      </a:r>
+                    </a:p>
+                  </a:txBody>
+                  <a:tcPr marL="121287" marR="121287" marT="60643" marB="60643"/>
+                </a:tc>
+                <a:extLst>
+                  <a:ext uri="{0D108BD9-81ED-4DB2-BD59-A6C34878D82A}">
+                    <a16:rowId xmlns:a16="http://schemas.microsoft.com/office/drawing/2014/main" val="10003"/>
+                  </a:ext>
+                </a:extLst>
+              </a:tr>
+              <a:tr h="582178">
+                <a:tc>
+                  <a:txBody>
+                    <a:bodyPr/>
+                    <a:lstStyle/>
+                    <a:p>
+                      <a:pPr marL="0" lvl="0" indent="0" algn="l">
+                        <a:buNone/>
+                      </a:pPr>
+                      <a:r>
+                        <a:rPr sz="1400"/>
+                        <a:t>ContractTwo year</a:t>
+                      </a:r>
+                    </a:p>
+                  </a:txBody>
+                  <a:tcPr marL="121287" marR="121287" marT="60643" marB="60643"/>
+                </a:tc>
+                <a:tc>
+                  <a:txBody>
+                    <a:bodyPr/>
+                    <a:lstStyle/>
+                    <a:p>
+                      <a:pPr marL="0" lvl="0" indent="0" algn="l">
+                        <a:buNone/>
+                      </a:pPr>
+                      <a:r>
+                        <a:rPr sz="1400"/>
+                        <a:t>0.19</a:t>
+                      </a:r>
+                    </a:p>
+                  </a:txBody>
+                  <a:tcPr marL="121287" marR="121287" marT="60643" marB="60643"/>
+                </a:tc>
+                <a:tc>
+                  <a:txBody>
+                    <a:bodyPr/>
+                    <a:lstStyle/>
+                    <a:p>
+                      <a:pPr marL="0" lvl="0" indent="0" algn="l">
+                        <a:buNone/>
+                      </a:pPr>
+                      <a:r>
+                        <a:rPr sz="1400"/>
+                        <a:t>Two-year contract customers are </a:t>
+                      </a:r>
+                      <a:r>
+                        <a:rPr sz="1400" b="1"/>
+                        <a:t>81% less likely</a:t>
+                      </a:r>
+                      <a:r>
+                        <a:rPr sz="1400"/>
+                        <a:t> to churn than month to month.</a:t>
+                      </a:r>
+                    </a:p>
+                  </a:txBody>
+                  <a:tcPr marL="121287" marR="121287" marT="60643" marB="60643"/>
+                </a:tc>
+                <a:extLst>
+                  <a:ext uri="{0D108BD9-81ED-4DB2-BD59-A6C34878D82A}">
+                    <a16:rowId xmlns:a16="http://schemas.microsoft.com/office/drawing/2014/main" val="10004"/>
+                  </a:ext>
+                </a:extLst>
+              </a:tr>
+              <a:tr h="582178">
+                <a:tc>
+                  <a:txBody>
+                    <a:bodyPr/>
+                    <a:lstStyle/>
+                    <a:p>
+                      <a:pPr marL="0" lvl="0" indent="0" algn="l">
+                        <a:buNone/>
+                      </a:pPr>
+                      <a:r>
+                        <a:rPr sz="1400"/>
+                        <a:t>PaymentMethodMailed check</a:t>
+                      </a:r>
+                    </a:p>
+                  </a:txBody>
+                  <a:tcPr marL="121287" marR="121287" marT="60643" marB="60643"/>
+                </a:tc>
+                <a:tc>
+                  <a:txBody>
+                    <a:bodyPr/>
+                    <a:lstStyle/>
+                    <a:p>
+                      <a:pPr marL="0" lvl="0" indent="0" algn="l">
+                        <a:buNone/>
+                      </a:pPr>
+                      <a:r>
+                        <a:rPr sz="1400"/>
+                        <a:t>0.83</a:t>
+                      </a:r>
+                    </a:p>
+                  </a:txBody>
+                  <a:tcPr marL="121287" marR="121287" marT="60643" marB="60643"/>
+                </a:tc>
+                <a:tc>
+                  <a:txBody>
+                    <a:bodyPr/>
+                    <a:lstStyle/>
+                    <a:p>
+                      <a:pPr marL="0" lvl="0" indent="0" algn="l">
+                        <a:buNone/>
+                      </a:pPr>
+                      <a:r>
+                        <a:rPr sz="1400"/>
+                        <a:t>Paying by mailed check slightly </a:t>
+                      </a:r>
+                      <a:r>
+                        <a:rPr sz="1400" b="1"/>
+                        <a:t>reduces</a:t>
+                      </a:r>
+                      <a:r>
+                        <a:rPr sz="1400"/>
+                        <a:t> churn risk compared to Bank Transfer.</a:t>
+                      </a:r>
+                    </a:p>
+                  </a:txBody>
+                  <a:tcPr marL="121287" marR="121287" marT="60643" marB="60643"/>
+                </a:tc>
+                <a:extLst>
+                  <a:ext uri="{0D108BD9-81ED-4DB2-BD59-A6C34878D82A}">
+                    <a16:rowId xmlns:a16="http://schemas.microsoft.com/office/drawing/2014/main" val="10005"/>
+                  </a:ext>
+                </a:extLst>
+              </a:tr>
+              <a:tr h="582178">
+                <a:tc>
+                  <a:txBody>
+                    <a:bodyPr/>
+                    <a:lstStyle/>
+                    <a:p>
+                      <a:pPr marL="0" lvl="0" indent="0" algn="l">
+                        <a:buNone/>
+                      </a:pPr>
+                      <a:r>
+                        <a:rPr sz="1400" dirty="0" err="1"/>
+                        <a:t>MonthlyCharges</a:t>
+                      </a:r>
+                      <a:endParaRPr sz="1400" dirty="0"/>
+                    </a:p>
+                  </a:txBody>
+                  <a:tcPr marL="121287" marR="121287" marT="60643" marB="60643"/>
+                </a:tc>
+                <a:tc>
+                  <a:txBody>
+                    <a:bodyPr/>
+                    <a:lstStyle/>
+                    <a:p>
+                      <a:pPr marL="0" lvl="0" indent="0" algn="l">
+                        <a:buNone/>
+                      </a:pPr>
+                      <a:r>
+                        <a:rPr sz="1400"/>
+                        <a:t>0.94</a:t>
+                      </a:r>
+                    </a:p>
+                  </a:txBody>
+                  <a:tcPr marL="121287" marR="121287" marT="60643" marB="60643"/>
+                </a:tc>
+                <a:tc>
+                  <a:txBody>
+                    <a:bodyPr/>
+                    <a:lstStyle/>
+                    <a:p>
+                      <a:pPr marL="0" lvl="0" indent="0" algn="l">
+                        <a:buNone/>
+                      </a:pPr>
+                      <a:r>
+                        <a:rPr sz="1400" dirty="0"/>
+                        <a:t>Slight effect — higher monthly charges very slightly </a:t>
+                      </a:r>
+                      <a:r>
+                        <a:rPr sz="1400" b="1" dirty="0"/>
+                        <a:t>decrease</a:t>
+                      </a:r>
+                      <a:r>
+                        <a:rPr sz="1400" dirty="0"/>
+                        <a:t> churn risk.</a:t>
+                      </a:r>
+                    </a:p>
+                  </a:txBody>
+                  <a:tcPr marL="121287" marR="121287" marT="60643" marB="60643"/>
+                </a:tc>
+                <a:extLst>
+                  <a:ext uri="{0D108BD9-81ED-4DB2-BD59-A6C34878D82A}">
+                    <a16:rowId xmlns:a16="http://schemas.microsoft.com/office/drawing/2014/main" val="10006"/>
+                  </a:ext>
+                </a:extLst>
+              </a:tr>
+            </a:tbl>
+          </a:graphicData>
+        </a:graphic>
+      </p:graphicFrame>
+      <p:pic>
+        <p:nvPicPr>
+          <p:cNvPr id="2" name="Picture 1">
+            <a:extLst>
+              <a:ext uri="{FF2B5EF4-FFF2-40B4-BE49-F238E27FC236}">
+                <a16:creationId xmlns:a16="http://schemas.microsoft.com/office/drawing/2014/main" id="{83B21BF0-9EBD-00F3-F967-09F9402E5C8C}"/>
+              </a:ext>
+            </a:extLst>
+          </p:cNvPr>
+          <p:cNvPicPr>
+            <a:picLocks noChangeAspect="1"/>
+          </p:cNvPicPr>
+          <p:nvPr/>
+        </p:nvPicPr>
+        <p:blipFill>
+          <a:blip r:embed="rId3"/>
+          <a:stretch>
+            <a:fillRect/>
+          </a:stretch>
+        </p:blipFill>
+        <p:spPr>
+          <a:xfrm>
+            <a:off x="4165605" y="275910"/>
+            <a:ext cx="2100284" cy="1505864"/>
+          </a:xfrm>
+          <a:prstGeom prst="rect">
+            <a:avLst/>
+          </a:prstGeom>
+        </p:spPr>
+      </p:pic>
     </p:spTree>
   </p:cSld>
   <p:clrMapOvr>
-    <a:overrideClrMapping bg1="dk1" tx1="lt1" bg2="dk2" tx2="lt2" accent1="accent1" accent2="accent2" accent3="accent3" accent4="accent4" accent5="accent5" accent6="accent6" hlink="hlink" folHlink="folHlink"/>
+    <a:masterClrMapping/>
   </p:clrMapOvr>
 </p:sld>
 </file>
@@ -7257,6 +11847,321 @@
   <a:extLst>
     <a:ext uri="{05A4C25C-085E-4340-85A3-A5531E510DB2}">
       <thm15:themeFamily xmlns:thm15="http://schemas.microsoft.com/office/thememl/2012/main" name="VanillaVTI" id="{54D376C6-1C9B-4C6B-8F3C-483BB307BB05}" vid="{7690D8A9-C071-45EF-BA7A-F7FA9779B11D}"/>
+    </a:ext>
+  </a:extLst>
+</a:theme>
+</file>
+
+<file path=ppt/theme/theme2.xml><?xml version="1.0" encoding="utf-8"?>
+<a:theme xmlns:a="http://schemas.openxmlformats.org/drawingml/2006/main" name="Office Theme">
+  <a:themeElements>
+    <a:clrScheme name="Office">
+      <a:dk1>
+        <a:sysClr val="windowText" lastClr="000000"/>
+      </a:dk1>
+      <a:lt1>
+        <a:sysClr val="window" lastClr="FFFFFF"/>
+      </a:lt1>
+      <a:dk2>
+        <a:srgbClr val="0E2841"/>
+      </a:dk2>
+      <a:lt2>
+        <a:srgbClr val="E8E8E8"/>
+      </a:lt2>
+      <a:accent1>
+        <a:srgbClr val="156082"/>
+      </a:accent1>
+      <a:accent2>
+        <a:srgbClr val="E97132"/>
+      </a:accent2>
+      <a:accent3>
+        <a:srgbClr val="196B24"/>
+      </a:accent3>
+      <a:accent4>
+        <a:srgbClr val="0F9ED5"/>
+      </a:accent4>
+      <a:accent5>
+        <a:srgbClr val="A02B93"/>
+      </a:accent5>
+      <a:accent6>
+        <a:srgbClr val="4EA72E"/>
+      </a:accent6>
+      <a:hlink>
+        <a:srgbClr val="467886"/>
+      </a:hlink>
+      <a:folHlink>
+        <a:srgbClr val="96607D"/>
+      </a:folHlink>
+    </a:clrScheme>
+    <a:fontScheme name="Office">
+      <a:majorFont>
+        <a:latin typeface="Aptos Display" panose="02110004020202020204"/>
+        <a:ea typeface=""/>
+        <a:cs typeface=""/>
+        <a:font script="Jpan" typeface="游ゴシック Light"/>
+        <a:font script="Hang" typeface="맑은 고딕"/>
+        <a:font script="Hans" typeface="等线 Light"/>
+        <a:font script="Hant" typeface="新細明體"/>
+        <a:font script="Arab" typeface="Times New Roman"/>
+        <a:font script="Hebr" typeface="Times New Roman"/>
+        <a:font script="Thai" typeface="Angsana New"/>
+        <a:font script="Ethi" typeface="Nyala"/>
+        <a:font script="Beng" typeface="Vrinda"/>
+        <a:font script="Gujr" typeface="Shruti"/>
+        <a:font script="Khmr" typeface="MoolBoran"/>
+        <a:font script="Knda" typeface="Tunga"/>
+        <a:font script="Guru" typeface="Raavi"/>
+        <a:font script="Cans" typeface="Euphemia"/>
+        <a:font script="Cher" typeface="Plantagenet Cherokee"/>
+        <a:font script="Yiii" typeface="Microsoft Yi Baiti"/>
+        <a:font script="Tibt" typeface="Microsoft Himalaya"/>
+        <a:font script="Thaa" typeface="MV Boli"/>
+        <a:font script="Deva" typeface="Mangal"/>
+        <a:font script="Telu" typeface="Gautami"/>
+        <a:font script="Taml" typeface="Latha"/>
+        <a:font script="Syrc" typeface="Estrangelo Edessa"/>
+        <a:font script="Orya" typeface="Kalinga"/>
+        <a:font script="Mlym" typeface="Kartika"/>
+        <a:font script="Laoo" typeface="DokChampa"/>
+        <a:font script="Sinh" typeface="Iskoola Pota"/>
+        <a:font script="Mong" typeface="Mongolian Baiti"/>
+        <a:font script="Viet" typeface="Times New Roman"/>
+        <a:font script="Uigh" typeface="Microsoft Uighur"/>
+        <a:font script="Geor" typeface="Sylfaen"/>
+        <a:font script="Armn" typeface="Arial"/>
+        <a:font script="Bugi" typeface="Leelawadee UI"/>
+        <a:font script="Bopo" typeface="Microsoft JhengHei"/>
+        <a:font script="Java" typeface="Javanese Text"/>
+        <a:font script="Lisu" typeface="Segoe UI"/>
+        <a:font script="Mymr" typeface="Myanmar Text"/>
+        <a:font script="Nkoo" typeface="Ebrima"/>
+        <a:font script="Olck" typeface="Nirmala UI"/>
+        <a:font script="Osma" typeface="Ebrima"/>
+        <a:font script="Phag" typeface="Phagspa"/>
+        <a:font script="Syrn" typeface="Estrangelo Edessa"/>
+        <a:font script="Syrj" typeface="Estrangelo Edessa"/>
+        <a:font script="Syre" typeface="Estrangelo Edessa"/>
+        <a:font script="Sora" typeface="Nirmala UI"/>
+        <a:font script="Tale" typeface="Microsoft Tai Le"/>
+        <a:font script="Talu" typeface="Microsoft New Tai Lue"/>
+        <a:font script="Tfng" typeface="Ebrima"/>
+      </a:majorFont>
+      <a:minorFont>
+        <a:latin typeface="Aptos" panose="02110004020202020204"/>
+        <a:ea typeface=""/>
+        <a:cs typeface=""/>
+        <a:font script="Jpan" typeface="游ゴシック"/>
+        <a:font script="Hang" typeface="맑은 고딕"/>
+        <a:font script="Hans" typeface="等线"/>
+        <a:font script="Hant" typeface="新細明體"/>
+        <a:font script="Arab" typeface="Arial"/>
+        <a:font script="Hebr" typeface="Arial"/>
+        <a:font script="Thai" typeface="Cordia New"/>
+        <a:font script="Ethi" typeface="Nyala"/>
+        <a:font script="Beng" typeface="Vrinda"/>
+        <a:font script="Gujr" typeface="Shruti"/>
+        <a:font script="Khmr" typeface="DaunPenh"/>
+        <a:font script="Knda" typeface="Tunga"/>
+        <a:font script="Guru" typeface="Raavi"/>
+        <a:font script="Cans" typeface="Euphemia"/>
+        <a:font script="Cher" typeface="Plantagenet Cherokee"/>
+        <a:font script="Yiii" typeface="Microsoft Yi Baiti"/>
+        <a:font script="Tibt" typeface="Microsoft Himalaya"/>
+        <a:font script="Thaa" typeface="MV Boli"/>
+        <a:font script="Deva" typeface="Mangal"/>
+        <a:font script="Telu" typeface="Gautami"/>
+        <a:font script="Taml" typeface="Latha"/>
+        <a:font script="Syrc" typeface="Estrangelo Edessa"/>
+        <a:font script="Orya" typeface="Kalinga"/>
+        <a:font script="Mlym" typeface="Kartika"/>
+        <a:font script="Laoo" typeface="DokChampa"/>
+        <a:font script="Sinh" typeface="Iskoola Pota"/>
+        <a:font script="Mong" typeface="Mongolian Baiti"/>
+        <a:font script="Viet" typeface="Arial"/>
+        <a:font script="Uigh" typeface="Microsoft Uighur"/>
+        <a:font script="Geor" typeface="Sylfaen"/>
+        <a:font script="Armn" typeface="Arial"/>
+        <a:font script="Bugi" typeface="Leelawadee UI"/>
+        <a:font script="Bopo" typeface="Microsoft JhengHei"/>
+        <a:font script="Java" typeface="Javanese Text"/>
+        <a:font script="Lisu" typeface="Segoe UI"/>
+        <a:font script="Mymr" typeface="Myanmar Text"/>
+        <a:font script="Nkoo" typeface="Ebrima"/>
+        <a:font script="Olck" typeface="Nirmala UI"/>
+        <a:font script="Osma" typeface="Ebrima"/>
+        <a:font script="Phag" typeface="Phagspa"/>
+        <a:font script="Syrn" typeface="Estrangelo Edessa"/>
+        <a:font script="Syrj" typeface="Estrangelo Edessa"/>
+        <a:font script="Syre" typeface="Estrangelo Edessa"/>
+        <a:font script="Sora" typeface="Nirmala UI"/>
+        <a:font script="Tale" typeface="Microsoft Tai Le"/>
+        <a:font script="Talu" typeface="Microsoft New Tai Lue"/>
+        <a:font script="Tfng" typeface="Ebrima"/>
+      </a:minorFont>
+    </a:fontScheme>
+    <a:fmtScheme name="Office">
+      <a:fillStyleLst>
+        <a:solidFill>
+          <a:schemeClr val="phClr"/>
+        </a:solidFill>
+        <a:gradFill rotWithShape="1">
+          <a:gsLst>
+            <a:gs pos="0">
+              <a:schemeClr val="phClr">
+                <a:lumMod val="110000"/>
+                <a:satMod val="105000"/>
+                <a:tint val="67000"/>
+              </a:schemeClr>
+            </a:gs>
+            <a:gs pos="50000">
+              <a:schemeClr val="phClr">
+                <a:lumMod val="105000"/>
+                <a:satMod val="103000"/>
+                <a:tint val="73000"/>
+              </a:schemeClr>
+            </a:gs>
+            <a:gs pos="100000">
+              <a:schemeClr val="phClr">
+                <a:lumMod val="105000"/>
+                <a:satMod val="109000"/>
+                <a:tint val="81000"/>
+              </a:schemeClr>
+            </a:gs>
+          </a:gsLst>
+          <a:lin ang="5400000" scaled="0"/>
+        </a:gradFill>
+        <a:gradFill rotWithShape="1">
+          <a:gsLst>
+            <a:gs pos="0">
+              <a:schemeClr val="phClr">
+                <a:satMod val="103000"/>
+                <a:lumMod val="102000"/>
+                <a:tint val="94000"/>
+              </a:schemeClr>
+            </a:gs>
+            <a:gs pos="50000">
+              <a:schemeClr val="phClr">
+                <a:satMod val="110000"/>
+                <a:lumMod val="100000"/>
+                <a:shade val="100000"/>
+              </a:schemeClr>
+            </a:gs>
+            <a:gs pos="100000">
+              <a:schemeClr val="phClr">
+                <a:lumMod val="99000"/>
+                <a:satMod val="120000"/>
+                <a:shade val="78000"/>
+              </a:schemeClr>
+            </a:gs>
+          </a:gsLst>
+          <a:lin ang="5400000" scaled="0"/>
+        </a:gradFill>
+      </a:fillStyleLst>
+      <a:lnStyleLst>
+        <a:ln w="12700" cap="flat" cmpd="sng" algn="ctr">
+          <a:solidFill>
+            <a:schemeClr val="phClr"/>
+          </a:solidFill>
+          <a:prstDash val="solid"/>
+          <a:miter lim="800000"/>
+        </a:ln>
+        <a:ln w="19050" cap="flat" cmpd="sng" algn="ctr">
+          <a:solidFill>
+            <a:schemeClr val="phClr"/>
+          </a:solidFill>
+          <a:prstDash val="solid"/>
+          <a:miter lim="800000"/>
+        </a:ln>
+        <a:ln w="25400" cap="flat" cmpd="sng" algn="ctr">
+          <a:solidFill>
+            <a:schemeClr val="phClr"/>
+          </a:solidFill>
+          <a:prstDash val="solid"/>
+          <a:miter lim="800000"/>
+        </a:ln>
+      </a:lnStyleLst>
+      <a:effectStyleLst>
+        <a:effectStyle>
+          <a:effectLst/>
+        </a:effectStyle>
+        <a:effectStyle>
+          <a:effectLst/>
+        </a:effectStyle>
+        <a:effectStyle>
+          <a:effectLst>
+            <a:outerShdw blurRad="57150" dist="19050" dir="5400000" algn="ctr" rotWithShape="0">
+              <a:srgbClr val="000000">
+                <a:alpha val="63000"/>
+              </a:srgbClr>
+            </a:outerShdw>
+          </a:effectLst>
+        </a:effectStyle>
+      </a:effectStyleLst>
+      <a:bgFillStyleLst>
+        <a:solidFill>
+          <a:schemeClr val="phClr"/>
+        </a:solidFill>
+        <a:solidFill>
+          <a:schemeClr val="phClr">
+            <a:tint val="95000"/>
+            <a:satMod val="170000"/>
+          </a:schemeClr>
+        </a:solidFill>
+        <a:gradFill rotWithShape="1">
+          <a:gsLst>
+            <a:gs pos="0">
+              <a:schemeClr val="phClr">
+                <a:tint val="93000"/>
+                <a:satMod val="150000"/>
+                <a:shade val="98000"/>
+                <a:lumMod val="102000"/>
+              </a:schemeClr>
+            </a:gs>
+            <a:gs pos="50000">
+              <a:schemeClr val="phClr">
+                <a:tint val="98000"/>
+                <a:satMod val="130000"/>
+                <a:shade val="90000"/>
+                <a:lumMod val="103000"/>
+              </a:schemeClr>
+            </a:gs>
+            <a:gs pos="100000">
+              <a:schemeClr val="phClr">
+                <a:shade val="63000"/>
+                <a:satMod val="120000"/>
+              </a:schemeClr>
+            </a:gs>
+          </a:gsLst>
+          <a:lin ang="5400000" scaled="0"/>
+        </a:gradFill>
+      </a:bgFillStyleLst>
+    </a:fmtScheme>
+  </a:themeElements>
+  <a:objectDefaults>
+    <a:lnDef>
+      <a:spPr/>
+      <a:bodyPr/>
+      <a:lstStyle/>
+      <a:style>
+        <a:lnRef idx="2">
+          <a:schemeClr val="accent1"/>
+        </a:lnRef>
+        <a:fillRef idx="0">
+          <a:schemeClr val="accent1"/>
+        </a:fillRef>
+        <a:effectRef idx="1">
+          <a:schemeClr val="accent1"/>
+        </a:effectRef>
+        <a:fontRef idx="minor">
+          <a:schemeClr val="tx1"/>
+        </a:fontRef>
+      </a:style>
+    </a:lnDef>
+  </a:objectDefaults>
+  <a:extraClrSchemeLst/>
+  <a:extLst>
+    <a:ext uri="{05A4C25C-085E-4340-85A3-A5531E510DB2}">
+      <thm15:themeFamily xmlns:thm15="http://schemas.microsoft.com/office/thememl/2012/main" name="Office Theme" id="{2E142A2C-CD16-42D6-873A-C26D2A0506FA}" vid="{1BDDFF52-6CD6-40A5-AB3C-68EB2F1E4D0A}"/>
     </a:ext>
   </a:extLst>
 </a:theme>
